--- a/folded_gilbert/seminar/20231031/ParasiticCapacitores/周波数特性改善方法に関する方針の検討.pptx
+++ b/folded_gilbert/seminar/20231031/ParasiticCapacitores/周波数特性改善方法に関する方針の検討.pptx
@@ -5,7 +5,7 @@
     <p:sldMasterId id="2147483648" r:id="rId1"/>
   </p:sldMasterIdLst>
   <p:notesMasterIdLst>
-    <p:notesMasterId r:id="rId10"/>
+    <p:notesMasterId r:id="rId15"/>
   </p:notesMasterIdLst>
   <p:sldIdLst>
     <p:sldId id="256" r:id="rId2"/>
@@ -16,6 +16,11 @@
     <p:sldId id="261" r:id="rId7"/>
     <p:sldId id="262" r:id="rId8"/>
     <p:sldId id="263" r:id="rId9"/>
+    <p:sldId id="265" r:id="rId10"/>
+    <p:sldId id="267" r:id="rId11"/>
+    <p:sldId id="266" r:id="rId12"/>
+    <p:sldId id="268" r:id="rId13"/>
+    <p:sldId id="264" r:id="rId14"/>
   </p:sldIdLst>
   <p:sldSz cx="12192000" cy="6858000"/>
   <p:notesSz cx="6858000" cy="9144000"/>
@@ -204,7 +209,7 @@
           <a:p>
             <a:fld id="{2C46F3B6-9F4C-4F4C-BE06-27D895F5C426}" type="datetimeFigureOut">
               <a:rPr kumimoji="1" lang="ja-JP" altLang="en-US" smtClean="0"/>
-              <a:t>2023/10/12</a:t>
+              <a:t>2023/10/18</a:t>
             </a:fld>
             <a:endParaRPr kumimoji="1" lang="ja-JP" altLang="en-US"/>
           </a:p>
@@ -650,7 +655,7 @@
           <a:p>
             <a:fld id="{F01A43C0-B38C-44E6-8C18-4EF41D96491C}" type="datetime1">
               <a:rPr kumimoji="1" lang="ja-JP" altLang="en-US" smtClean="0"/>
-              <a:t>2023/10/12</a:t>
+              <a:t>2023/10/18</a:t>
             </a:fld>
             <a:endParaRPr kumimoji="1" lang="ja-JP" altLang="en-US"/>
           </a:p>
@@ -880,7 +885,7 @@
           <a:p>
             <a:fld id="{332CA7C2-FAE0-4851-9DD0-E3E6AD54DA0B}" type="datetime1">
               <a:rPr kumimoji="1" lang="ja-JP" altLang="en-US" smtClean="0"/>
-              <a:t>2023/10/12</a:t>
+              <a:t>2023/10/18</a:t>
             </a:fld>
             <a:endParaRPr kumimoji="1" lang="ja-JP" altLang="en-US"/>
           </a:p>
@@ -1120,7 +1125,7 @@
           <a:p>
             <a:fld id="{1135585D-64AB-45F0-9D90-BFCAB56C5328}" type="datetime1">
               <a:rPr kumimoji="1" lang="ja-JP" altLang="en-US" smtClean="0"/>
-              <a:t>2023/10/12</a:t>
+              <a:t>2023/10/18</a:t>
             </a:fld>
             <a:endParaRPr kumimoji="1" lang="ja-JP" altLang="en-US"/>
           </a:p>
@@ -1350,7 +1355,7 @@
           <a:p>
             <a:fld id="{6453AFDD-E21C-4284-B8D3-E5B4818B0342}" type="datetime1">
               <a:rPr kumimoji="1" lang="ja-JP" altLang="en-US" smtClean="0"/>
-              <a:t>2023/10/12</a:t>
+              <a:t>2023/10/18</a:t>
             </a:fld>
             <a:endParaRPr kumimoji="1" lang="ja-JP" altLang="en-US"/>
           </a:p>
@@ -1625,7 +1630,7 @@
           <a:p>
             <a:fld id="{A380E4AD-DA93-4629-98C5-46359FD81024}" type="datetime1">
               <a:rPr kumimoji="1" lang="ja-JP" altLang="en-US" smtClean="0"/>
-              <a:t>2023/10/12</a:t>
+              <a:t>2023/10/18</a:t>
             </a:fld>
             <a:endParaRPr kumimoji="1" lang="ja-JP" altLang="en-US"/>
           </a:p>
@@ -1954,7 +1959,7 @@
           <a:p>
             <a:fld id="{BC668100-AFAC-477B-8C6E-E0307D551986}" type="datetime1">
               <a:rPr kumimoji="1" lang="ja-JP" altLang="en-US" smtClean="0"/>
-              <a:t>2023/10/12</a:t>
+              <a:t>2023/10/18</a:t>
             </a:fld>
             <a:endParaRPr kumimoji="1" lang="ja-JP" altLang="en-US"/>
           </a:p>
@@ -2430,7 +2435,7 @@
           <a:p>
             <a:fld id="{66B600B6-4D95-4521-BDDD-678A7525C957}" type="datetime1">
               <a:rPr kumimoji="1" lang="ja-JP" altLang="en-US" smtClean="0"/>
-              <a:t>2023/10/12</a:t>
+              <a:t>2023/10/18</a:t>
             </a:fld>
             <a:endParaRPr kumimoji="1" lang="ja-JP" altLang="en-US"/>
           </a:p>
@@ -2571,7 +2576,7 @@
           <a:p>
             <a:fld id="{103C482B-E667-4511-986C-4DB8D7D2073A}" type="datetime1">
               <a:rPr kumimoji="1" lang="ja-JP" altLang="en-US" smtClean="0"/>
-              <a:t>2023/10/12</a:t>
+              <a:t>2023/10/18</a:t>
             </a:fld>
             <a:endParaRPr kumimoji="1" lang="ja-JP" altLang="en-US"/>
           </a:p>
@@ -2684,7 +2689,7 @@
           <a:p>
             <a:fld id="{149B87C4-B621-4971-B24F-DBD4FBE22979}" type="datetime1">
               <a:rPr kumimoji="1" lang="ja-JP" altLang="en-US" smtClean="0"/>
-              <a:t>2023/10/12</a:t>
+              <a:t>2023/10/18</a:t>
             </a:fld>
             <a:endParaRPr kumimoji="1" lang="ja-JP" altLang="en-US"/>
           </a:p>
@@ -3027,7 +3032,7 @@
           <a:p>
             <a:fld id="{BFEC8D42-A394-4A67-9220-B7553ED6B731}" type="datetime1">
               <a:rPr kumimoji="1" lang="ja-JP" altLang="en-US" smtClean="0"/>
-              <a:t>2023/10/12</a:t>
+              <a:t>2023/10/18</a:t>
             </a:fld>
             <a:endParaRPr kumimoji="1" lang="ja-JP" altLang="en-US"/>
           </a:p>
@@ -3315,7 +3320,7 @@
           <a:p>
             <a:fld id="{AACB5297-38AE-417A-B67A-D333197135F1}" type="datetime1">
               <a:rPr kumimoji="1" lang="ja-JP" altLang="en-US" smtClean="0"/>
-              <a:t>2023/10/12</a:t>
+              <a:t>2023/10/18</a:t>
             </a:fld>
             <a:endParaRPr kumimoji="1" lang="ja-JP" altLang="en-US"/>
           </a:p>
@@ -3588,7 +3593,7 @@
           <a:p>
             <a:fld id="{AE668F5B-FBDB-4ED1-8C09-73D92A13A489}" type="datetime1">
               <a:rPr kumimoji="1" lang="ja-JP" altLang="en-US" smtClean="0"/>
-              <a:t>2023/10/12</a:t>
+              <a:t>2023/10/18</a:t>
             </a:fld>
             <a:endParaRPr kumimoji="1" lang="ja-JP" altLang="en-US"/>
           </a:p>
@@ -4108,6 +4113,3564 @@
 </p:sld>
 </file>
 
+<file path=ppt/slides/slide10.xml><?xml version="1.0" encoding="utf-8"?>
+<p:sld xmlns:a="http://schemas.openxmlformats.org/drawingml/2006/main" xmlns:r="http://schemas.openxmlformats.org/officeDocument/2006/relationships" xmlns:p="http://schemas.openxmlformats.org/presentationml/2006/main">
+  <p:cSld>
+    <p:spTree>
+      <p:nvGrpSpPr>
+        <p:cNvPr id="1" name=""/>
+        <p:cNvGrpSpPr/>
+        <p:nvPr/>
+      </p:nvGrpSpPr>
+      <p:grpSpPr>
+        <a:xfrm>
+          <a:off x="0" y="0"/>
+          <a:ext cx="0" cy="0"/>
+          <a:chOff x="0" y="0"/>
+          <a:chExt cx="0" cy="0"/>
+        </a:xfrm>
+      </p:grpSpPr>
+      <p:sp>
+        <p:nvSpPr>
+          <p:cNvPr id="2" name="タイトル 1">
+            <a:extLst>
+              <a:ext uri="{FF2B5EF4-FFF2-40B4-BE49-F238E27FC236}">
+                <a16:creationId xmlns:a16="http://schemas.microsoft.com/office/drawing/2014/main" id="{FE555129-0E1F-4CDA-B257-082F2CF63F86}"/>
+              </a:ext>
+            </a:extLst>
+          </p:cNvPr>
+          <p:cNvSpPr>
+            <a:spLocks noGrp="1"/>
+          </p:cNvSpPr>
+          <p:nvPr>
+            <p:ph type="title"/>
+          </p:nvPr>
+        </p:nvSpPr>
+        <p:spPr/>
+        <p:txBody>
+          <a:bodyPr/>
+          <a:lstStyle/>
+          <a:p>
+            <a:r>
+              <a:rPr lang="ja-JP" altLang="en-US" dirty="0"/>
+              <a:t>直流バイアスの設計</a:t>
+            </a:r>
+            <a:r>
+              <a:rPr lang="en-US" altLang="ja-JP" dirty="0"/>
+              <a:t>(PMOS)</a:t>
+            </a:r>
+            <a:endParaRPr kumimoji="1" lang="ja-JP" altLang="en-US" dirty="0"/>
+          </a:p>
+        </p:txBody>
+      </p:sp>
+      <p:sp>
+        <p:nvSpPr>
+          <p:cNvPr id="3" name="スライド番号プレースホルダー 2">
+            <a:extLst>
+              <a:ext uri="{FF2B5EF4-FFF2-40B4-BE49-F238E27FC236}">
+                <a16:creationId xmlns:a16="http://schemas.microsoft.com/office/drawing/2014/main" id="{B4C18B16-846A-1283-FB28-F255E358E94C}"/>
+              </a:ext>
+            </a:extLst>
+          </p:cNvPr>
+          <p:cNvSpPr>
+            <a:spLocks noGrp="1"/>
+          </p:cNvSpPr>
+          <p:nvPr>
+            <p:ph type="sldNum" sz="quarter" idx="12"/>
+          </p:nvPr>
+        </p:nvSpPr>
+        <p:spPr/>
+        <p:txBody>
+          <a:bodyPr/>
+          <a:lstStyle/>
+          <a:p>
+            <a:fld id="{C3C4BE22-9B85-4F9B-AD13-D01C8C6C010B}" type="slidenum">
+              <a:rPr kumimoji="1" lang="ja-JP" altLang="en-US" smtClean="0"/>
+              <a:t>10</a:t>
+            </a:fld>
+            <a:endParaRPr kumimoji="1" lang="ja-JP" altLang="en-US"/>
+          </a:p>
+        </p:txBody>
+      </p:sp>
+      <mc:AlternateContent xmlns:mc="http://schemas.openxmlformats.org/markup-compatibility/2006">
+        <mc:Choice xmlns:a14="http://schemas.microsoft.com/office/drawing/2010/main" Requires="a14">
+          <p:sp>
+            <p:nvSpPr>
+              <p:cNvPr id="8" name="テキスト ボックス 7">
+                <a:extLst>
+                  <a:ext uri="{FF2B5EF4-FFF2-40B4-BE49-F238E27FC236}">
+                    <a16:creationId xmlns:a16="http://schemas.microsoft.com/office/drawing/2014/main" id="{66CB7574-7321-26F8-FC58-46B7E79F1942}"/>
+                  </a:ext>
+                </a:extLst>
+              </p:cNvPr>
+              <p:cNvSpPr txBox="1"/>
+              <p:nvPr/>
+            </p:nvSpPr>
+            <p:spPr>
+              <a:xfrm>
+                <a:off x="5921406" y="1672154"/>
+                <a:ext cx="6270594" cy="4767908"/>
+              </a:xfrm>
+              <a:prstGeom prst="rect">
+                <a:avLst/>
+              </a:prstGeom>
+              <a:noFill/>
+            </p:spPr>
+            <p:txBody>
+              <a:bodyPr wrap="square" rtlCol="0">
+                <a:spAutoFit/>
+              </a:bodyPr>
+              <a:lstStyle/>
+              <a:p>
+                <a:r>
+                  <a:rPr lang="ja-JP" altLang="en-US" sz="2400" dirty="0"/>
+                  <a:t>ゲート</a:t>
+                </a:r>
+                <a14:m>
+                  <m:oMath xmlns:m="http://schemas.openxmlformats.org/officeDocument/2006/math">
+                    <m:r>
+                      <a:rPr lang="ja-JP" altLang="en-US" sz="2400" i="1" dirty="0" smtClean="0">
+                        <a:latin typeface="Cambria Math" panose="02040503050406030204" pitchFamily="18" charset="0"/>
+                      </a:rPr>
+                      <m:t>電位は</m:t>
+                    </m:r>
+                    <m:sSub>
+                      <m:sSubPr>
+                        <m:ctrlPr>
+                          <a:rPr lang="en-US" altLang="ja-JP" sz="2400" b="0" i="1" dirty="0" smtClean="0">
+                            <a:latin typeface="Cambria Math" panose="02040503050406030204" pitchFamily="18" charset="0"/>
+                          </a:rPr>
+                        </m:ctrlPr>
+                      </m:sSubPr>
+                      <m:e>
+                        <m:sSub>
+                          <m:sSubPr>
+                            <m:ctrlPr>
+                              <a:rPr lang="en-US" altLang="ja-JP" sz="2400" b="0" i="1" dirty="0" smtClean="0">
+                                <a:latin typeface="Cambria Math" panose="02040503050406030204" pitchFamily="18" charset="0"/>
+                              </a:rPr>
+                            </m:ctrlPr>
+                          </m:sSubPr>
+                          <m:e>
+                            <m:r>
+                              <a:rPr lang="en-US" altLang="ja-JP" sz="2400" b="0" i="1" dirty="0" smtClean="0">
+                                <a:latin typeface="Cambria Math" panose="02040503050406030204" pitchFamily="18" charset="0"/>
+                              </a:rPr>
+                              <m:t>𝑉</m:t>
+                            </m:r>
+                          </m:e>
+                          <m:sub>
+                            <m:r>
+                              <a:rPr lang="en-US" altLang="ja-JP" sz="2400" b="0" i="1" dirty="0" smtClean="0">
+                                <a:latin typeface="Cambria Math" panose="02040503050406030204" pitchFamily="18" charset="0"/>
+                              </a:rPr>
+                              <m:t>𝑝𝑏</m:t>
+                            </m:r>
+                          </m:sub>
+                        </m:sSub>
+                        <m:r>
+                          <a:rPr lang="en-US" altLang="ja-JP" sz="2400" b="0" i="1" dirty="0" smtClean="0">
+                            <a:latin typeface="Cambria Math" panose="02040503050406030204" pitchFamily="18" charset="0"/>
+                          </a:rPr>
+                          <m:t>+</m:t>
+                        </m:r>
+                        <m:r>
+                          <a:rPr lang="en-US" altLang="ja-JP" sz="2400" b="0" i="1" dirty="0" smtClean="0">
+                            <a:latin typeface="Cambria Math" panose="02040503050406030204" pitchFamily="18" charset="0"/>
+                          </a:rPr>
+                          <m:t>𝑉</m:t>
+                        </m:r>
+                      </m:e>
+                      <m:sub>
+                        <m:r>
+                          <a:rPr lang="en-US" altLang="ja-JP" sz="2400" b="0" i="1" dirty="0" smtClean="0">
+                            <a:latin typeface="Cambria Math" panose="02040503050406030204" pitchFamily="18" charset="0"/>
+                          </a:rPr>
+                          <m:t>𝐶𝑇𝑅𝐿</m:t>
+                        </m:r>
+                      </m:sub>
+                    </m:sSub>
+                    <m:r>
+                      <a:rPr lang="ja-JP" altLang="en-US" sz="2400" i="1" dirty="0">
+                        <a:latin typeface="Cambria Math" panose="02040503050406030204" pitchFamily="18" charset="0"/>
+                      </a:rPr>
+                      <m:t>まで</m:t>
+                    </m:r>
+                    <m:r>
+                      <a:rPr lang="ja-JP" altLang="en-US" sz="2400" i="1" dirty="0" smtClean="0">
+                        <a:latin typeface="Cambria Math" panose="02040503050406030204" pitchFamily="18" charset="0"/>
+                      </a:rPr>
+                      <m:t>上がるので、</m:t>
+                    </m:r>
+                    <m:sSub>
+                      <m:sSubPr>
+                        <m:ctrlPr>
+                          <a:rPr lang="en-US" altLang="ja-JP" sz="2400" i="1">
+                            <a:latin typeface="Cambria Math" panose="02040503050406030204" pitchFamily="18" charset="0"/>
+                          </a:rPr>
+                        </m:ctrlPr>
+                      </m:sSubPr>
+                      <m:e>
+                        <m:r>
+                          <a:rPr lang="en-US" altLang="ja-JP" sz="2400" i="1">
+                            <a:latin typeface="Cambria Math" panose="02040503050406030204" pitchFamily="18" charset="0"/>
+                          </a:rPr>
+                          <m:t>𝑉</m:t>
+                        </m:r>
+                      </m:e>
+                      <m:sub>
+                        <m:r>
+                          <a:rPr lang="en-US" altLang="ja-JP" sz="2400" i="1">
+                            <a:latin typeface="Cambria Math" panose="02040503050406030204" pitchFamily="18" charset="0"/>
+                          </a:rPr>
+                          <m:t>𝑝𝑏</m:t>
+                        </m:r>
+                      </m:sub>
+                    </m:sSub>
+                    <m:r>
+                      <a:rPr lang="ja-JP" altLang="en-US" sz="2400" i="1">
+                        <a:latin typeface="Cambria Math" panose="02040503050406030204" pitchFamily="18" charset="0"/>
+                      </a:rPr>
+                      <m:t>の</m:t>
+                    </m:r>
+                  </m:oMath>
+                </a14:m>
+                <a:r>
+                  <a:rPr lang="ja-JP" altLang="en-US" sz="2400" dirty="0"/>
+                  <a:t>上限は</a:t>
+                </a:r>
+                <a:endParaRPr lang="en-US" altLang="ja-JP" sz="2400" dirty="0"/>
+              </a:p>
+              <a:p>
+                <a14:m>
+                  <m:oMathPara xmlns:m="http://schemas.openxmlformats.org/officeDocument/2006/math">
+                    <m:oMathParaPr>
+                      <m:jc m:val="centerGroup"/>
+                    </m:oMathParaPr>
+                    <m:oMath xmlns:m="http://schemas.openxmlformats.org/officeDocument/2006/math">
+                      <m:sSub>
+                        <m:sSubPr>
+                          <m:ctrlPr>
+                            <a:rPr lang="en-US" altLang="ja-JP" sz="2400" i="1">
+                              <a:latin typeface="Cambria Math" panose="02040503050406030204" pitchFamily="18" charset="0"/>
+                            </a:rPr>
+                          </m:ctrlPr>
+                        </m:sSubPr>
+                        <m:e>
+                          <m:r>
+                            <a:rPr lang="en-US" altLang="ja-JP" sz="2400" i="1">
+                              <a:latin typeface="Cambria Math" panose="02040503050406030204" pitchFamily="18" charset="0"/>
+                            </a:rPr>
+                            <m:t>𝑉</m:t>
+                          </m:r>
+                        </m:e>
+                        <m:sub>
+                          <m:r>
+                            <a:rPr lang="en-US" altLang="ja-JP" sz="2400" i="1">
+                              <a:latin typeface="Cambria Math" panose="02040503050406030204" pitchFamily="18" charset="0"/>
+                            </a:rPr>
+                            <m:t>𝑝𝑆</m:t>
+                          </m:r>
+                        </m:sub>
+                      </m:sSub>
+                      <m:r>
+                        <a:rPr lang="en-US" altLang="ja-JP" sz="2400" i="1">
+                          <a:latin typeface="Cambria Math" panose="02040503050406030204" pitchFamily="18" charset="0"/>
+                        </a:rPr>
+                        <m:t>≥</m:t>
+                      </m:r>
+                      <m:sSub>
+                        <m:sSubPr>
+                          <m:ctrlPr>
+                            <a:rPr lang="en-US" altLang="ja-JP" sz="2400" i="1">
+                              <a:latin typeface="Cambria Math" panose="02040503050406030204" pitchFamily="18" charset="0"/>
+                            </a:rPr>
+                          </m:ctrlPr>
+                        </m:sSubPr>
+                        <m:e>
+                          <m:r>
+                            <a:rPr lang="en-US" altLang="ja-JP" sz="2400" i="1">
+                              <a:latin typeface="Cambria Math" panose="02040503050406030204" pitchFamily="18" charset="0"/>
+                            </a:rPr>
+                            <m:t>𝑉</m:t>
+                          </m:r>
+                        </m:e>
+                        <m:sub>
+                          <m:r>
+                            <a:rPr lang="en-US" altLang="ja-JP" sz="2400" i="1">
+                              <a:latin typeface="Cambria Math" panose="02040503050406030204" pitchFamily="18" charset="0"/>
+                            </a:rPr>
+                            <m:t>𝑝𝑏</m:t>
+                          </m:r>
+                        </m:sub>
+                      </m:sSub>
+                      <m:r>
+                        <a:rPr lang="en-US" altLang="ja-JP" sz="2400" i="1">
+                          <a:latin typeface="Cambria Math" panose="02040503050406030204" pitchFamily="18" charset="0"/>
+                        </a:rPr>
+                        <m:t>+</m:t>
+                      </m:r>
+                      <m:sSub>
+                        <m:sSubPr>
+                          <m:ctrlPr>
+                            <a:rPr lang="en-US" altLang="ja-JP" sz="2400" i="1">
+                              <a:latin typeface="Cambria Math" panose="02040503050406030204" pitchFamily="18" charset="0"/>
+                            </a:rPr>
+                          </m:ctrlPr>
+                        </m:sSubPr>
+                        <m:e>
+                          <m:r>
+                            <a:rPr lang="en-US" altLang="ja-JP" sz="2400" i="1">
+                              <a:latin typeface="Cambria Math" panose="02040503050406030204" pitchFamily="18" charset="0"/>
+                            </a:rPr>
+                            <m:t>𝑉</m:t>
+                          </m:r>
+                        </m:e>
+                        <m:sub>
+                          <m:r>
+                            <a:rPr lang="en-US" altLang="ja-JP" sz="2400" i="1">
+                              <a:latin typeface="Cambria Math" panose="02040503050406030204" pitchFamily="18" charset="0"/>
+                            </a:rPr>
+                            <m:t>𝐶𝑇𝑅𝐿</m:t>
+                          </m:r>
+                        </m:sub>
+                      </m:sSub>
+                      <m:r>
+                        <a:rPr lang="en-US" altLang="ja-JP" sz="2400" i="1">
+                          <a:latin typeface="Cambria Math" panose="02040503050406030204" pitchFamily="18" charset="0"/>
+                        </a:rPr>
+                        <m:t>+</m:t>
+                      </m:r>
+                      <m:sSub>
+                        <m:sSubPr>
+                          <m:ctrlPr>
+                            <a:rPr lang="en-US" altLang="ja-JP" sz="2400" i="1">
+                              <a:latin typeface="Cambria Math" panose="02040503050406030204" pitchFamily="18" charset="0"/>
+                            </a:rPr>
+                          </m:ctrlPr>
+                        </m:sSubPr>
+                        <m:e>
+                          <m:r>
+                            <a:rPr lang="en-US" altLang="ja-JP" sz="2400" i="1">
+                              <a:latin typeface="Cambria Math" panose="02040503050406030204" pitchFamily="18" charset="0"/>
+                            </a:rPr>
+                            <m:t>𝑉</m:t>
+                          </m:r>
+                        </m:e>
+                        <m:sub>
+                          <m:r>
+                            <a:rPr lang="en-US" altLang="ja-JP" sz="2400" i="1">
+                              <a:latin typeface="Cambria Math" panose="02040503050406030204" pitchFamily="18" charset="0"/>
+                            </a:rPr>
+                            <m:t>𝑡h</m:t>
+                          </m:r>
+                        </m:sub>
+                      </m:sSub>
+                    </m:oMath>
+                  </m:oMathPara>
+                </a14:m>
+                <a:endParaRPr lang="en-US" altLang="ja-JP" sz="2400" dirty="0"/>
+              </a:p>
+              <a:p>
+                <a14:m>
+                  <m:oMathPara xmlns:m="http://schemas.openxmlformats.org/officeDocument/2006/math">
+                    <m:oMathParaPr>
+                      <m:jc m:val="centerGroup"/>
+                    </m:oMathParaPr>
+                    <m:oMath xmlns:m="http://schemas.openxmlformats.org/officeDocument/2006/math">
+                      <m:r>
+                        <a:rPr lang="en-US" altLang="ja-JP" sz="2400" b="0" i="1" smtClean="0">
+                          <a:latin typeface="Cambria Math" panose="02040503050406030204" pitchFamily="18" charset="0"/>
+                        </a:rPr>
+                        <m:t>∴</m:t>
+                      </m:r>
+                      <m:sSub>
+                        <m:sSubPr>
+                          <m:ctrlPr>
+                            <a:rPr lang="en-US" altLang="ja-JP" sz="2400" b="0" i="1" smtClean="0">
+                              <a:latin typeface="Cambria Math" panose="02040503050406030204" pitchFamily="18" charset="0"/>
+                            </a:rPr>
+                          </m:ctrlPr>
+                        </m:sSubPr>
+                        <m:e>
+                          <m:r>
+                            <a:rPr lang="en-US" altLang="ja-JP" sz="2400" b="0" i="1" smtClean="0">
+                              <a:latin typeface="Cambria Math" panose="02040503050406030204" pitchFamily="18" charset="0"/>
+                            </a:rPr>
+                            <m:t>𝑉</m:t>
+                          </m:r>
+                        </m:e>
+                        <m:sub>
+                          <m:r>
+                            <a:rPr lang="en-US" altLang="ja-JP" sz="2400" b="0" i="1" smtClean="0">
+                              <a:latin typeface="Cambria Math" panose="02040503050406030204" pitchFamily="18" charset="0"/>
+                            </a:rPr>
+                            <m:t>𝑝𝑏</m:t>
+                          </m:r>
+                        </m:sub>
+                      </m:sSub>
+                      <m:r>
+                        <a:rPr lang="en-US" altLang="ja-JP" sz="2400" b="0" i="1" smtClean="0">
+                          <a:latin typeface="Cambria Math" panose="02040503050406030204" pitchFamily="18" charset="0"/>
+                        </a:rPr>
+                        <m:t>≤</m:t>
+                      </m:r>
+                      <m:sSub>
+                        <m:sSubPr>
+                          <m:ctrlPr>
+                            <a:rPr lang="en-US" altLang="ja-JP" sz="2400" b="0" i="1" smtClean="0">
+                              <a:latin typeface="Cambria Math" panose="02040503050406030204" pitchFamily="18" charset="0"/>
+                            </a:rPr>
+                          </m:ctrlPr>
+                        </m:sSubPr>
+                        <m:e>
+                          <m:r>
+                            <a:rPr lang="en-US" altLang="ja-JP" sz="2400" b="0" i="1" smtClean="0">
+                              <a:latin typeface="Cambria Math" panose="02040503050406030204" pitchFamily="18" charset="0"/>
+                            </a:rPr>
+                            <m:t>𝑉</m:t>
+                          </m:r>
+                        </m:e>
+                        <m:sub>
+                          <m:r>
+                            <a:rPr lang="en-US" altLang="ja-JP" sz="2400" b="0" i="1" smtClean="0">
+                              <a:latin typeface="Cambria Math" panose="02040503050406030204" pitchFamily="18" charset="0"/>
+                            </a:rPr>
+                            <m:t>𝑝𝑆</m:t>
+                          </m:r>
+                        </m:sub>
+                      </m:sSub>
+                      <m:r>
+                        <a:rPr lang="en-US" altLang="ja-JP" sz="2400" b="0" i="1" smtClean="0">
+                          <a:latin typeface="Cambria Math" panose="02040503050406030204" pitchFamily="18" charset="0"/>
+                        </a:rPr>
+                        <m:t>−</m:t>
+                      </m:r>
+                      <m:sSub>
+                        <m:sSubPr>
+                          <m:ctrlPr>
+                            <a:rPr lang="en-US" altLang="ja-JP" sz="2400" b="0" i="1" smtClean="0">
+                              <a:latin typeface="Cambria Math" panose="02040503050406030204" pitchFamily="18" charset="0"/>
+                            </a:rPr>
+                          </m:ctrlPr>
+                        </m:sSubPr>
+                        <m:e>
+                          <m:r>
+                            <a:rPr lang="en-US" altLang="ja-JP" sz="2400" b="0" i="1" smtClean="0">
+                              <a:latin typeface="Cambria Math" panose="02040503050406030204" pitchFamily="18" charset="0"/>
+                            </a:rPr>
+                            <m:t>𝑉</m:t>
+                          </m:r>
+                        </m:e>
+                        <m:sub>
+                          <m:r>
+                            <a:rPr lang="en-US" altLang="ja-JP" sz="2400" b="0" i="1" smtClean="0">
+                              <a:latin typeface="Cambria Math" panose="02040503050406030204" pitchFamily="18" charset="0"/>
+                            </a:rPr>
+                            <m:t>𝐶𝑇𝑅𝐿</m:t>
+                          </m:r>
+                        </m:sub>
+                      </m:sSub>
+                      <m:r>
+                        <a:rPr lang="en-US" altLang="ja-JP" sz="2400" b="0" i="1" smtClean="0">
+                          <a:latin typeface="Cambria Math" panose="02040503050406030204" pitchFamily="18" charset="0"/>
+                        </a:rPr>
+                        <m:t>−</m:t>
+                      </m:r>
+                      <m:sSub>
+                        <m:sSubPr>
+                          <m:ctrlPr>
+                            <a:rPr lang="en-US" altLang="ja-JP" sz="2400" b="0" i="1" smtClean="0">
+                              <a:latin typeface="Cambria Math" panose="02040503050406030204" pitchFamily="18" charset="0"/>
+                            </a:rPr>
+                          </m:ctrlPr>
+                        </m:sSubPr>
+                        <m:e>
+                          <m:r>
+                            <a:rPr lang="en-US" altLang="ja-JP" sz="2400" b="0" i="1" smtClean="0">
+                              <a:latin typeface="Cambria Math" panose="02040503050406030204" pitchFamily="18" charset="0"/>
+                            </a:rPr>
+                            <m:t>𝑉</m:t>
+                          </m:r>
+                        </m:e>
+                        <m:sub>
+                          <m:r>
+                            <a:rPr lang="en-US" altLang="ja-JP" sz="2400" b="0" i="1" smtClean="0">
+                              <a:latin typeface="Cambria Math" panose="02040503050406030204" pitchFamily="18" charset="0"/>
+                            </a:rPr>
+                            <m:t>𝑡h</m:t>
+                          </m:r>
+                        </m:sub>
+                      </m:sSub>
+                      <m:r>
+                        <a:rPr lang="en-US" altLang="ja-JP" sz="2400" b="0" i="1" smtClean="0">
+                          <a:latin typeface="Cambria Math" panose="02040503050406030204" pitchFamily="18" charset="0"/>
+                        </a:rPr>
+                        <m:t>=0.9 </m:t>
+                      </m:r>
+                      <m:r>
+                        <m:rPr>
+                          <m:sty m:val="p"/>
+                        </m:rPr>
+                        <a:rPr lang="en-US" altLang="ja-JP" sz="2400" b="0" i="0" smtClean="0">
+                          <a:latin typeface="Cambria Math" panose="02040503050406030204" pitchFamily="18" charset="0"/>
+                        </a:rPr>
+                        <m:t>V</m:t>
+                      </m:r>
+                    </m:oMath>
+                  </m:oMathPara>
+                </a14:m>
+                <a:endParaRPr lang="en-US" altLang="ja-JP" sz="2400" dirty="0"/>
+              </a:p>
+              <a:p>
+                <a14:m>
+                  <m:oMath xmlns:m="http://schemas.openxmlformats.org/officeDocument/2006/math">
+                    <m:r>
+                      <m:rPr>
+                        <m:sty m:val="p"/>
+                      </m:rPr>
+                      <a:rPr lang="en-US" altLang="ja-JP" sz="2400" b="0" i="0" smtClean="0">
+                        <a:latin typeface="Cambria Math" panose="02040503050406030204" pitchFamily="18" charset="0"/>
+                      </a:rPr>
+                      <m:t>Δ</m:t>
+                    </m:r>
+                    <m:r>
+                      <a:rPr lang="en-US" altLang="ja-JP" sz="2400" b="0" i="1" smtClean="0">
+                        <a:latin typeface="Cambria Math" panose="02040503050406030204" pitchFamily="18" charset="0"/>
+                      </a:rPr>
+                      <m:t>𝑣</m:t>
+                    </m:r>
+                    <m:r>
+                      <a:rPr lang="en-US" altLang="ja-JP" sz="2400" b="0" i="1" smtClean="0">
+                        <a:latin typeface="Cambria Math" panose="02040503050406030204" pitchFamily="18" charset="0"/>
+                      </a:rPr>
+                      <m:t>=0.5 </m:t>
+                    </m:r>
+                    <m:r>
+                      <a:rPr lang="en-US" altLang="ja-JP" sz="2400" b="0" i="1" smtClean="0">
+                        <a:latin typeface="Cambria Math" panose="02040503050406030204" pitchFamily="18" charset="0"/>
+                      </a:rPr>
+                      <m:t>𝑉</m:t>
+                    </m:r>
+                  </m:oMath>
+                </a14:m>
+                <a:r>
+                  <a:rPr lang="ja-JP" altLang="en-US" sz="2400" dirty="0"/>
+                  <a:t>として計算するので、</a:t>
+                </a:r>
+                <a14:m>
+                  <m:oMath xmlns:m="http://schemas.openxmlformats.org/officeDocument/2006/math">
+                    <m:sSub>
+                      <m:sSubPr>
+                        <m:ctrlPr>
+                          <a:rPr lang="en-US" altLang="ja-JP" sz="2400" b="0" i="1" smtClean="0">
+                            <a:latin typeface="Cambria Math" panose="02040503050406030204" pitchFamily="18" charset="0"/>
+                          </a:rPr>
+                        </m:ctrlPr>
+                      </m:sSubPr>
+                      <m:e>
+                        <m:r>
+                          <a:rPr lang="en-US" altLang="ja-JP" sz="2400" b="0" i="1" smtClean="0">
+                            <a:latin typeface="Cambria Math" panose="02040503050406030204" pitchFamily="18" charset="0"/>
+                          </a:rPr>
+                          <m:t>𝑉</m:t>
+                        </m:r>
+                      </m:e>
+                      <m:sub>
+                        <m:r>
+                          <a:rPr lang="en-US" altLang="ja-JP" sz="2400" b="0" i="1" smtClean="0">
+                            <a:latin typeface="Cambria Math" panose="02040503050406030204" pitchFamily="18" charset="0"/>
+                          </a:rPr>
+                          <m:t>𝑜𝑢𝑡</m:t>
+                        </m:r>
+                      </m:sub>
+                    </m:sSub>
+                    <m:r>
+                      <a:rPr lang="en-US" altLang="ja-JP" sz="2400" b="0" i="0" smtClean="0">
+                        <a:latin typeface="Cambria Math" panose="02040503050406030204" pitchFamily="18" charset="0"/>
+                      </a:rPr>
+                      <m:t>=0.5 </m:t>
+                    </m:r>
+                    <m:r>
+                      <m:rPr>
+                        <m:sty m:val="p"/>
+                      </m:rPr>
+                      <a:rPr lang="en-US" altLang="ja-JP" sz="2400" b="0" i="0" smtClean="0">
+                        <a:latin typeface="Cambria Math" panose="02040503050406030204" pitchFamily="18" charset="0"/>
+                      </a:rPr>
+                      <m:t>V</m:t>
+                    </m:r>
+                  </m:oMath>
+                </a14:m>
+                <a:r>
+                  <a:rPr lang="ja-JP" altLang="en-US" sz="2400" dirty="0"/>
+                  <a:t>であり、この端子は</a:t>
+                </a:r>
+                <a14:m>
+                  <m:oMath xmlns:m="http://schemas.openxmlformats.org/officeDocument/2006/math">
+                    <m:sSub>
+                      <m:sSubPr>
+                        <m:ctrlPr>
+                          <a:rPr lang="en-US" altLang="ja-JP" sz="2400" b="0" i="1" smtClean="0">
+                            <a:latin typeface="Cambria Math" panose="02040503050406030204" pitchFamily="18" charset="0"/>
+                          </a:rPr>
+                        </m:ctrlPr>
+                      </m:sSubPr>
+                      <m:e>
+                        <m:r>
+                          <a:rPr lang="en-US" altLang="ja-JP" sz="2400" b="0" i="1" smtClean="0">
+                            <a:latin typeface="Cambria Math" panose="02040503050406030204" pitchFamily="18" charset="0"/>
+                          </a:rPr>
+                          <m:t>𝑉</m:t>
+                        </m:r>
+                      </m:e>
+                      <m:sub>
+                        <m:r>
+                          <a:rPr lang="en-US" altLang="ja-JP" sz="2400" b="0" i="1" smtClean="0">
+                            <a:latin typeface="Cambria Math" panose="02040503050406030204" pitchFamily="18" charset="0"/>
+                          </a:rPr>
+                          <m:t>𝑜𝑢𝑡</m:t>
+                        </m:r>
+                      </m:sub>
+                    </m:sSub>
+                    <m:r>
+                      <a:rPr lang="en-US" altLang="ja-JP" sz="2400" b="0" i="0" smtClean="0">
+                        <a:latin typeface="Cambria Math" panose="02040503050406030204" pitchFamily="18" charset="0"/>
+                      </a:rPr>
+                      <m:t>+</m:t>
+                    </m:r>
+                    <m:r>
+                      <m:rPr>
+                        <m:sty m:val="p"/>
+                      </m:rPr>
+                      <a:rPr lang="en-US" altLang="ja-JP" sz="2400" b="0" i="0" smtClean="0">
+                        <a:latin typeface="Cambria Math" panose="02040503050406030204" pitchFamily="18" charset="0"/>
+                      </a:rPr>
+                      <m:t>Δ</m:t>
+                    </m:r>
+                    <m:r>
+                      <a:rPr lang="en-US" altLang="ja-JP" sz="2400" b="0" i="1" smtClean="0">
+                        <a:latin typeface="Cambria Math" panose="02040503050406030204" pitchFamily="18" charset="0"/>
+                      </a:rPr>
+                      <m:t>𝑣</m:t>
+                    </m:r>
+                    <m:r>
+                      <a:rPr lang="en-US" altLang="ja-JP" sz="2400" b="0" i="1" smtClean="0">
+                        <a:latin typeface="Cambria Math" panose="02040503050406030204" pitchFamily="18" charset="0"/>
+                      </a:rPr>
+                      <m:t>=1.0 </m:t>
+                    </m:r>
+                    <m:r>
+                      <a:rPr lang="en-US" altLang="ja-JP" sz="2400" b="0" i="1" smtClean="0">
+                        <a:latin typeface="Cambria Math" panose="02040503050406030204" pitchFamily="18" charset="0"/>
+                      </a:rPr>
+                      <m:t>𝑉</m:t>
+                    </m:r>
+                  </m:oMath>
+                </a14:m>
+                <a:r>
+                  <a:rPr lang="ja-JP" altLang="en-US" sz="2400" dirty="0"/>
+                  <a:t>まで上昇する。</a:t>
+                </a:r>
+                <a:endParaRPr lang="en-US" altLang="ja-JP" sz="2400" dirty="0"/>
+              </a:p>
+              <a:p>
+                <a:pPr algn="l"/>
+                <a:r>
+                  <a:rPr lang="ja-JP" altLang="en-US" sz="2400" dirty="0"/>
+                  <a:t>また、ゲート電位は</a:t>
+                </a:r>
+                <a14:m>
+                  <m:oMath xmlns:m="http://schemas.openxmlformats.org/officeDocument/2006/math">
+                    <m:sSub>
+                      <m:sSubPr>
+                        <m:ctrlPr>
+                          <a:rPr lang="en-US" altLang="ja-JP" sz="2400" b="0" i="1" smtClean="0">
+                            <a:latin typeface="Cambria Math" panose="02040503050406030204" pitchFamily="18" charset="0"/>
+                          </a:rPr>
+                        </m:ctrlPr>
+                      </m:sSubPr>
+                      <m:e>
+                        <m:r>
+                          <a:rPr lang="en-US" altLang="ja-JP" sz="2400" b="0" i="1" smtClean="0">
+                            <a:latin typeface="Cambria Math" panose="02040503050406030204" pitchFamily="18" charset="0"/>
+                          </a:rPr>
+                          <m:t>𝑉</m:t>
+                        </m:r>
+                      </m:e>
+                      <m:sub>
+                        <m:r>
+                          <a:rPr lang="en-US" altLang="ja-JP" sz="2400" b="0" i="1" smtClean="0">
+                            <a:latin typeface="Cambria Math" panose="02040503050406030204" pitchFamily="18" charset="0"/>
+                          </a:rPr>
+                          <m:t>𝑝𝑏</m:t>
+                        </m:r>
+                      </m:sub>
+                    </m:sSub>
+                    <m:r>
+                      <a:rPr lang="en-US" altLang="ja-JP" sz="2400" b="0" i="1" smtClean="0">
+                        <a:latin typeface="Cambria Math" panose="02040503050406030204" pitchFamily="18" charset="0"/>
+                      </a:rPr>
+                      <m:t>−</m:t>
+                    </m:r>
+                    <m:sSub>
+                      <m:sSubPr>
+                        <m:ctrlPr>
+                          <a:rPr lang="en-US" altLang="ja-JP" sz="2400" b="0" i="1" smtClean="0">
+                            <a:latin typeface="Cambria Math" panose="02040503050406030204" pitchFamily="18" charset="0"/>
+                          </a:rPr>
+                        </m:ctrlPr>
+                      </m:sSubPr>
+                      <m:e>
+                        <m:r>
+                          <a:rPr lang="en-US" altLang="ja-JP" sz="2400" b="0" i="1" smtClean="0">
+                            <a:latin typeface="Cambria Math" panose="02040503050406030204" pitchFamily="18" charset="0"/>
+                          </a:rPr>
+                          <m:t>𝑉</m:t>
+                        </m:r>
+                      </m:e>
+                      <m:sub>
+                        <m:r>
+                          <a:rPr lang="en-US" altLang="ja-JP" sz="2400" b="0" i="1" smtClean="0">
+                            <a:latin typeface="Cambria Math" panose="02040503050406030204" pitchFamily="18" charset="0"/>
+                          </a:rPr>
+                          <m:t>𝐶𝑇𝑅𝐿</m:t>
+                        </m:r>
+                      </m:sub>
+                    </m:sSub>
+                    <m:r>
+                      <a:rPr lang="ja-JP" altLang="en-US" sz="2400" i="1">
+                        <a:latin typeface="Cambria Math" panose="02040503050406030204" pitchFamily="18" charset="0"/>
+                      </a:rPr>
+                      <m:t>まで</m:t>
+                    </m:r>
+                    <m:r>
+                      <a:rPr lang="ja-JP" altLang="en-US" sz="2400" i="1" smtClean="0">
+                        <a:latin typeface="Cambria Math" panose="02040503050406030204" pitchFamily="18" charset="0"/>
+                      </a:rPr>
+                      <m:t>降下</m:t>
+                    </m:r>
+                  </m:oMath>
+                </a14:m>
+                <a:r>
+                  <a:rPr lang="ja-JP" altLang="en-US" sz="2400" dirty="0"/>
+                  <a:t>する。したがって、</a:t>
+                </a:r>
+                <a14:m>
+                  <m:oMath xmlns:m="http://schemas.openxmlformats.org/officeDocument/2006/math">
+                    <m:sSub>
+                      <m:sSubPr>
+                        <m:ctrlPr>
+                          <a:rPr lang="en-US" altLang="ja-JP" sz="2400" b="0" i="1" smtClean="0">
+                            <a:latin typeface="Cambria Math" panose="02040503050406030204" pitchFamily="18" charset="0"/>
+                          </a:rPr>
+                        </m:ctrlPr>
+                      </m:sSubPr>
+                      <m:e>
+                        <m:r>
+                          <a:rPr lang="en-US" altLang="ja-JP" sz="2400" b="0" i="1" smtClean="0">
+                            <a:latin typeface="Cambria Math" panose="02040503050406030204" pitchFamily="18" charset="0"/>
+                          </a:rPr>
+                          <m:t>𝑉</m:t>
+                        </m:r>
+                      </m:e>
+                      <m:sub>
+                        <m:r>
+                          <a:rPr lang="en-US" altLang="ja-JP" sz="2400" b="0" i="1" smtClean="0">
+                            <a:latin typeface="Cambria Math" panose="02040503050406030204" pitchFamily="18" charset="0"/>
+                          </a:rPr>
+                          <m:t>𝑝𝑏</m:t>
+                        </m:r>
+                      </m:sub>
+                    </m:sSub>
+                  </m:oMath>
+                </a14:m>
+                <a:r>
+                  <a:rPr lang="ja-JP" altLang="en-US" sz="2400" dirty="0"/>
+                  <a:t>の下限は</a:t>
+                </a:r>
+                <a:endParaRPr lang="en-US" altLang="ja-JP" sz="2400" dirty="0"/>
+              </a:p>
+              <a:p>
+                <a:pPr algn="l"/>
+                <a14:m>
+                  <m:oMathPara xmlns:m="http://schemas.openxmlformats.org/officeDocument/2006/math">
+                    <m:oMathParaPr>
+                      <m:jc m:val="centerGroup"/>
+                    </m:oMathParaPr>
+                    <m:oMath xmlns:m="http://schemas.openxmlformats.org/officeDocument/2006/math">
+                      <m:sSub>
+                        <m:sSubPr>
+                          <m:ctrlPr>
+                            <a:rPr lang="en-US" altLang="ja-JP" sz="2400" b="0" i="1" smtClean="0">
+                              <a:latin typeface="Cambria Math" panose="02040503050406030204" pitchFamily="18" charset="0"/>
+                            </a:rPr>
+                          </m:ctrlPr>
+                        </m:sSubPr>
+                        <m:e>
+                          <m:r>
+                            <a:rPr lang="en-US" altLang="ja-JP" sz="2400" b="0" i="1" smtClean="0">
+                              <a:latin typeface="Cambria Math" panose="02040503050406030204" pitchFamily="18" charset="0"/>
+                            </a:rPr>
+                            <m:t>𝑉</m:t>
+                          </m:r>
+                        </m:e>
+                        <m:sub>
+                          <m:r>
+                            <a:rPr lang="en-US" altLang="ja-JP" sz="2400" b="0" i="1" smtClean="0">
+                              <a:latin typeface="Cambria Math" panose="02040503050406030204" pitchFamily="18" charset="0"/>
+                            </a:rPr>
+                            <m:t>𝑝𝑏</m:t>
+                          </m:r>
+                        </m:sub>
+                      </m:sSub>
+                      <m:r>
+                        <a:rPr lang="en-US" altLang="ja-JP" sz="2400" b="0" i="1" smtClean="0">
+                          <a:latin typeface="Cambria Math" panose="02040503050406030204" pitchFamily="18" charset="0"/>
+                        </a:rPr>
+                        <m:t>−</m:t>
+                      </m:r>
+                      <m:sSub>
+                        <m:sSubPr>
+                          <m:ctrlPr>
+                            <a:rPr lang="en-US" altLang="ja-JP" sz="2400" b="0" i="1" smtClean="0">
+                              <a:latin typeface="Cambria Math" panose="02040503050406030204" pitchFamily="18" charset="0"/>
+                            </a:rPr>
+                          </m:ctrlPr>
+                        </m:sSubPr>
+                        <m:e>
+                          <m:r>
+                            <a:rPr lang="en-US" altLang="ja-JP" sz="2400" b="0" i="1" smtClean="0">
+                              <a:latin typeface="Cambria Math" panose="02040503050406030204" pitchFamily="18" charset="0"/>
+                            </a:rPr>
+                            <m:t>𝑉</m:t>
+                          </m:r>
+                        </m:e>
+                        <m:sub>
+                          <m:r>
+                            <a:rPr lang="en-US" altLang="ja-JP" sz="2400" b="0" i="1" smtClean="0">
+                              <a:latin typeface="Cambria Math" panose="02040503050406030204" pitchFamily="18" charset="0"/>
+                            </a:rPr>
+                            <m:t>𝐶𝑇𝑅𝐿</m:t>
+                          </m:r>
+                        </m:sub>
+                      </m:sSub>
+                      <m:r>
+                        <a:rPr lang="en-US" altLang="ja-JP" sz="2400" b="0" i="1" smtClean="0">
+                          <a:latin typeface="Cambria Math" panose="02040503050406030204" pitchFamily="18" charset="0"/>
+                        </a:rPr>
+                        <m:t>+</m:t>
+                      </m:r>
+                      <m:sSub>
+                        <m:sSubPr>
+                          <m:ctrlPr>
+                            <a:rPr lang="en-US" altLang="ja-JP" sz="2400" b="0" i="1" smtClean="0">
+                              <a:latin typeface="Cambria Math" panose="02040503050406030204" pitchFamily="18" charset="0"/>
+                            </a:rPr>
+                          </m:ctrlPr>
+                        </m:sSubPr>
+                        <m:e>
+                          <m:r>
+                            <a:rPr lang="en-US" altLang="ja-JP" sz="2400" b="0" i="1" smtClean="0">
+                              <a:latin typeface="Cambria Math" panose="02040503050406030204" pitchFamily="18" charset="0"/>
+                            </a:rPr>
+                            <m:t>𝑉</m:t>
+                          </m:r>
+                        </m:e>
+                        <m:sub>
+                          <m:r>
+                            <a:rPr lang="en-US" altLang="ja-JP" sz="2400" b="0" i="1" smtClean="0">
+                              <a:latin typeface="Cambria Math" panose="02040503050406030204" pitchFamily="18" charset="0"/>
+                            </a:rPr>
+                            <m:t>𝑡h</m:t>
+                          </m:r>
+                        </m:sub>
+                      </m:sSub>
+                      <m:r>
+                        <a:rPr lang="en-US" altLang="ja-JP" sz="2400" b="0" i="1" smtClean="0">
+                          <a:latin typeface="Cambria Math" panose="02040503050406030204" pitchFamily="18" charset="0"/>
+                        </a:rPr>
+                        <m:t>≥</m:t>
+                      </m:r>
+                      <m:sSub>
+                        <m:sSubPr>
+                          <m:ctrlPr>
+                            <a:rPr lang="en-US" altLang="ja-JP" sz="2400" b="0" i="1" smtClean="0">
+                              <a:latin typeface="Cambria Math" panose="02040503050406030204" pitchFamily="18" charset="0"/>
+                            </a:rPr>
+                          </m:ctrlPr>
+                        </m:sSubPr>
+                        <m:e>
+                          <m:r>
+                            <a:rPr lang="en-US" altLang="ja-JP" sz="2400" b="0" i="1" smtClean="0">
+                              <a:latin typeface="Cambria Math" panose="02040503050406030204" pitchFamily="18" charset="0"/>
+                            </a:rPr>
+                            <m:t>𝑉</m:t>
+                          </m:r>
+                        </m:e>
+                        <m:sub>
+                          <m:r>
+                            <a:rPr lang="en-US" altLang="ja-JP" sz="2400" b="0" i="1" smtClean="0">
+                              <a:latin typeface="Cambria Math" panose="02040503050406030204" pitchFamily="18" charset="0"/>
+                            </a:rPr>
+                            <m:t>𝑜𝑢𝑡</m:t>
+                          </m:r>
+                        </m:sub>
+                      </m:sSub>
+                      <m:r>
+                        <a:rPr lang="en-US" altLang="ja-JP" sz="2400" b="0" i="1" smtClean="0">
+                          <a:latin typeface="Cambria Math" panose="02040503050406030204" pitchFamily="18" charset="0"/>
+                        </a:rPr>
+                        <m:t>+</m:t>
+                      </m:r>
+                      <m:r>
+                        <m:rPr>
+                          <m:sty m:val="p"/>
+                        </m:rPr>
+                        <a:rPr lang="en-US" altLang="ja-JP" sz="2400" b="0" i="0" smtClean="0">
+                          <a:latin typeface="Cambria Math" panose="02040503050406030204" pitchFamily="18" charset="0"/>
+                        </a:rPr>
+                        <m:t>Δ</m:t>
+                      </m:r>
+                      <m:r>
+                        <a:rPr lang="en-US" altLang="ja-JP" sz="2400" b="0" i="1" smtClean="0">
+                          <a:latin typeface="Cambria Math" panose="02040503050406030204" pitchFamily="18" charset="0"/>
+                        </a:rPr>
+                        <m:t>𝑣</m:t>
+                      </m:r>
+                      <m:r>
+                        <a:rPr lang="en-US" altLang="ja-JP" sz="2400" b="0" i="1" smtClean="0">
+                          <a:latin typeface="Cambria Math" panose="02040503050406030204" pitchFamily="18" charset="0"/>
+                        </a:rPr>
+                        <m:t>, </m:t>
+                      </m:r>
+                    </m:oMath>
+                  </m:oMathPara>
+                </a14:m>
+                <a:endParaRPr lang="en-US" altLang="ja-JP" sz="2400" dirty="0"/>
+              </a:p>
+              <a:p>
+                <a:pPr algn="l"/>
+                <a14:m>
+                  <m:oMathPara xmlns:m="http://schemas.openxmlformats.org/officeDocument/2006/math">
+                    <m:oMathParaPr>
+                      <m:jc m:val="centerGroup"/>
+                    </m:oMathParaPr>
+                    <m:oMath xmlns:m="http://schemas.openxmlformats.org/officeDocument/2006/math">
+                      <m:r>
+                        <a:rPr lang="en-US" altLang="ja-JP" sz="2400" b="0" i="1" smtClean="0">
+                          <a:latin typeface="Cambria Math" panose="02040503050406030204" pitchFamily="18" charset="0"/>
+                        </a:rPr>
+                        <m:t>∴</m:t>
+                      </m:r>
+                      <m:sSub>
+                        <m:sSubPr>
+                          <m:ctrlPr>
+                            <a:rPr lang="en-US" altLang="ja-JP" sz="2400" b="0" i="1" smtClean="0">
+                              <a:latin typeface="Cambria Math" panose="02040503050406030204" pitchFamily="18" charset="0"/>
+                            </a:rPr>
+                          </m:ctrlPr>
+                        </m:sSubPr>
+                        <m:e>
+                          <m:r>
+                            <a:rPr lang="en-US" altLang="ja-JP" sz="2400" b="0" i="1" smtClean="0">
+                              <a:latin typeface="Cambria Math" panose="02040503050406030204" pitchFamily="18" charset="0"/>
+                            </a:rPr>
+                            <m:t>𝑉</m:t>
+                          </m:r>
+                        </m:e>
+                        <m:sub>
+                          <m:r>
+                            <a:rPr lang="en-US" altLang="ja-JP" sz="2400" b="0" i="1" smtClean="0">
+                              <a:latin typeface="Cambria Math" panose="02040503050406030204" pitchFamily="18" charset="0"/>
+                            </a:rPr>
+                            <m:t>𝑝𝑏</m:t>
+                          </m:r>
+                        </m:sub>
+                      </m:sSub>
+                      <m:r>
+                        <a:rPr lang="en-US" altLang="ja-JP" sz="2400" b="0" i="1" smtClean="0">
+                          <a:latin typeface="Cambria Math" panose="02040503050406030204" pitchFamily="18" charset="0"/>
+                        </a:rPr>
+                        <m:t>≥0.8 </m:t>
+                      </m:r>
+                      <m:r>
+                        <m:rPr>
+                          <m:sty m:val="p"/>
+                        </m:rPr>
+                        <a:rPr lang="en-US" altLang="ja-JP" sz="2400" b="0" i="0" smtClean="0">
+                          <a:latin typeface="Cambria Math" panose="02040503050406030204" pitchFamily="18" charset="0"/>
+                        </a:rPr>
+                        <m:t>V</m:t>
+                      </m:r>
+                    </m:oMath>
+                  </m:oMathPara>
+                </a14:m>
+                <a:endParaRPr lang="en-US" altLang="ja-JP" sz="2400" dirty="0"/>
+              </a:p>
+              <a:p>
+                <a:pPr algn="l"/>
+                <a:r>
+                  <a:rPr lang="ja-JP" altLang="en-US" sz="2400" dirty="0"/>
+                  <a:t>以上より、今回は</a:t>
+                </a:r>
+                <a14:m>
+                  <m:oMath xmlns:m="http://schemas.openxmlformats.org/officeDocument/2006/math">
+                    <m:sSub>
+                      <m:sSubPr>
+                        <m:ctrlPr>
+                          <a:rPr lang="en-US" altLang="ja-JP" sz="2400" b="0" i="1" smtClean="0">
+                            <a:latin typeface="Cambria Math" panose="02040503050406030204" pitchFamily="18" charset="0"/>
+                          </a:rPr>
+                        </m:ctrlPr>
+                      </m:sSubPr>
+                      <m:e>
+                        <m:r>
+                          <a:rPr lang="en-US" altLang="ja-JP" sz="2400" b="0" i="1" smtClean="0">
+                            <a:latin typeface="Cambria Math" panose="02040503050406030204" pitchFamily="18" charset="0"/>
+                          </a:rPr>
+                          <m:t>𝑉</m:t>
+                        </m:r>
+                      </m:e>
+                      <m:sub>
+                        <m:r>
+                          <a:rPr lang="en-US" altLang="ja-JP" sz="2400" b="0" i="1" smtClean="0">
+                            <a:latin typeface="Cambria Math" panose="02040503050406030204" pitchFamily="18" charset="0"/>
+                          </a:rPr>
+                          <m:t>𝑝𝑏</m:t>
+                        </m:r>
+                      </m:sub>
+                    </m:sSub>
+                    <m:r>
+                      <a:rPr lang="en-US" altLang="ja-JP" sz="2400" b="0" i="1" smtClean="0">
+                        <a:latin typeface="Cambria Math" panose="02040503050406030204" pitchFamily="18" charset="0"/>
+                      </a:rPr>
+                      <m:t>=0.85 </m:t>
+                    </m:r>
+                    <m:r>
+                      <m:rPr>
+                        <m:sty m:val="p"/>
+                      </m:rPr>
+                      <a:rPr lang="en-US" altLang="ja-JP" sz="2400" b="0" i="0" smtClean="0">
+                        <a:latin typeface="Cambria Math" panose="02040503050406030204" pitchFamily="18" charset="0"/>
+                      </a:rPr>
+                      <m:t>V</m:t>
+                    </m:r>
+                  </m:oMath>
+                </a14:m>
+                <a:r>
+                  <a:rPr lang="ja-JP" altLang="en-US" sz="2400" dirty="0"/>
+                  <a:t>とした。</a:t>
+                </a:r>
+                <a:endParaRPr lang="en-US" altLang="ja-JP" sz="2400" dirty="0"/>
+              </a:p>
+            </p:txBody>
+          </p:sp>
+        </mc:Choice>
+        <mc:Fallback>
+          <p:sp>
+            <p:nvSpPr>
+              <p:cNvPr id="8" name="テキスト ボックス 7">
+                <a:extLst>
+                  <a:ext uri="{FF2B5EF4-FFF2-40B4-BE49-F238E27FC236}">
+                    <a16:creationId xmlns:a16="http://schemas.microsoft.com/office/drawing/2014/main" id="{66CB7574-7321-26F8-FC58-46B7E79F1942}"/>
+                  </a:ext>
+                </a:extLst>
+              </p:cNvPr>
+              <p:cNvSpPr txBox="1">
+                <a:spLocks noRot="1" noChangeAspect="1" noMove="1" noResize="1" noEditPoints="1" noAdjustHandles="1" noChangeArrowheads="1" noChangeShapeType="1" noTextEdit="1"/>
+              </p:cNvSpPr>
+              <p:nvPr/>
+            </p:nvSpPr>
+            <p:spPr>
+              <a:xfrm>
+                <a:off x="5921406" y="1672154"/>
+                <a:ext cx="6270594" cy="4767908"/>
+              </a:xfrm>
+              <a:prstGeom prst="rect">
+                <a:avLst/>
+              </a:prstGeom>
+              <a:blipFill>
+                <a:blip r:embed="rId2"/>
+                <a:stretch>
+                  <a:fillRect l="-1458" t="-639" r="-6317" b="-2174"/>
+                </a:stretch>
+              </a:blipFill>
+            </p:spPr>
+            <p:txBody>
+              <a:bodyPr/>
+              <a:lstStyle/>
+              <a:p>
+                <a:r>
+                  <a:rPr lang="ja-JP" altLang="en-US">
+                    <a:noFill/>
+                  </a:rPr>
+                  <a:t> </a:t>
+                </a:r>
+              </a:p>
+            </p:txBody>
+          </p:sp>
+        </mc:Fallback>
+      </mc:AlternateContent>
+      <p:pic>
+        <p:nvPicPr>
+          <p:cNvPr id="5" name="図 4" descr="背景パターン が含まれている画像&#10;&#10;自動的に生成された説明">
+            <a:extLst>
+              <a:ext uri="{FF2B5EF4-FFF2-40B4-BE49-F238E27FC236}">
+                <a16:creationId xmlns:a16="http://schemas.microsoft.com/office/drawing/2014/main" id="{0CBDBFF1-A78E-B4FE-6266-D4C76006CED5}"/>
+              </a:ext>
+            </a:extLst>
+          </p:cNvPr>
+          <p:cNvPicPr>
+            <a:picLocks noChangeAspect="1"/>
+          </p:cNvPicPr>
+          <p:nvPr/>
+        </p:nvPicPr>
+        <p:blipFill>
+          <a:blip r:embed="rId3">
+            <a:extLst>
+              <a:ext uri="{28A0092B-C50C-407E-A947-70E740481C1C}">
+                <a14:useLocalDpi xmlns:a14="http://schemas.microsoft.com/office/drawing/2010/main" val="0"/>
+              </a:ext>
+            </a:extLst>
+          </a:blip>
+          <a:stretch>
+            <a:fillRect/>
+          </a:stretch>
+        </p:blipFill>
+        <p:spPr>
+          <a:xfrm>
+            <a:off x="-135154" y="1494195"/>
+            <a:ext cx="6204151" cy="4862155"/>
+          </a:xfrm>
+          <a:prstGeom prst="rect">
+            <a:avLst/>
+          </a:prstGeom>
+        </p:spPr>
+      </p:pic>
+    </p:spTree>
+    <p:extLst>
+      <p:ext uri="{BB962C8B-B14F-4D97-AF65-F5344CB8AC3E}">
+        <p14:creationId xmlns:p14="http://schemas.microsoft.com/office/powerpoint/2010/main" val="868001957"/>
+      </p:ext>
+    </p:extLst>
+  </p:cSld>
+  <p:clrMapOvr>
+    <a:masterClrMapping/>
+  </p:clrMapOvr>
+</p:sld>
+</file>
+
+<file path=ppt/slides/slide11.xml><?xml version="1.0" encoding="utf-8"?>
+<p:sld xmlns:a="http://schemas.openxmlformats.org/drawingml/2006/main" xmlns:r="http://schemas.openxmlformats.org/officeDocument/2006/relationships" xmlns:p="http://schemas.openxmlformats.org/presentationml/2006/main">
+  <p:cSld>
+    <p:spTree>
+      <p:nvGrpSpPr>
+        <p:cNvPr id="1" name=""/>
+        <p:cNvGrpSpPr/>
+        <p:nvPr/>
+      </p:nvGrpSpPr>
+      <p:grpSpPr>
+        <a:xfrm>
+          <a:off x="0" y="0"/>
+          <a:ext cx="0" cy="0"/>
+          <a:chOff x="0" y="0"/>
+          <a:chExt cx="0" cy="0"/>
+        </a:xfrm>
+      </p:grpSpPr>
+      <p:sp>
+        <p:nvSpPr>
+          <p:cNvPr id="2" name="タイトル 1">
+            <a:extLst>
+              <a:ext uri="{FF2B5EF4-FFF2-40B4-BE49-F238E27FC236}">
+                <a16:creationId xmlns:a16="http://schemas.microsoft.com/office/drawing/2014/main" id="{338BFC9E-78BA-14CF-123C-E5028C409A8F}"/>
+              </a:ext>
+            </a:extLst>
+          </p:cNvPr>
+          <p:cNvSpPr>
+            <a:spLocks noGrp="1"/>
+          </p:cNvSpPr>
+          <p:nvPr>
+            <p:ph type="title"/>
+          </p:nvPr>
+        </p:nvSpPr>
+        <p:spPr/>
+        <p:txBody>
+          <a:bodyPr/>
+          <a:lstStyle/>
+          <a:p>
+            <a:r>
+              <a:rPr kumimoji="1" lang="ja-JP" altLang="en-US" dirty="0"/>
+              <a:t>直流バイアスの設計</a:t>
+            </a:r>
+            <a:r>
+              <a:rPr kumimoji="1" lang="en-US" altLang="ja-JP" dirty="0"/>
+              <a:t>(NMOS)</a:t>
+            </a:r>
+            <a:endParaRPr kumimoji="1" lang="ja-JP" altLang="en-US" dirty="0"/>
+          </a:p>
+        </p:txBody>
+      </p:sp>
+      <p:sp>
+        <p:nvSpPr>
+          <p:cNvPr id="3" name="スライド番号プレースホルダー 2">
+            <a:extLst>
+              <a:ext uri="{FF2B5EF4-FFF2-40B4-BE49-F238E27FC236}">
+                <a16:creationId xmlns:a16="http://schemas.microsoft.com/office/drawing/2014/main" id="{3E326FAA-9B5B-5C46-81C6-487A664ECB39}"/>
+              </a:ext>
+            </a:extLst>
+          </p:cNvPr>
+          <p:cNvSpPr>
+            <a:spLocks noGrp="1"/>
+          </p:cNvSpPr>
+          <p:nvPr>
+            <p:ph type="sldNum" sz="quarter" idx="12"/>
+          </p:nvPr>
+        </p:nvSpPr>
+        <p:spPr/>
+        <p:txBody>
+          <a:bodyPr/>
+          <a:lstStyle/>
+          <a:p>
+            <a:fld id="{C3C4BE22-9B85-4F9B-AD13-D01C8C6C010B}" type="slidenum">
+              <a:rPr kumimoji="1" lang="ja-JP" altLang="en-US" smtClean="0"/>
+              <a:t>11</a:t>
+            </a:fld>
+            <a:endParaRPr kumimoji="1" lang="ja-JP" altLang="en-US"/>
+          </a:p>
+        </p:txBody>
+      </p:sp>
+      <p:pic>
+        <p:nvPicPr>
+          <p:cNvPr id="5" name="図 4" descr="背景パターン&#10;&#10;自動的に生成された説明">
+            <a:extLst>
+              <a:ext uri="{FF2B5EF4-FFF2-40B4-BE49-F238E27FC236}">
+                <a16:creationId xmlns:a16="http://schemas.microsoft.com/office/drawing/2014/main" id="{B4B08E92-E12B-1670-3295-94EC5474C769}"/>
+              </a:ext>
+            </a:extLst>
+          </p:cNvPr>
+          <p:cNvPicPr>
+            <a:picLocks noChangeAspect="1"/>
+          </p:cNvPicPr>
+          <p:nvPr/>
+        </p:nvPicPr>
+        <p:blipFill>
+          <a:blip r:embed="rId2">
+            <a:extLst>
+              <a:ext uri="{28A0092B-C50C-407E-A947-70E740481C1C}">
+                <a14:useLocalDpi xmlns:a14="http://schemas.microsoft.com/office/drawing/2010/main" val="0"/>
+              </a:ext>
+            </a:extLst>
+          </a:blip>
+          <a:stretch>
+            <a:fillRect/>
+          </a:stretch>
+        </p:blipFill>
+        <p:spPr>
+          <a:xfrm>
+            <a:off x="-97201" y="2046033"/>
+            <a:ext cx="4946914" cy="4133096"/>
+          </a:xfrm>
+          <a:prstGeom prst="rect">
+            <a:avLst/>
+          </a:prstGeom>
+        </p:spPr>
+      </p:pic>
+      <mc:AlternateContent xmlns:mc="http://schemas.openxmlformats.org/markup-compatibility/2006">
+        <mc:Choice xmlns:a14="http://schemas.microsoft.com/office/drawing/2010/main" Requires="a14">
+          <p:sp>
+            <p:nvSpPr>
+              <p:cNvPr id="6" name="テキスト ボックス 5">
+                <a:extLst>
+                  <a:ext uri="{FF2B5EF4-FFF2-40B4-BE49-F238E27FC236}">
+                    <a16:creationId xmlns:a16="http://schemas.microsoft.com/office/drawing/2014/main" id="{04FAC78F-ECB8-FBD2-B2D2-AF61C169FAB8}"/>
+                  </a:ext>
+                </a:extLst>
+              </p:cNvPr>
+              <p:cNvSpPr txBox="1"/>
+              <p:nvPr/>
+            </p:nvSpPr>
+            <p:spPr>
+              <a:xfrm>
+                <a:off x="4731796" y="2309357"/>
+                <a:ext cx="7297445" cy="4183518"/>
+              </a:xfrm>
+              <a:prstGeom prst="rect">
+                <a:avLst/>
+              </a:prstGeom>
+              <a:noFill/>
+            </p:spPr>
+            <p:txBody>
+              <a:bodyPr wrap="square" rtlCol="0">
+                <a:spAutoFit/>
+              </a:bodyPr>
+              <a:lstStyle/>
+              <a:p>
+                <a:pPr algn="l"/>
+                <a14:m>
+                  <m:oMath xmlns:m="http://schemas.openxmlformats.org/officeDocument/2006/math">
+                    <m:sSub>
+                      <m:sSubPr>
+                        <m:ctrlPr>
+                          <a:rPr kumimoji="1" lang="en-US" altLang="ja-JP" sz="2400" b="0" i="1" smtClean="0">
+                            <a:latin typeface="Cambria Math" panose="02040503050406030204" pitchFamily="18" charset="0"/>
+                          </a:rPr>
+                        </m:ctrlPr>
+                      </m:sSubPr>
+                      <m:e>
+                        <m:r>
+                          <a:rPr kumimoji="1" lang="en-US" altLang="ja-JP" sz="2400" b="0" i="1" smtClean="0">
+                            <a:latin typeface="Cambria Math" panose="02040503050406030204" pitchFamily="18" charset="0"/>
+                          </a:rPr>
+                          <m:t>𝑀</m:t>
+                        </m:r>
+                      </m:e>
+                      <m:sub>
+                        <m:r>
+                          <a:rPr kumimoji="1" lang="en-US" altLang="ja-JP" sz="2400" b="0" i="1" smtClean="0">
+                            <a:latin typeface="Cambria Math" panose="02040503050406030204" pitchFamily="18" charset="0"/>
+                          </a:rPr>
+                          <m:t>𝑛</m:t>
+                        </m:r>
+                        <m:r>
+                          <a:rPr kumimoji="1" lang="en-US" altLang="ja-JP" sz="2400" b="0" i="1" smtClean="0">
+                            <a:latin typeface="Cambria Math" panose="02040503050406030204" pitchFamily="18" charset="0"/>
+                          </a:rPr>
+                          <m:t>1</m:t>
+                        </m:r>
+                      </m:sub>
+                    </m:sSub>
+                    <m:r>
+                      <a:rPr kumimoji="1" lang="en-US" altLang="ja-JP" sz="2400" b="0" i="1" smtClean="0">
+                        <a:latin typeface="Cambria Math" panose="02040503050406030204" pitchFamily="18" charset="0"/>
+                      </a:rPr>
+                      <m:t>,</m:t>
+                    </m:r>
+                    <m:sSub>
+                      <m:sSubPr>
+                        <m:ctrlPr>
+                          <a:rPr kumimoji="1" lang="en-US" altLang="ja-JP" sz="2400" b="0" i="1" smtClean="0">
+                            <a:latin typeface="Cambria Math" panose="02040503050406030204" pitchFamily="18" charset="0"/>
+                          </a:rPr>
+                        </m:ctrlPr>
+                      </m:sSubPr>
+                      <m:e>
+                        <m:r>
+                          <a:rPr kumimoji="1" lang="en-US" altLang="ja-JP" sz="2400" b="0" i="1" smtClean="0">
+                            <a:latin typeface="Cambria Math" panose="02040503050406030204" pitchFamily="18" charset="0"/>
+                          </a:rPr>
+                          <m:t>𝑀</m:t>
+                        </m:r>
+                      </m:e>
+                      <m:sub>
+                        <m:r>
+                          <a:rPr kumimoji="1" lang="en-US" altLang="ja-JP" sz="2400" b="0" i="1" smtClean="0">
+                            <a:latin typeface="Cambria Math" panose="02040503050406030204" pitchFamily="18" charset="0"/>
+                          </a:rPr>
+                          <m:t>𝑛</m:t>
+                        </m:r>
+                        <m:r>
+                          <a:rPr kumimoji="1" lang="en-US" altLang="ja-JP" sz="2400" b="0" i="1" smtClean="0">
+                            <a:latin typeface="Cambria Math" panose="02040503050406030204" pitchFamily="18" charset="0"/>
+                          </a:rPr>
+                          <m:t>2</m:t>
+                        </m:r>
+                      </m:sub>
+                    </m:sSub>
+                  </m:oMath>
+                </a14:m>
+                <a:r>
+                  <a:rPr kumimoji="1" lang="ja-JP" altLang="en-US" sz="2400" b="0" dirty="0">
+                    <a:latin typeface="Cambria Math" panose="02040503050406030204" pitchFamily="18" charset="0"/>
+                  </a:rPr>
+                  <a:t>が飽和領域で動作する範囲は</a:t>
+                </a:r>
+                <a:endParaRPr kumimoji="1" lang="en-US" altLang="ja-JP" sz="2400" b="0" dirty="0">
+                  <a:latin typeface="Cambria Math" panose="02040503050406030204" pitchFamily="18" charset="0"/>
+                </a:endParaRPr>
+              </a:p>
+              <a:p>
+                <a:pPr algn="l"/>
+                <a14:m>
+                  <m:oMathPara xmlns:m="http://schemas.openxmlformats.org/officeDocument/2006/math">
+                    <m:oMathParaPr>
+                      <m:jc m:val="centerGroup"/>
+                    </m:oMathParaPr>
+                    <m:oMath xmlns:m="http://schemas.openxmlformats.org/officeDocument/2006/math">
+                      <m:sSub>
+                        <m:sSubPr>
+                          <m:ctrlPr>
+                            <a:rPr kumimoji="1" lang="en-US" altLang="ja-JP" sz="2400" b="0" i="1" smtClean="0">
+                              <a:latin typeface="Cambria Math" panose="02040503050406030204" pitchFamily="18" charset="0"/>
+                            </a:rPr>
+                          </m:ctrlPr>
+                        </m:sSubPr>
+                        <m:e>
+                          <m:r>
+                            <a:rPr kumimoji="1" lang="en-US" altLang="ja-JP" sz="2400" b="0" i="1" smtClean="0">
+                              <a:latin typeface="Cambria Math" panose="02040503050406030204" pitchFamily="18" charset="0"/>
+                            </a:rPr>
+                            <m:t>𝑉</m:t>
+                          </m:r>
+                        </m:e>
+                        <m:sub>
+                          <m:r>
+                            <a:rPr kumimoji="1" lang="en-US" altLang="ja-JP" sz="2400" b="0" i="1" smtClean="0">
+                              <a:latin typeface="Cambria Math" panose="02040503050406030204" pitchFamily="18" charset="0"/>
+                            </a:rPr>
+                            <m:t>𝑛𝑆</m:t>
+                          </m:r>
+                        </m:sub>
+                      </m:sSub>
+                      <m:r>
+                        <a:rPr kumimoji="1" lang="en-US" altLang="ja-JP" sz="2400" b="0" i="1" smtClean="0">
+                          <a:latin typeface="Cambria Math" panose="02040503050406030204" pitchFamily="18" charset="0"/>
+                        </a:rPr>
+                        <m:t>+</m:t>
+                      </m:r>
+                      <m:sSub>
+                        <m:sSubPr>
+                          <m:ctrlPr>
+                            <a:rPr kumimoji="1" lang="en-US" altLang="ja-JP" sz="2400" b="0" i="1" smtClean="0">
+                              <a:latin typeface="Cambria Math" panose="02040503050406030204" pitchFamily="18" charset="0"/>
+                            </a:rPr>
+                          </m:ctrlPr>
+                        </m:sSubPr>
+                        <m:e>
+                          <m:r>
+                            <a:rPr kumimoji="1" lang="en-US" altLang="ja-JP" sz="2400" b="0" i="1" smtClean="0">
+                              <a:latin typeface="Cambria Math" panose="02040503050406030204" pitchFamily="18" charset="0"/>
+                            </a:rPr>
+                            <m:t>𝑉</m:t>
+                          </m:r>
+                        </m:e>
+                        <m:sub>
+                          <m:r>
+                            <a:rPr kumimoji="1" lang="en-US" altLang="ja-JP" sz="2400" b="0" i="1" smtClean="0">
+                              <a:latin typeface="Cambria Math" panose="02040503050406030204" pitchFamily="18" charset="0"/>
+                            </a:rPr>
+                            <m:t>𝑡h𝑛</m:t>
+                          </m:r>
+                        </m:sub>
+                      </m:sSub>
+                      <m:r>
+                        <a:rPr kumimoji="1" lang="en-US" altLang="ja-JP" sz="2400" b="0" i="1" smtClean="0">
+                          <a:latin typeface="Cambria Math" panose="02040503050406030204" pitchFamily="18" charset="0"/>
+                        </a:rPr>
+                        <m:t>≤</m:t>
+                      </m:r>
+                      <m:sSub>
+                        <m:sSubPr>
+                          <m:ctrlPr>
+                            <a:rPr kumimoji="1" lang="en-US" altLang="ja-JP" sz="2400" b="0" i="1" smtClean="0">
+                              <a:latin typeface="Cambria Math" panose="02040503050406030204" pitchFamily="18" charset="0"/>
+                            </a:rPr>
+                          </m:ctrlPr>
+                        </m:sSubPr>
+                        <m:e>
+                          <m:r>
+                            <a:rPr kumimoji="1" lang="en-US" altLang="ja-JP" sz="2400" b="0" i="1" smtClean="0">
+                              <a:latin typeface="Cambria Math" panose="02040503050406030204" pitchFamily="18" charset="0"/>
+                            </a:rPr>
+                            <m:t>𝑉</m:t>
+                          </m:r>
+                        </m:e>
+                        <m:sub>
+                          <m:r>
+                            <a:rPr kumimoji="1" lang="en-US" altLang="ja-JP" sz="2400" b="0" i="1" smtClean="0">
+                              <a:latin typeface="Cambria Math" panose="02040503050406030204" pitchFamily="18" charset="0"/>
+                            </a:rPr>
+                            <m:t>𝑛𝑏</m:t>
+                          </m:r>
+                        </m:sub>
+                      </m:sSub>
+                      <m:r>
+                        <a:rPr kumimoji="1" lang="en-US" altLang="ja-JP" sz="2400" b="0" i="1" smtClean="0">
+                          <a:latin typeface="Cambria Math" panose="02040503050406030204" pitchFamily="18" charset="0"/>
+                        </a:rPr>
+                        <m:t>−</m:t>
+                      </m:r>
+                      <m:sSub>
+                        <m:sSubPr>
+                          <m:ctrlPr>
+                            <a:rPr kumimoji="1" lang="en-US" altLang="ja-JP" sz="2400" b="0" i="1" smtClean="0">
+                              <a:latin typeface="Cambria Math" panose="02040503050406030204" pitchFamily="18" charset="0"/>
+                            </a:rPr>
+                          </m:ctrlPr>
+                        </m:sSubPr>
+                        <m:e>
+                          <m:r>
+                            <a:rPr kumimoji="1" lang="en-US" altLang="ja-JP" sz="2400" b="0" i="1" smtClean="0">
+                              <a:latin typeface="Cambria Math" panose="02040503050406030204" pitchFamily="18" charset="0"/>
+                            </a:rPr>
+                            <m:t>𝑣</m:t>
+                          </m:r>
+                        </m:e>
+                        <m:sub>
+                          <m:r>
+                            <a:rPr kumimoji="1" lang="en-US" altLang="ja-JP" sz="2400" b="0" i="1" smtClean="0">
+                              <a:latin typeface="Cambria Math" panose="02040503050406030204" pitchFamily="18" charset="0"/>
+                            </a:rPr>
+                            <m:t>𝑖𝑛</m:t>
+                          </m:r>
+                        </m:sub>
+                      </m:sSub>
+                      <m:r>
+                        <a:rPr kumimoji="1" lang="en-US" altLang="ja-JP" sz="2400" b="0" i="1" smtClean="0">
+                          <a:latin typeface="Cambria Math" panose="02040503050406030204" pitchFamily="18" charset="0"/>
+                        </a:rPr>
+                        <m:t>,</m:t>
+                      </m:r>
+                      <m:sSub>
+                        <m:sSubPr>
+                          <m:ctrlPr>
+                            <a:rPr kumimoji="1" lang="en-US" altLang="ja-JP" sz="2400" b="0" i="1" smtClean="0">
+                              <a:latin typeface="Cambria Math" panose="02040503050406030204" pitchFamily="18" charset="0"/>
+                            </a:rPr>
+                          </m:ctrlPr>
+                        </m:sSubPr>
+                        <m:e>
+                          <m:r>
+                            <a:rPr kumimoji="1" lang="en-US" altLang="ja-JP" sz="2400" b="0" i="1" smtClean="0">
+                              <a:latin typeface="Cambria Math" panose="02040503050406030204" pitchFamily="18" charset="0"/>
+                            </a:rPr>
+                            <m:t>𝑉</m:t>
+                          </m:r>
+                        </m:e>
+                        <m:sub>
+                          <m:r>
+                            <a:rPr kumimoji="1" lang="en-US" altLang="ja-JP" sz="2400" b="0" i="1" smtClean="0">
+                              <a:latin typeface="Cambria Math" panose="02040503050406030204" pitchFamily="18" charset="0"/>
+                            </a:rPr>
+                            <m:t>𝑛𝑏</m:t>
+                          </m:r>
+                        </m:sub>
+                      </m:sSub>
+                      <m:r>
+                        <a:rPr kumimoji="1" lang="en-US" altLang="ja-JP" sz="2400" b="0" i="1" smtClean="0">
+                          <a:latin typeface="Cambria Math" panose="02040503050406030204" pitchFamily="18" charset="0"/>
+                        </a:rPr>
+                        <m:t>+</m:t>
+                      </m:r>
+                      <m:sSub>
+                        <m:sSubPr>
+                          <m:ctrlPr>
+                            <a:rPr kumimoji="1" lang="en-US" altLang="ja-JP" sz="2400" b="0" i="1" smtClean="0">
+                              <a:latin typeface="Cambria Math" panose="02040503050406030204" pitchFamily="18" charset="0"/>
+                            </a:rPr>
+                          </m:ctrlPr>
+                        </m:sSubPr>
+                        <m:e>
+                          <m:r>
+                            <a:rPr kumimoji="1" lang="en-US" altLang="ja-JP" sz="2400" b="0" i="1" smtClean="0">
+                              <a:latin typeface="Cambria Math" panose="02040503050406030204" pitchFamily="18" charset="0"/>
+                            </a:rPr>
+                            <m:t>𝑣</m:t>
+                          </m:r>
+                        </m:e>
+                        <m:sub>
+                          <m:r>
+                            <a:rPr kumimoji="1" lang="en-US" altLang="ja-JP" sz="2400" b="0" i="1" smtClean="0">
+                              <a:latin typeface="Cambria Math" panose="02040503050406030204" pitchFamily="18" charset="0"/>
+                            </a:rPr>
+                            <m:t>𝑖𝑛</m:t>
+                          </m:r>
+                        </m:sub>
+                      </m:sSub>
+                      <m:r>
+                        <a:rPr kumimoji="1" lang="en-US" altLang="ja-JP" sz="2400" b="0" i="1" smtClean="0">
+                          <a:latin typeface="Cambria Math" panose="02040503050406030204" pitchFamily="18" charset="0"/>
+                        </a:rPr>
+                        <m:t>≤</m:t>
+                      </m:r>
+                      <m:sSub>
+                        <m:sSubPr>
+                          <m:ctrlPr>
+                            <a:rPr kumimoji="1" lang="en-US" altLang="ja-JP" sz="2400" b="0" i="1" smtClean="0">
+                              <a:latin typeface="Cambria Math" panose="02040503050406030204" pitchFamily="18" charset="0"/>
+                            </a:rPr>
+                          </m:ctrlPr>
+                        </m:sSubPr>
+                        <m:e>
+                          <m:r>
+                            <a:rPr kumimoji="1" lang="en-US" altLang="ja-JP" sz="2400" b="0" i="1" smtClean="0">
+                              <a:latin typeface="Cambria Math" panose="02040503050406030204" pitchFamily="18" charset="0"/>
+                            </a:rPr>
+                            <m:t>𝑉</m:t>
+                          </m:r>
+                        </m:e>
+                        <m:sub>
+                          <m:r>
+                            <a:rPr kumimoji="1" lang="en-US" altLang="ja-JP" sz="2400" b="0" i="1" smtClean="0">
+                              <a:latin typeface="Cambria Math" panose="02040503050406030204" pitchFamily="18" charset="0"/>
+                            </a:rPr>
+                            <m:t>𝑝𝑆</m:t>
+                          </m:r>
+                        </m:sub>
+                      </m:sSub>
+                      <m:r>
+                        <a:rPr kumimoji="1" lang="en-US" altLang="ja-JP" sz="2400" b="0" i="1" smtClean="0">
+                          <a:latin typeface="Cambria Math" panose="02040503050406030204" pitchFamily="18" charset="0"/>
+                        </a:rPr>
+                        <m:t>+</m:t>
+                      </m:r>
+                      <m:sSub>
+                        <m:sSubPr>
+                          <m:ctrlPr>
+                            <a:rPr kumimoji="1" lang="en-US" altLang="ja-JP" sz="2400" b="0" i="1" smtClean="0">
+                              <a:latin typeface="Cambria Math" panose="02040503050406030204" pitchFamily="18" charset="0"/>
+                            </a:rPr>
+                          </m:ctrlPr>
+                        </m:sSubPr>
+                        <m:e>
+                          <m:r>
+                            <a:rPr kumimoji="1" lang="en-US" altLang="ja-JP" sz="2400" b="0" i="1" smtClean="0">
+                              <a:latin typeface="Cambria Math" panose="02040503050406030204" pitchFamily="18" charset="0"/>
+                            </a:rPr>
+                            <m:t>𝑉</m:t>
+                          </m:r>
+                        </m:e>
+                        <m:sub>
+                          <m:r>
+                            <a:rPr kumimoji="1" lang="en-US" altLang="ja-JP" sz="2400" b="0" i="1" smtClean="0">
+                              <a:latin typeface="Cambria Math" panose="02040503050406030204" pitchFamily="18" charset="0"/>
+                            </a:rPr>
+                            <m:t>𝑡h𝑛</m:t>
+                          </m:r>
+                        </m:sub>
+                      </m:sSub>
+                    </m:oMath>
+                  </m:oMathPara>
+                </a14:m>
+                <a:endParaRPr kumimoji="1" lang="en-US" altLang="ja-JP" sz="2400" b="0" dirty="0"/>
+              </a:p>
+              <a:p>
+                <a:pPr algn="l"/>
+                <a:r>
+                  <a:rPr kumimoji="1" lang="ja-JP" altLang="en-US" sz="2400" dirty="0"/>
+                  <a:t>であり、</a:t>
+                </a:r>
+                <a14:m>
+                  <m:oMath xmlns:m="http://schemas.openxmlformats.org/officeDocument/2006/math">
+                    <m:sSub>
+                      <m:sSubPr>
+                        <m:ctrlPr>
+                          <a:rPr kumimoji="1" lang="en-US" altLang="ja-JP" sz="2400" b="0" i="1" smtClean="0">
+                            <a:latin typeface="Cambria Math" panose="02040503050406030204" pitchFamily="18" charset="0"/>
+                          </a:rPr>
+                        </m:ctrlPr>
+                      </m:sSubPr>
+                      <m:e>
+                        <m:r>
+                          <a:rPr kumimoji="1" lang="en-US" altLang="ja-JP" sz="2400" b="0" i="1" smtClean="0">
+                            <a:latin typeface="Cambria Math" panose="02040503050406030204" pitchFamily="18" charset="0"/>
+                          </a:rPr>
+                          <m:t>𝑉</m:t>
+                        </m:r>
+                      </m:e>
+                      <m:sub>
+                        <m:r>
+                          <a:rPr kumimoji="1" lang="en-US" altLang="ja-JP" sz="2400" b="0" i="1" smtClean="0">
+                            <a:latin typeface="Cambria Math" panose="02040503050406030204" pitchFamily="18" charset="0"/>
+                          </a:rPr>
+                          <m:t>𝑡h𝑛</m:t>
+                        </m:r>
+                      </m:sub>
+                    </m:sSub>
+                    <m:r>
+                      <a:rPr kumimoji="1" lang="en-US" altLang="ja-JP" sz="2400" b="0" i="1" smtClean="0">
+                        <a:latin typeface="Cambria Math" panose="02040503050406030204" pitchFamily="18" charset="0"/>
+                      </a:rPr>
+                      <m:t>=0.45 </m:t>
+                    </m:r>
+                    <m:r>
+                      <m:rPr>
+                        <m:sty m:val="p"/>
+                      </m:rPr>
+                      <a:rPr kumimoji="1" lang="en-US" altLang="ja-JP" sz="2400" b="0" i="0" smtClean="0">
+                        <a:latin typeface="Cambria Math" panose="02040503050406030204" pitchFamily="18" charset="0"/>
+                      </a:rPr>
+                      <m:t>V</m:t>
+                    </m:r>
+                    <m:r>
+                      <a:rPr lang="ja-JP" altLang="en-US" sz="2400" i="1">
+                        <a:latin typeface="Cambria Math" panose="02040503050406030204" pitchFamily="18" charset="0"/>
+                      </a:rPr>
+                      <m:t>と</m:t>
+                    </m:r>
+                  </m:oMath>
+                </a14:m>
+                <a:r>
+                  <a:rPr kumimoji="1" lang="ja-JP" altLang="en-US" sz="2400" dirty="0"/>
+                  <a:t>すると</a:t>
+                </a:r>
+                <a:endParaRPr kumimoji="1" lang="en-US" altLang="ja-JP" sz="2400" dirty="0"/>
+              </a:p>
+              <a:p>
+                <a:pPr algn="l"/>
+                <a14:m>
+                  <m:oMathPara xmlns:m="http://schemas.openxmlformats.org/officeDocument/2006/math">
+                    <m:oMathParaPr>
+                      <m:jc m:val="centerGroup"/>
+                    </m:oMathParaPr>
+                    <m:oMath xmlns:m="http://schemas.openxmlformats.org/officeDocument/2006/math">
+                      <m:sSub>
+                        <m:sSubPr>
+                          <m:ctrlPr>
+                            <a:rPr kumimoji="1" lang="en-US" altLang="ja-JP" sz="2400" b="0" i="1" smtClean="0">
+                              <a:latin typeface="Cambria Math" panose="02040503050406030204" pitchFamily="18" charset="0"/>
+                            </a:rPr>
+                          </m:ctrlPr>
+                        </m:sSubPr>
+                        <m:e>
+                          <m:r>
+                            <a:rPr kumimoji="1" lang="en-US" altLang="ja-JP" sz="2400" b="0" i="1" smtClean="0">
+                              <a:latin typeface="Cambria Math" panose="02040503050406030204" pitchFamily="18" charset="0"/>
+                            </a:rPr>
+                            <m:t>𝑉</m:t>
+                          </m:r>
+                        </m:e>
+                        <m:sub>
+                          <m:r>
+                            <a:rPr kumimoji="1" lang="en-US" altLang="ja-JP" sz="2400" b="0" i="1" smtClean="0">
+                              <a:latin typeface="Cambria Math" panose="02040503050406030204" pitchFamily="18" charset="0"/>
+                            </a:rPr>
+                            <m:t>𝑛𝑆</m:t>
+                          </m:r>
+                        </m:sub>
+                      </m:sSub>
+                      <m:r>
+                        <a:rPr kumimoji="1" lang="en-US" altLang="ja-JP" sz="2400" b="0" i="1" smtClean="0">
+                          <a:latin typeface="Cambria Math" panose="02040503050406030204" pitchFamily="18" charset="0"/>
+                        </a:rPr>
+                        <m:t>+0.45≤</m:t>
+                      </m:r>
+                      <m:sSub>
+                        <m:sSubPr>
+                          <m:ctrlPr>
+                            <a:rPr kumimoji="1" lang="en-US" altLang="ja-JP" sz="2400" b="0" i="1" smtClean="0">
+                              <a:latin typeface="Cambria Math" panose="02040503050406030204" pitchFamily="18" charset="0"/>
+                            </a:rPr>
+                          </m:ctrlPr>
+                        </m:sSubPr>
+                        <m:e>
+                          <m:r>
+                            <a:rPr kumimoji="1" lang="en-US" altLang="ja-JP" sz="2400" b="0" i="1" smtClean="0">
+                              <a:latin typeface="Cambria Math" panose="02040503050406030204" pitchFamily="18" charset="0"/>
+                            </a:rPr>
+                            <m:t>𝑉</m:t>
+                          </m:r>
+                        </m:e>
+                        <m:sub>
+                          <m:r>
+                            <a:rPr kumimoji="1" lang="en-US" altLang="ja-JP" sz="2400" b="0" i="1" smtClean="0">
+                              <a:latin typeface="Cambria Math" panose="02040503050406030204" pitchFamily="18" charset="0"/>
+                            </a:rPr>
+                            <m:t>𝑛𝑏</m:t>
+                          </m:r>
+                        </m:sub>
+                      </m:sSub>
+                      <m:r>
+                        <a:rPr kumimoji="1" lang="en-US" altLang="ja-JP" sz="2400" b="0" i="1" smtClean="0">
+                          <a:latin typeface="Cambria Math" panose="02040503050406030204" pitchFamily="18" charset="0"/>
+                        </a:rPr>
+                        <m:t>−0.2, </m:t>
+                      </m:r>
+                      <m:sSub>
+                        <m:sSubPr>
+                          <m:ctrlPr>
+                            <a:rPr kumimoji="1" lang="en-US" altLang="ja-JP" sz="2400" b="0" i="1" smtClean="0">
+                              <a:latin typeface="Cambria Math" panose="02040503050406030204" pitchFamily="18" charset="0"/>
+                            </a:rPr>
+                          </m:ctrlPr>
+                        </m:sSubPr>
+                        <m:e>
+                          <m:r>
+                            <a:rPr kumimoji="1" lang="en-US" altLang="ja-JP" sz="2400" b="0" i="1" smtClean="0">
+                              <a:latin typeface="Cambria Math" panose="02040503050406030204" pitchFamily="18" charset="0"/>
+                            </a:rPr>
+                            <m:t>𝑉</m:t>
+                          </m:r>
+                        </m:e>
+                        <m:sub>
+                          <m:r>
+                            <a:rPr kumimoji="1" lang="en-US" altLang="ja-JP" sz="2400" b="0" i="1" smtClean="0">
+                              <a:latin typeface="Cambria Math" panose="02040503050406030204" pitchFamily="18" charset="0"/>
+                            </a:rPr>
+                            <m:t>𝑛𝑏</m:t>
+                          </m:r>
+                        </m:sub>
+                      </m:sSub>
+                      <m:r>
+                        <a:rPr kumimoji="1" lang="en-US" altLang="ja-JP" sz="2400" b="0" i="1" smtClean="0">
+                          <a:latin typeface="Cambria Math" panose="02040503050406030204" pitchFamily="18" charset="0"/>
+                        </a:rPr>
+                        <m:t>+0.2≤1.5+0.45</m:t>
+                      </m:r>
+                    </m:oMath>
+                  </m:oMathPara>
+                </a14:m>
+                <a:endParaRPr kumimoji="1" lang="en-US" altLang="ja-JP" sz="2400" b="0" dirty="0"/>
+              </a:p>
+              <a:p>
+                <a:pPr algn="l"/>
+                <a14:m>
+                  <m:oMathPara xmlns:m="http://schemas.openxmlformats.org/officeDocument/2006/math">
+                    <m:oMathParaPr>
+                      <m:jc m:val="centerGroup"/>
+                    </m:oMathParaPr>
+                    <m:oMath xmlns:m="http://schemas.openxmlformats.org/officeDocument/2006/math">
+                      <m:sSub>
+                        <m:sSubPr>
+                          <m:ctrlPr>
+                            <a:rPr kumimoji="1" lang="en-US" altLang="ja-JP" sz="2400" b="0" i="1" smtClean="0">
+                              <a:latin typeface="Cambria Math" panose="02040503050406030204" pitchFamily="18" charset="0"/>
+                            </a:rPr>
+                          </m:ctrlPr>
+                        </m:sSubPr>
+                        <m:e>
+                          <m:r>
+                            <a:rPr kumimoji="1" lang="en-US" altLang="ja-JP" sz="2400" b="0" i="1" smtClean="0">
+                              <a:latin typeface="Cambria Math" panose="02040503050406030204" pitchFamily="18" charset="0"/>
+                            </a:rPr>
+                            <m:t>𝑉</m:t>
+                          </m:r>
+                        </m:e>
+                        <m:sub>
+                          <m:r>
+                            <a:rPr kumimoji="1" lang="en-US" altLang="ja-JP" sz="2400" b="0" i="1" smtClean="0">
+                              <a:latin typeface="Cambria Math" panose="02040503050406030204" pitchFamily="18" charset="0"/>
+                            </a:rPr>
+                            <m:t>𝑛𝑆</m:t>
+                          </m:r>
+                        </m:sub>
+                      </m:sSub>
+                      <m:r>
+                        <a:rPr kumimoji="1" lang="en-US" altLang="ja-JP" sz="2400" b="0" i="1" smtClean="0">
+                          <a:latin typeface="Cambria Math" panose="02040503050406030204" pitchFamily="18" charset="0"/>
+                        </a:rPr>
+                        <m:t>+0.25≤</m:t>
+                      </m:r>
+                      <m:sSub>
+                        <m:sSubPr>
+                          <m:ctrlPr>
+                            <a:rPr kumimoji="1" lang="en-US" altLang="ja-JP" sz="2400" b="0" i="1" smtClean="0">
+                              <a:latin typeface="Cambria Math" panose="02040503050406030204" pitchFamily="18" charset="0"/>
+                            </a:rPr>
+                          </m:ctrlPr>
+                        </m:sSubPr>
+                        <m:e>
+                          <m:r>
+                            <a:rPr kumimoji="1" lang="en-US" altLang="ja-JP" sz="2400" b="0" i="1" smtClean="0">
+                              <a:latin typeface="Cambria Math" panose="02040503050406030204" pitchFamily="18" charset="0"/>
+                            </a:rPr>
+                            <m:t>𝑉</m:t>
+                          </m:r>
+                        </m:e>
+                        <m:sub>
+                          <m:r>
+                            <a:rPr kumimoji="1" lang="en-US" altLang="ja-JP" sz="2400" b="0" i="1" smtClean="0">
+                              <a:latin typeface="Cambria Math" panose="02040503050406030204" pitchFamily="18" charset="0"/>
+                            </a:rPr>
+                            <m:t>𝑛𝑏</m:t>
+                          </m:r>
+                        </m:sub>
+                      </m:sSub>
+                      <m:r>
+                        <a:rPr kumimoji="1" lang="en-US" altLang="ja-JP" sz="2400" b="0" i="1" smtClean="0">
+                          <a:latin typeface="Cambria Math" panose="02040503050406030204" pitchFamily="18" charset="0"/>
+                        </a:rPr>
+                        <m:t>≤1.75</m:t>
+                      </m:r>
+                    </m:oMath>
+                  </m:oMathPara>
+                </a14:m>
+                <a:endParaRPr kumimoji="1" lang="en-US" altLang="ja-JP" sz="2400" dirty="0"/>
+              </a:p>
+              <a:p>
+                <a:pPr algn="l"/>
+                <a:r>
+                  <a:rPr kumimoji="1" lang="ja-JP" altLang="en-US" sz="2400" dirty="0"/>
+                  <a:t>とな</a:t>
+                </a:r>
+                <a:r>
+                  <a:rPr lang="ja-JP" altLang="en-US" sz="2400" dirty="0"/>
+                  <a:t>る。また、</a:t>
+                </a:r>
+                <a14:m>
+                  <m:oMath xmlns:m="http://schemas.openxmlformats.org/officeDocument/2006/math">
+                    <m:sSub>
+                      <m:sSubPr>
+                        <m:ctrlPr>
+                          <a:rPr lang="en-US" altLang="ja-JP" sz="2400" b="0" i="1" smtClean="0">
+                            <a:latin typeface="Cambria Math" panose="02040503050406030204" pitchFamily="18" charset="0"/>
+                          </a:rPr>
+                        </m:ctrlPr>
+                      </m:sSubPr>
+                      <m:e>
+                        <m:r>
+                          <a:rPr lang="en-US" altLang="ja-JP" sz="2400" b="0" i="1" smtClean="0">
+                            <a:latin typeface="Cambria Math" panose="02040503050406030204" pitchFamily="18" charset="0"/>
+                          </a:rPr>
+                          <m:t>𝑀</m:t>
+                        </m:r>
+                      </m:e>
+                      <m:sub>
+                        <m:r>
+                          <a:rPr lang="en-US" altLang="ja-JP" sz="2400" b="0" i="1" smtClean="0">
+                            <a:latin typeface="Cambria Math" panose="02040503050406030204" pitchFamily="18" charset="0"/>
+                          </a:rPr>
+                          <m:t>𝐶</m:t>
+                        </m:r>
+                      </m:sub>
+                    </m:sSub>
+                  </m:oMath>
+                </a14:m>
+                <a:r>
+                  <a:rPr kumimoji="1" lang="ja-JP" altLang="en-US" sz="2400" dirty="0"/>
+                  <a:t>が飽和領域で動作する範囲は</a:t>
+                </a:r>
+                <a:endParaRPr lang="en-US" altLang="ja-JP" sz="2400" dirty="0"/>
+              </a:p>
+              <a:p>
+                <a:pPr algn="l"/>
+                <a14:m>
+                  <m:oMathPara xmlns:m="http://schemas.openxmlformats.org/officeDocument/2006/math">
+                    <m:oMathParaPr>
+                      <m:jc m:val="centerGroup"/>
+                    </m:oMathParaPr>
+                    <m:oMath xmlns:m="http://schemas.openxmlformats.org/officeDocument/2006/math">
+                      <m:sSub>
+                        <m:sSubPr>
+                          <m:ctrlPr>
+                            <a:rPr kumimoji="1" lang="en-US" altLang="ja-JP" sz="2400" b="0" i="1" smtClean="0">
+                              <a:latin typeface="Cambria Math" panose="02040503050406030204" pitchFamily="18" charset="0"/>
+                            </a:rPr>
+                          </m:ctrlPr>
+                        </m:sSubPr>
+                        <m:e>
+                          <m:r>
+                            <a:rPr kumimoji="1" lang="en-US" altLang="ja-JP" sz="2400" b="0" i="1" smtClean="0">
+                              <a:latin typeface="Cambria Math" panose="02040503050406030204" pitchFamily="18" charset="0"/>
+                            </a:rPr>
+                            <m:t>𝑉</m:t>
+                          </m:r>
+                        </m:e>
+                        <m:sub>
+                          <m:r>
+                            <a:rPr kumimoji="1" lang="en-US" altLang="ja-JP" sz="2400" b="0" i="1" smtClean="0">
+                              <a:latin typeface="Cambria Math" panose="02040503050406030204" pitchFamily="18" charset="0"/>
+                            </a:rPr>
+                            <m:t>𝑡h𝑛</m:t>
+                          </m:r>
+                        </m:sub>
+                      </m:sSub>
+                      <m:r>
+                        <a:rPr kumimoji="1" lang="en-US" altLang="ja-JP" sz="2400" b="0" i="1" smtClean="0">
+                          <a:latin typeface="Cambria Math" panose="02040503050406030204" pitchFamily="18" charset="0"/>
+                        </a:rPr>
+                        <m:t>≤</m:t>
+                      </m:r>
+                      <m:sSub>
+                        <m:sSubPr>
+                          <m:ctrlPr>
+                            <a:rPr kumimoji="1" lang="en-US" altLang="ja-JP" sz="2400" b="0" i="1" smtClean="0">
+                              <a:latin typeface="Cambria Math" panose="02040503050406030204" pitchFamily="18" charset="0"/>
+                            </a:rPr>
+                          </m:ctrlPr>
+                        </m:sSubPr>
+                        <m:e>
+                          <m:r>
+                            <a:rPr kumimoji="1" lang="en-US" altLang="ja-JP" sz="2400" b="0" i="1" smtClean="0">
+                              <a:latin typeface="Cambria Math" panose="02040503050406030204" pitchFamily="18" charset="0"/>
+                            </a:rPr>
+                            <m:t>𝑉</m:t>
+                          </m:r>
+                        </m:e>
+                        <m:sub>
+                          <m:r>
+                            <a:rPr kumimoji="1" lang="en-US" altLang="ja-JP" sz="2400" b="0" i="1" smtClean="0">
+                              <a:latin typeface="Cambria Math" panose="02040503050406030204" pitchFamily="18" charset="0"/>
+                            </a:rPr>
+                            <m:t>𝑐𝑏</m:t>
+                          </m:r>
+                        </m:sub>
+                      </m:sSub>
+                      <m:r>
+                        <a:rPr kumimoji="1" lang="en-US" altLang="ja-JP" sz="2400" b="0" i="1" smtClean="0">
+                          <a:latin typeface="Cambria Math" panose="02040503050406030204" pitchFamily="18" charset="0"/>
+                        </a:rPr>
+                        <m:t>≤</m:t>
+                      </m:r>
+                      <m:sSub>
+                        <m:sSubPr>
+                          <m:ctrlPr>
+                            <a:rPr kumimoji="1" lang="en-US" altLang="ja-JP" sz="2400" b="0" i="1" smtClean="0">
+                              <a:latin typeface="Cambria Math" panose="02040503050406030204" pitchFamily="18" charset="0"/>
+                            </a:rPr>
+                          </m:ctrlPr>
+                        </m:sSubPr>
+                        <m:e>
+                          <m:r>
+                            <a:rPr kumimoji="1" lang="en-US" altLang="ja-JP" sz="2400" b="0" i="1" smtClean="0">
+                              <a:latin typeface="Cambria Math" panose="02040503050406030204" pitchFamily="18" charset="0"/>
+                            </a:rPr>
+                            <m:t>𝑉</m:t>
+                          </m:r>
+                        </m:e>
+                        <m:sub>
+                          <m:r>
+                            <a:rPr kumimoji="1" lang="en-US" altLang="ja-JP" sz="2400" b="0" i="1" smtClean="0">
+                              <a:latin typeface="Cambria Math" panose="02040503050406030204" pitchFamily="18" charset="0"/>
+                            </a:rPr>
+                            <m:t>𝑛𝑆</m:t>
+                          </m:r>
+                        </m:sub>
+                      </m:sSub>
+                      <m:r>
+                        <a:rPr kumimoji="1" lang="en-US" altLang="ja-JP" sz="2400" b="0" i="1" smtClean="0">
+                          <a:latin typeface="Cambria Math" panose="02040503050406030204" pitchFamily="18" charset="0"/>
+                        </a:rPr>
+                        <m:t>+</m:t>
+                      </m:r>
+                      <m:sSub>
+                        <m:sSubPr>
+                          <m:ctrlPr>
+                            <a:rPr kumimoji="1" lang="en-US" altLang="ja-JP" sz="2400" b="0" i="1" smtClean="0">
+                              <a:latin typeface="Cambria Math" panose="02040503050406030204" pitchFamily="18" charset="0"/>
+                            </a:rPr>
+                          </m:ctrlPr>
+                        </m:sSubPr>
+                        <m:e>
+                          <m:r>
+                            <a:rPr kumimoji="1" lang="en-US" altLang="ja-JP" sz="2400" b="0" i="1" smtClean="0">
+                              <a:latin typeface="Cambria Math" panose="02040503050406030204" pitchFamily="18" charset="0"/>
+                            </a:rPr>
+                            <m:t>𝑉</m:t>
+                          </m:r>
+                        </m:e>
+                        <m:sub>
+                          <m:r>
+                            <a:rPr kumimoji="1" lang="en-US" altLang="ja-JP" sz="2400" b="0" i="1" smtClean="0">
+                              <a:latin typeface="Cambria Math" panose="02040503050406030204" pitchFamily="18" charset="0"/>
+                            </a:rPr>
+                            <m:t>𝑡h𝑛</m:t>
+                          </m:r>
+                        </m:sub>
+                      </m:sSub>
+                    </m:oMath>
+                  </m:oMathPara>
+                </a14:m>
+                <a:endParaRPr kumimoji="1" lang="en-US" altLang="ja-JP" sz="2400" dirty="0"/>
+              </a:p>
+              <a:p>
+                <a:pPr algn="l"/>
+                <a14:m>
+                  <m:oMathPara xmlns:m="http://schemas.openxmlformats.org/officeDocument/2006/math">
+                    <m:oMathParaPr>
+                      <m:jc m:val="centerGroup"/>
+                    </m:oMathParaPr>
+                    <m:oMath xmlns:m="http://schemas.openxmlformats.org/officeDocument/2006/math">
+                      <m:r>
+                        <a:rPr kumimoji="1" lang="en-US" altLang="ja-JP" sz="2400" b="0" i="1" smtClean="0">
+                          <a:latin typeface="Cambria Math" panose="02040503050406030204" pitchFamily="18" charset="0"/>
+                        </a:rPr>
+                        <m:t>0.45≤</m:t>
+                      </m:r>
+                      <m:sSub>
+                        <m:sSubPr>
+                          <m:ctrlPr>
+                            <a:rPr kumimoji="1" lang="en-US" altLang="ja-JP" sz="2400" b="0" i="1" smtClean="0">
+                              <a:latin typeface="Cambria Math" panose="02040503050406030204" pitchFamily="18" charset="0"/>
+                            </a:rPr>
+                          </m:ctrlPr>
+                        </m:sSubPr>
+                        <m:e>
+                          <m:r>
+                            <a:rPr kumimoji="1" lang="en-US" altLang="ja-JP" sz="2400" b="0" i="1" smtClean="0">
+                              <a:latin typeface="Cambria Math" panose="02040503050406030204" pitchFamily="18" charset="0"/>
+                            </a:rPr>
+                            <m:t>𝑉</m:t>
+                          </m:r>
+                        </m:e>
+                        <m:sub>
+                          <m:r>
+                            <a:rPr kumimoji="1" lang="en-US" altLang="ja-JP" sz="2400" b="0" i="1" smtClean="0">
+                              <a:latin typeface="Cambria Math" panose="02040503050406030204" pitchFamily="18" charset="0"/>
+                            </a:rPr>
+                            <m:t>𝑐𝑏</m:t>
+                          </m:r>
+                        </m:sub>
+                      </m:sSub>
+                      <m:r>
+                        <a:rPr kumimoji="1" lang="en-US" altLang="ja-JP" sz="2400" b="0" i="1" smtClean="0">
+                          <a:latin typeface="Cambria Math" panose="02040503050406030204" pitchFamily="18" charset="0"/>
+                        </a:rPr>
+                        <m:t>≤</m:t>
+                      </m:r>
+                      <m:sSub>
+                        <m:sSubPr>
+                          <m:ctrlPr>
+                            <a:rPr kumimoji="1" lang="en-US" altLang="ja-JP" sz="2400" b="0" i="1" smtClean="0">
+                              <a:latin typeface="Cambria Math" panose="02040503050406030204" pitchFamily="18" charset="0"/>
+                            </a:rPr>
+                          </m:ctrlPr>
+                        </m:sSubPr>
+                        <m:e>
+                          <m:r>
+                            <a:rPr kumimoji="1" lang="en-US" altLang="ja-JP" sz="2400" b="0" i="1" smtClean="0">
+                              <a:latin typeface="Cambria Math" panose="02040503050406030204" pitchFamily="18" charset="0"/>
+                            </a:rPr>
+                            <m:t>𝑉</m:t>
+                          </m:r>
+                        </m:e>
+                        <m:sub>
+                          <m:r>
+                            <a:rPr kumimoji="1" lang="en-US" altLang="ja-JP" sz="2400" b="0" i="1" smtClean="0">
+                              <a:latin typeface="Cambria Math" panose="02040503050406030204" pitchFamily="18" charset="0"/>
+                            </a:rPr>
+                            <m:t>𝑛𝑆</m:t>
+                          </m:r>
+                        </m:sub>
+                      </m:sSub>
+                      <m:r>
+                        <a:rPr kumimoji="1" lang="en-US" altLang="ja-JP" sz="2400" b="0" i="1" smtClean="0">
+                          <a:latin typeface="Cambria Math" panose="02040503050406030204" pitchFamily="18" charset="0"/>
+                        </a:rPr>
+                        <m:t>+0.45</m:t>
+                      </m:r>
+                    </m:oMath>
+                  </m:oMathPara>
+                </a14:m>
+                <a:endParaRPr kumimoji="1" lang="en-US" altLang="ja-JP" sz="2400" dirty="0"/>
+              </a:p>
+              <a:p>
+                <a:pPr algn="l"/>
+                <a14:m>
+                  <m:oMath xmlns:m="http://schemas.openxmlformats.org/officeDocument/2006/math">
+                    <m:sSub>
+                      <m:sSubPr>
+                        <m:ctrlPr>
+                          <a:rPr kumimoji="1" lang="en-US" altLang="ja-JP" sz="2400" b="0" i="1" smtClean="0">
+                            <a:latin typeface="Cambria Math" panose="02040503050406030204" pitchFamily="18" charset="0"/>
+                          </a:rPr>
+                        </m:ctrlPr>
+                      </m:sSubPr>
+                      <m:e>
+                        <m:r>
+                          <a:rPr kumimoji="1" lang="en-US" altLang="ja-JP" sz="2400" b="0" i="1" smtClean="0">
+                            <a:latin typeface="Cambria Math" panose="02040503050406030204" pitchFamily="18" charset="0"/>
+                          </a:rPr>
+                          <m:t>𝑉</m:t>
+                        </m:r>
+                      </m:e>
+                      <m:sub>
+                        <m:r>
+                          <a:rPr kumimoji="1" lang="en-US" altLang="ja-JP" sz="2400" b="0" i="1" smtClean="0">
+                            <a:latin typeface="Cambria Math" panose="02040503050406030204" pitchFamily="18" charset="0"/>
+                          </a:rPr>
+                          <m:t>𝑛𝑏</m:t>
+                        </m:r>
+                      </m:sub>
+                    </m:sSub>
+                  </m:oMath>
+                </a14:m>
+                <a:r>
+                  <a:rPr kumimoji="1" lang="ja-JP" altLang="en-US" sz="2400" dirty="0"/>
+                  <a:t>の動く範囲を広く取りたいので、</a:t>
+                </a:r>
+                <a14:m>
+                  <m:oMath xmlns:m="http://schemas.openxmlformats.org/officeDocument/2006/math">
+                    <m:sSub>
+                      <m:sSubPr>
+                        <m:ctrlPr>
+                          <a:rPr kumimoji="1" lang="en-US" altLang="ja-JP" sz="2400" b="0" i="1" smtClean="0">
+                            <a:latin typeface="Cambria Math" panose="02040503050406030204" pitchFamily="18" charset="0"/>
+                          </a:rPr>
+                        </m:ctrlPr>
+                      </m:sSubPr>
+                      <m:e>
+                        <m:r>
+                          <a:rPr kumimoji="1" lang="en-US" altLang="ja-JP" sz="2400" b="0" i="1" smtClean="0">
+                            <a:latin typeface="Cambria Math" panose="02040503050406030204" pitchFamily="18" charset="0"/>
+                          </a:rPr>
+                          <m:t>𝑉</m:t>
+                        </m:r>
+                      </m:e>
+                      <m:sub>
+                        <m:r>
+                          <a:rPr kumimoji="1" lang="en-US" altLang="ja-JP" sz="2400" b="0" i="1" smtClean="0">
+                            <a:latin typeface="Cambria Math" panose="02040503050406030204" pitchFamily="18" charset="0"/>
+                          </a:rPr>
+                          <m:t>𝑐𝑏</m:t>
+                        </m:r>
+                      </m:sub>
+                    </m:sSub>
+                    <m:r>
+                      <a:rPr kumimoji="1" lang="en-US" altLang="ja-JP" sz="2400" b="0" i="1" smtClean="0">
+                        <a:latin typeface="Cambria Math" panose="02040503050406030204" pitchFamily="18" charset="0"/>
+                      </a:rPr>
+                      <m:t>=</m:t>
+                    </m:r>
+                    <m:sSub>
+                      <m:sSubPr>
+                        <m:ctrlPr>
+                          <a:rPr kumimoji="1" lang="en-US" altLang="ja-JP" sz="2400" b="0" i="1" smtClean="0">
+                            <a:latin typeface="Cambria Math" panose="02040503050406030204" pitchFamily="18" charset="0"/>
+                          </a:rPr>
+                        </m:ctrlPr>
+                      </m:sSubPr>
+                      <m:e>
+                        <m:r>
+                          <a:rPr kumimoji="1" lang="en-US" altLang="ja-JP" sz="2400" b="0" i="1" smtClean="0">
+                            <a:latin typeface="Cambria Math" panose="02040503050406030204" pitchFamily="18" charset="0"/>
+                          </a:rPr>
+                          <m:t>𝑉</m:t>
+                        </m:r>
+                      </m:e>
+                      <m:sub>
+                        <m:r>
+                          <a:rPr kumimoji="1" lang="en-US" altLang="ja-JP" sz="2400" b="0" i="1" smtClean="0">
+                            <a:latin typeface="Cambria Math" panose="02040503050406030204" pitchFamily="18" charset="0"/>
+                          </a:rPr>
+                          <m:t>𝑛𝑆</m:t>
+                        </m:r>
+                      </m:sub>
+                    </m:sSub>
+                    <m:r>
+                      <a:rPr kumimoji="1" lang="en-US" altLang="ja-JP" sz="2400" b="0" i="1" smtClean="0">
+                        <a:latin typeface="Cambria Math" panose="02040503050406030204" pitchFamily="18" charset="0"/>
+                      </a:rPr>
+                      <m:t>=0.5 </m:t>
+                    </m:r>
+                    <m:r>
+                      <m:rPr>
+                        <m:sty m:val="p"/>
+                      </m:rPr>
+                      <a:rPr kumimoji="1" lang="en-US" altLang="ja-JP" sz="2400" b="0" i="0" smtClean="0">
+                        <a:latin typeface="Cambria Math" panose="02040503050406030204" pitchFamily="18" charset="0"/>
+                      </a:rPr>
+                      <m:t>V</m:t>
+                    </m:r>
+                  </m:oMath>
+                </a14:m>
+                <a:r>
+                  <a:rPr kumimoji="1" lang="ja-JP" altLang="en-US" sz="2400" dirty="0"/>
+                  <a:t>としたとき、</a:t>
+                </a:r>
+                <a14:m>
+                  <m:oMath xmlns:m="http://schemas.openxmlformats.org/officeDocument/2006/math">
+                    <m:sSub>
+                      <m:sSubPr>
+                        <m:ctrlPr>
+                          <a:rPr kumimoji="1" lang="en-US" altLang="ja-JP" sz="2400" b="0" i="1" smtClean="0">
+                            <a:latin typeface="Cambria Math" panose="02040503050406030204" pitchFamily="18" charset="0"/>
+                          </a:rPr>
+                        </m:ctrlPr>
+                      </m:sSubPr>
+                      <m:e>
+                        <m:r>
+                          <a:rPr kumimoji="1" lang="en-US" altLang="ja-JP" sz="2400" b="0" i="1" smtClean="0">
+                            <a:latin typeface="Cambria Math" panose="02040503050406030204" pitchFamily="18" charset="0"/>
+                          </a:rPr>
+                          <m:t>𝑉</m:t>
+                        </m:r>
+                      </m:e>
+                      <m:sub>
+                        <m:r>
+                          <a:rPr kumimoji="1" lang="en-US" altLang="ja-JP" sz="2400" b="0" i="1" smtClean="0">
+                            <a:latin typeface="Cambria Math" panose="02040503050406030204" pitchFamily="18" charset="0"/>
+                          </a:rPr>
+                          <m:t>𝑛𝑏</m:t>
+                        </m:r>
+                      </m:sub>
+                    </m:sSub>
+                  </m:oMath>
+                </a14:m>
+                <a:r>
+                  <a:rPr kumimoji="1" lang="ja-JP" altLang="en-US" sz="2400" dirty="0"/>
+                  <a:t>をとりうる範囲の中心にすると</a:t>
+                </a:r>
+                <a14:m>
+                  <m:oMath xmlns:m="http://schemas.openxmlformats.org/officeDocument/2006/math">
+                    <m:sSub>
+                      <m:sSubPr>
+                        <m:ctrlPr>
+                          <a:rPr kumimoji="1" lang="en-US" altLang="ja-JP" sz="2400" b="0" i="1" smtClean="0">
+                            <a:latin typeface="Cambria Math" panose="02040503050406030204" pitchFamily="18" charset="0"/>
+                          </a:rPr>
+                        </m:ctrlPr>
+                      </m:sSubPr>
+                      <m:e>
+                        <m:r>
+                          <a:rPr kumimoji="1" lang="en-US" altLang="ja-JP" sz="2400" b="0" i="1" smtClean="0">
+                            <a:latin typeface="Cambria Math" panose="02040503050406030204" pitchFamily="18" charset="0"/>
+                          </a:rPr>
+                          <m:t>𝑉</m:t>
+                        </m:r>
+                      </m:e>
+                      <m:sub>
+                        <m:r>
+                          <a:rPr kumimoji="1" lang="en-US" altLang="ja-JP" sz="2400" b="0" i="1" smtClean="0">
+                            <a:latin typeface="Cambria Math" panose="02040503050406030204" pitchFamily="18" charset="0"/>
+                          </a:rPr>
+                          <m:t>𝑛𝑏</m:t>
+                        </m:r>
+                      </m:sub>
+                    </m:sSub>
+                    <m:r>
+                      <a:rPr kumimoji="1" lang="en-US" altLang="ja-JP" sz="2400" b="0" i="1" smtClean="0">
+                        <a:latin typeface="Cambria Math" panose="02040503050406030204" pitchFamily="18" charset="0"/>
+                      </a:rPr>
+                      <m:t>=1.35 </m:t>
+                    </m:r>
+                    <m:r>
+                      <m:rPr>
+                        <m:sty m:val="p"/>
+                      </m:rPr>
+                      <a:rPr kumimoji="1" lang="en-US" altLang="ja-JP" sz="2400" b="0" i="0" smtClean="0">
+                        <a:latin typeface="Cambria Math" panose="02040503050406030204" pitchFamily="18" charset="0"/>
+                      </a:rPr>
+                      <m:t>V</m:t>
+                    </m:r>
+                  </m:oMath>
+                </a14:m>
+                <a:r>
+                  <a:rPr kumimoji="1" lang="ja-JP" altLang="en-US" sz="2400" dirty="0"/>
+                  <a:t>と決められた。</a:t>
+                </a:r>
+                <a:endParaRPr kumimoji="1" lang="en-US" altLang="ja-JP" sz="2400" dirty="0"/>
+              </a:p>
+            </p:txBody>
+          </p:sp>
+        </mc:Choice>
+        <mc:Fallback>
+          <p:sp>
+            <p:nvSpPr>
+              <p:cNvPr id="6" name="テキスト ボックス 5">
+                <a:extLst>
+                  <a:ext uri="{FF2B5EF4-FFF2-40B4-BE49-F238E27FC236}">
+                    <a16:creationId xmlns:a16="http://schemas.microsoft.com/office/drawing/2014/main" id="{04FAC78F-ECB8-FBD2-B2D2-AF61C169FAB8}"/>
+                  </a:ext>
+                </a:extLst>
+              </p:cNvPr>
+              <p:cNvSpPr txBox="1">
+                <a:spLocks noRot="1" noChangeAspect="1" noMove="1" noResize="1" noEditPoints="1" noAdjustHandles="1" noChangeArrowheads="1" noChangeShapeType="1" noTextEdit="1"/>
+              </p:cNvSpPr>
+              <p:nvPr/>
+            </p:nvSpPr>
+            <p:spPr>
+              <a:xfrm>
+                <a:off x="4731796" y="2309357"/>
+                <a:ext cx="7297445" cy="4183518"/>
+              </a:xfrm>
+              <a:prstGeom prst="rect">
+                <a:avLst/>
+              </a:prstGeom>
+              <a:blipFill>
+                <a:blip r:embed="rId3"/>
+                <a:stretch>
+                  <a:fillRect l="-1253" t="-1020" b="-2478"/>
+                </a:stretch>
+              </a:blipFill>
+            </p:spPr>
+            <p:txBody>
+              <a:bodyPr/>
+              <a:lstStyle/>
+              <a:p>
+                <a:r>
+                  <a:rPr lang="ja-JP" altLang="en-US">
+                    <a:noFill/>
+                  </a:rPr>
+                  <a:t> </a:t>
+                </a:r>
+              </a:p>
+            </p:txBody>
+          </p:sp>
+        </mc:Fallback>
+      </mc:AlternateContent>
+    </p:spTree>
+    <p:extLst>
+      <p:ext uri="{BB962C8B-B14F-4D97-AF65-F5344CB8AC3E}">
+        <p14:creationId xmlns:p14="http://schemas.microsoft.com/office/powerpoint/2010/main" val="3148940653"/>
+      </p:ext>
+    </p:extLst>
+  </p:cSld>
+  <p:clrMapOvr>
+    <a:masterClrMapping/>
+  </p:clrMapOvr>
+</p:sld>
+</file>
+
+<file path=ppt/slides/slide12.xml><?xml version="1.0" encoding="utf-8"?>
+<p:sld xmlns:a="http://schemas.openxmlformats.org/drawingml/2006/main" xmlns:r="http://schemas.openxmlformats.org/officeDocument/2006/relationships" xmlns:p="http://schemas.openxmlformats.org/presentationml/2006/main">
+  <p:cSld>
+    <p:spTree>
+      <p:nvGrpSpPr>
+        <p:cNvPr id="1" name=""/>
+        <p:cNvGrpSpPr/>
+        <p:nvPr/>
+      </p:nvGrpSpPr>
+      <p:grpSpPr>
+        <a:xfrm>
+          <a:off x="0" y="0"/>
+          <a:ext cx="0" cy="0"/>
+          <a:chOff x="0" y="0"/>
+          <a:chExt cx="0" cy="0"/>
+        </a:xfrm>
+      </p:grpSpPr>
+      <p:sp>
+        <p:nvSpPr>
+          <p:cNvPr id="2" name="タイトル 1">
+            <a:extLst>
+              <a:ext uri="{FF2B5EF4-FFF2-40B4-BE49-F238E27FC236}">
+                <a16:creationId xmlns:a16="http://schemas.microsoft.com/office/drawing/2014/main" id="{EEE1DD42-DC4E-D105-6CC1-B6BB80E29580}"/>
+              </a:ext>
+            </a:extLst>
+          </p:cNvPr>
+          <p:cNvSpPr>
+            <a:spLocks noGrp="1"/>
+          </p:cNvSpPr>
+          <p:nvPr>
+            <p:ph type="title"/>
+          </p:nvPr>
+        </p:nvSpPr>
+        <p:spPr/>
+        <p:txBody>
+          <a:bodyPr/>
+          <a:lstStyle/>
+          <a:p>
+            <a:r>
+              <a:rPr kumimoji="1" lang="ja-JP" altLang="en-US" dirty="0"/>
+              <a:t>直流電流の設計</a:t>
+            </a:r>
+          </a:p>
+        </p:txBody>
+      </p:sp>
+      <p:sp>
+        <p:nvSpPr>
+          <p:cNvPr id="3" name="スライド番号プレースホルダー 2">
+            <a:extLst>
+              <a:ext uri="{FF2B5EF4-FFF2-40B4-BE49-F238E27FC236}">
+                <a16:creationId xmlns:a16="http://schemas.microsoft.com/office/drawing/2014/main" id="{CC87231F-E067-A089-F6A8-387DAAAD5544}"/>
+              </a:ext>
+            </a:extLst>
+          </p:cNvPr>
+          <p:cNvSpPr>
+            <a:spLocks noGrp="1"/>
+          </p:cNvSpPr>
+          <p:nvPr>
+            <p:ph type="sldNum" sz="quarter" idx="12"/>
+          </p:nvPr>
+        </p:nvSpPr>
+        <p:spPr/>
+        <p:txBody>
+          <a:bodyPr/>
+          <a:lstStyle/>
+          <a:p>
+            <a:fld id="{C3C4BE22-9B85-4F9B-AD13-D01C8C6C010B}" type="slidenum">
+              <a:rPr kumimoji="1" lang="ja-JP" altLang="en-US" smtClean="0"/>
+              <a:t>12</a:t>
+            </a:fld>
+            <a:endParaRPr kumimoji="1" lang="ja-JP" altLang="en-US"/>
+          </a:p>
+        </p:txBody>
+      </p:sp>
+    </p:spTree>
+    <p:extLst>
+      <p:ext uri="{BB962C8B-B14F-4D97-AF65-F5344CB8AC3E}">
+        <p14:creationId xmlns:p14="http://schemas.microsoft.com/office/powerpoint/2010/main" val="2743938286"/>
+      </p:ext>
+    </p:extLst>
+  </p:cSld>
+  <p:clrMapOvr>
+    <a:masterClrMapping/>
+  </p:clrMapOvr>
+</p:sld>
+</file>
+
+<file path=ppt/slides/slide13.xml><?xml version="1.0" encoding="utf-8"?>
+<p:sld xmlns:a="http://schemas.openxmlformats.org/drawingml/2006/main" xmlns:r="http://schemas.openxmlformats.org/officeDocument/2006/relationships" xmlns:p="http://schemas.openxmlformats.org/presentationml/2006/main">
+  <p:cSld>
+    <p:spTree>
+      <p:nvGrpSpPr>
+        <p:cNvPr id="1" name=""/>
+        <p:cNvGrpSpPr/>
+        <p:nvPr/>
+      </p:nvGrpSpPr>
+      <p:grpSpPr>
+        <a:xfrm>
+          <a:off x="0" y="0"/>
+          <a:ext cx="0" cy="0"/>
+          <a:chOff x="0" y="0"/>
+          <a:chExt cx="0" cy="0"/>
+        </a:xfrm>
+      </p:grpSpPr>
+      <p:sp>
+        <p:nvSpPr>
+          <p:cNvPr id="2" name="タイトル 1">
+            <a:extLst>
+              <a:ext uri="{FF2B5EF4-FFF2-40B4-BE49-F238E27FC236}">
+                <a16:creationId xmlns:a16="http://schemas.microsoft.com/office/drawing/2014/main" id="{9C6E2FDD-6AB6-3B43-29A7-7D75381AA37F}"/>
+              </a:ext>
+            </a:extLst>
+          </p:cNvPr>
+          <p:cNvSpPr>
+            <a:spLocks noGrp="1"/>
+          </p:cNvSpPr>
+          <p:nvPr>
+            <p:ph type="title"/>
+          </p:nvPr>
+        </p:nvSpPr>
+        <p:spPr/>
+        <p:txBody>
+          <a:bodyPr/>
+          <a:lstStyle/>
+          <a:p>
+            <a:r>
+              <a:rPr kumimoji="1" lang="ja-JP" altLang="en-US" dirty="0"/>
+              <a:t>利得</a:t>
+            </a:r>
+          </a:p>
+        </p:txBody>
+      </p:sp>
+      <p:sp>
+        <p:nvSpPr>
+          <p:cNvPr id="3" name="スライド番号プレースホルダー 2">
+            <a:extLst>
+              <a:ext uri="{FF2B5EF4-FFF2-40B4-BE49-F238E27FC236}">
+                <a16:creationId xmlns:a16="http://schemas.microsoft.com/office/drawing/2014/main" id="{12278A7D-E70D-6A48-5EC7-52FDB5203B63}"/>
+              </a:ext>
+            </a:extLst>
+          </p:cNvPr>
+          <p:cNvSpPr>
+            <a:spLocks noGrp="1"/>
+          </p:cNvSpPr>
+          <p:nvPr>
+            <p:ph type="sldNum" sz="quarter" idx="12"/>
+          </p:nvPr>
+        </p:nvSpPr>
+        <p:spPr/>
+        <p:txBody>
+          <a:bodyPr/>
+          <a:lstStyle/>
+          <a:p>
+            <a:fld id="{C3C4BE22-9B85-4F9B-AD13-D01C8C6C010B}" type="slidenum">
+              <a:rPr kumimoji="1" lang="ja-JP" altLang="en-US" smtClean="0"/>
+              <a:t>13</a:t>
+            </a:fld>
+            <a:endParaRPr kumimoji="1" lang="ja-JP" altLang="en-US"/>
+          </a:p>
+        </p:txBody>
+      </p:sp>
+      <mc:AlternateContent xmlns:mc="http://schemas.openxmlformats.org/markup-compatibility/2006" xmlns:a14="http://schemas.microsoft.com/office/drawing/2010/main">
+        <mc:Choice Requires="a14">
+          <p:sp>
+            <p:nvSpPr>
+              <p:cNvPr id="4" name="テキスト ボックス 3">
+                <a:extLst>
+                  <a:ext uri="{FF2B5EF4-FFF2-40B4-BE49-F238E27FC236}">
+                    <a16:creationId xmlns:a16="http://schemas.microsoft.com/office/drawing/2014/main" id="{94DE7281-D2E3-D907-B17D-6307CC20791C}"/>
+                  </a:ext>
+                </a:extLst>
+              </p:cNvPr>
+              <p:cNvSpPr txBox="1"/>
+              <p:nvPr/>
+            </p:nvSpPr>
+            <p:spPr>
+              <a:xfrm>
+                <a:off x="1464816" y="1544714"/>
+                <a:ext cx="9286042" cy="3729739"/>
+              </a:xfrm>
+              <a:prstGeom prst="rect">
+                <a:avLst/>
+              </a:prstGeom>
+              <a:noFill/>
+            </p:spPr>
+            <p:txBody>
+              <a:bodyPr wrap="square" rtlCol="0">
+                <a:spAutoFit/>
+              </a:bodyPr>
+              <a:lstStyle/>
+              <a:p>
+                <a:pPr algn="l"/>
+                <a:r>
+                  <a:rPr kumimoji="1" lang="ja-JP" altLang="en-US" sz="2400" dirty="0"/>
+                  <a:t>前回のゼミ発表の通り、回路全体の利得は</a:t>
+                </a:r>
+                <a:endParaRPr kumimoji="1" lang="en-US" altLang="ja-JP" sz="2400" dirty="0"/>
+              </a:p>
+              <a:p>
+                <a:pPr algn="l"/>
+                <a14:m>
+                  <m:oMathPara xmlns:m="http://schemas.openxmlformats.org/officeDocument/2006/math">
+                    <m:oMathParaPr>
+                      <m:jc m:val="centerGroup"/>
+                    </m:oMathParaPr>
+                    <m:oMath xmlns:m="http://schemas.openxmlformats.org/officeDocument/2006/math">
+                      <m:sSub>
+                        <m:sSubPr>
+                          <m:ctrlPr>
+                            <a:rPr kumimoji="1" lang="en-US" altLang="ja-JP" sz="2400" b="0" i="1" smtClean="0">
+                              <a:latin typeface="Cambria Math" panose="02040503050406030204" pitchFamily="18" charset="0"/>
+                            </a:rPr>
+                          </m:ctrlPr>
+                        </m:sSubPr>
+                        <m:e>
+                          <m:r>
+                            <a:rPr kumimoji="1" lang="en-US" altLang="ja-JP" sz="2400" b="0" i="1" smtClean="0">
+                              <a:latin typeface="Cambria Math" panose="02040503050406030204" pitchFamily="18" charset="0"/>
+                            </a:rPr>
+                            <m:t>𝐴</m:t>
+                          </m:r>
+                        </m:e>
+                        <m:sub>
+                          <m:r>
+                            <a:rPr kumimoji="1" lang="en-US" altLang="ja-JP" sz="2400" b="0" i="1" smtClean="0">
+                              <a:latin typeface="Cambria Math" panose="02040503050406030204" pitchFamily="18" charset="0"/>
+                            </a:rPr>
+                            <m:t>𝑣</m:t>
+                          </m:r>
+                        </m:sub>
+                      </m:sSub>
+                      <m:r>
+                        <a:rPr kumimoji="1" lang="en-US" altLang="ja-JP" sz="2400" b="0" i="1" smtClean="0">
+                          <a:latin typeface="Cambria Math" panose="02040503050406030204" pitchFamily="18" charset="0"/>
+                        </a:rPr>
+                        <m:t>=</m:t>
+                      </m:r>
+                      <m:f>
+                        <m:fPr>
+                          <m:ctrlPr>
+                            <a:rPr kumimoji="1" lang="en-US" altLang="ja-JP" sz="2400" b="0" i="1" smtClean="0">
+                              <a:latin typeface="Cambria Math" panose="02040503050406030204" pitchFamily="18" charset="0"/>
+                            </a:rPr>
+                          </m:ctrlPr>
+                        </m:fPr>
+                        <m:num>
+                          <m:r>
+                            <a:rPr kumimoji="1" lang="en-US" altLang="ja-JP" sz="2400" b="0" i="1" smtClean="0">
+                              <a:latin typeface="Cambria Math" panose="02040503050406030204" pitchFamily="18" charset="0"/>
+                            </a:rPr>
+                            <m:t>4</m:t>
+                          </m:r>
+                          <m:sSub>
+                            <m:sSubPr>
+                              <m:ctrlPr>
+                                <a:rPr kumimoji="1" lang="en-US" altLang="ja-JP" sz="2400" b="0" i="1" smtClean="0">
+                                  <a:latin typeface="Cambria Math" panose="02040503050406030204" pitchFamily="18" charset="0"/>
+                                </a:rPr>
+                              </m:ctrlPr>
+                            </m:sSubPr>
+                            <m:e>
+                              <m:r>
+                                <a:rPr kumimoji="1" lang="en-US" altLang="ja-JP" sz="2400" b="0" i="1" smtClean="0">
+                                  <a:latin typeface="Cambria Math" panose="02040503050406030204" pitchFamily="18" charset="0"/>
+                                </a:rPr>
+                                <m:t>𝐾</m:t>
+                              </m:r>
+                            </m:e>
+                            <m:sub>
+                              <m:r>
+                                <a:rPr kumimoji="1" lang="en-US" altLang="ja-JP" sz="2400" b="0" i="1" smtClean="0">
+                                  <a:latin typeface="Cambria Math" panose="02040503050406030204" pitchFamily="18" charset="0"/>
+                                </a:rPr>
+                                <m:t>𝑝</m:t>
+                              </m:r>
+                            </m:sub>
+                          </m:sSub>
+                          <m:sSub>
+                            <m:sSubPr>
+                              <m:ctrlPr>
+                                <a:rPr kumimoji="1" lang="en-US" altLang="ja-JP" sz="2400" b="0" i="1" smtClean="0">
+                                  <a:latin typeface="Cambria Math" panose="02040503050406030204" pitchFamily="18" charset="0"/>
+                                </a:rPr>
+                              </m:ctrlPr>
+                            </m:sSubPr>
+                            <m:e>
+                              <m:r>
+                                <a:rPr kumimoji="1" lang="en-US" altLang="ja-JP" sz="2400" b="0" i="1" smtClean="0">
+                                  <a:latin typeface="Cambria Math" panose="02040503050406030204" pitchFamily="18" charset="0"/>
+                                </a:rPr>
+                                <m:t>𝑅</m:t>
+                              </m:r>
+                            </m:e>
+                            <m:sub>
+                              <m:r>
+                                <a:rPr kumimoji="1" lang="en-US" altLang="ja-JP" sz="2400" b="0" i="1" smtClean="0">
+                                  <a:latin typeface="Cambria Math" panose="02040503050406030204" pitchFamily="18" charset="0"/>
+                                </a:rPr>
+                                <m:t>𝐿</m:t>
+                              </m:r>
+                            </m:sub>
+                          </m:sSub>
+                          <m:sSub>
+                            <m:sSubPr>
+                              <m:ctrlPr>
+                                <a:rPr kumimoji="1" lang="en-US" altLang="ja-JP" sz="2400" b="0" i="1" smtClean="0">
+                                  <a:latin typeface="Cambria Math" panose="02040503050406030204" pitchFamily="18" charset="0"/>
+                                </a:rPr>
+                              </m:ctrlPr>
+                            </m:sSubPr>
+                            <m:e>
+                              <m:r>
+                                <a:rPr kumimoji="1" lang="en-US" altLang="ja-JP" sz="2400" b="0" i="1" smtClean="0">
+                                  <a:latin typeface="Cambria Math" panose="02040503050406030204" pitchFamily="18" charset="0"/>
+                                </a:rPr>
+                                <m:t>𝑔</m:t>
+                              </m:r>
+                            </m:e>
+                            <m:sub>
+                              <m:r>
+                                <a:rPr kumimoji="1" lang="en-US" altLang="ja-JP" sz="2400" b="0" i="1" smtClean="0">
+                                  <a:latin typeface="Cambria Math" panose="02040503050406030204" pitchFamily="18" charset="0"/>
+                                </a:rPr>
+                                <m:t>𝑚𝑛</m:t>
+                              </m:r>
+                            </m:sub>
+                          </m:sSub>
+                        </m:num>
+                        <m:den>
+                          <m:sSub>
+                            <m:sSubPr>
+                              <m:ctrlPr>
+                                <a:rPr kumimoji="1" lang="en-US" altLang="ja-JP" sz="2400" b="0" i="1" smtClean="0">
+                                  <a:latin typeface="Cambria Math" panose="02040503050406030204" pitchFamily="18" charset="0"/>
+                                </a:rPr>
+                              </m:ctrlPr>
+                            </m:sSubPr>
+                            <m:e>
+                              <m:r>
+                                <a:rPr kumimoji="1" lang="en-US" altLang="ja-JP" sz="2400" b="0" i="1" smtClean="0">
+                                  <a:latin typeface="Cambria Math" panose="02040503050406030204" pitchFamily="18" charset="0"/>
+                                </a:rPr>
+                                <m:t>𝑔</m:t>
+                              </m:r>
+                            </m:e>
+                            <m:sub>
+                              <m:r>
+                                <a:rPr kumimoji="1" lang="en-US" altLang="ja-JP" sz="2400" b="0" i="1" smtClean="0">
+                                  <a:latin typeface="Cambria Math" panose="02040503050406030204" pitchFamily="18" charset="0"/>
+                                </a:rPr>
+                                <m:t>𝑚𝑝</m:t>
+                              </m:r>
+                            </m:sub>
+                          </m:sSub>
+                          <m:d>
+                            <m:dPr>
+                              <m:begChr m:val=""/>
+                              <m:ctrlPr>
+                                <a:rPr kumimoji="1" lang="en-US" altLang="ja-JP" sz="2400" b="0" i="1" smtClean="0">
+                                  <a:latin typeface="Cambria Math" panose="02040503050406030204" pitchFamily="18" charset="0"/>
+                                </a:rPr>
+                              </m:ctrlPr>
+                            </m:dPr>
+                            <m:e>
+                              <m:d>
+                                <m:dPr>
+                                  <m:endChr m:val=""/>
+                                  <m:ctrlPr>
+                                    <a:rPr kumimoji="1" lang="en-US" altLang="ja-JP" sz="2400" b="0" i="1" smtClean="0">
+                                      <a:latin typeface="Cambria Math" panose="02040503050406030204" pitchFamily="18" charset="0"/>
+                                    </a:rPr>
+                                  </m:ctrlPr>
+                                </m:dPr>
+                                <m:e>
+                                  <m:r>
+                                    <a:rPr kumimoji="1" lang="en-US" altLang="ja-JP" sz="2400" b="0" i="1" smtClean="0">
+                                      <a:latin typeface="Cambria Math" panose="02040503050406030204" pitchFamily="18" charset="0"/>
+                                    </a:rPr>
+                                    <m:t>1+2</m:t>
+                                  </m:r>
+                                  <m:sSub>
+                                    <m:sSubPr>
+                                      <m:ctrlPr>
+                                        <a:rPr kumimoji="1" lang="en-US" altLang="ja-JP" sz="2400" b="0" i="1" smtClean="0">
+                                          <a:latin typeface="Cambria Math" panose="02040503050406030204" pitchFamily="18" charset="0"/>
+                                        </a:rPr>
+                                      </m:ctrlPr>
+                                    </m:sSubPr>
+                                    <m:e>
+                                      <m:r>
+                                        <a:rPr kumimoji="1" lang="en-US" altLang="ja-JP" sz="2400" b="0" i="1" smtClean="0">
+                                          <a:latin typeface="Cambria Math" panose="02040503050406030204" pitchFamily="18" charset="0"/>
+                                        </a:rPr>
+                                        <m:t>𝑅</m:t>
+                                      </m:r>
+                                    </m:e>
+                                    <m:sub>
+                                      <m:r>
+                                        <a:rPr kumimoji="1" lang="en-US" altLang="ja-JP" sz="2400" b="0" i="1" smtClean="0">
+                                          <a:latin typeface="Cambria Math" panose="02040503050406030204" pitchFamily="18" charset="0"/>
+                                        </a:rPr>
+                                        <m:t>𝐿</m:t>
+                                      </m:r>
+                                    </m:sub>
+                                  </m:sSub>
+                                  <m:sSub>
+                                    <m:sSubPr>
+                                      <m:ctrlPr>
+                                        <a:rPr kumimoji="1" lang="en-US" altLang="ja-JP" sz="2400" b="0" i="1" smtClean="0">
+                                          <a:latin typeface="Cambria Math" panose="02040503050406030204" pitchFamily="18" charset="0"/>
+                                        </a:rPr>
+                                      </m:ctrlPr>
+                                    </m:sSubPr>
+                                    <m:e>
+                                      <m:r>
+                                        <a:rPr kumimoji="1" lang="en-US" altLang="ja-JP" sz="2400" b="0" i="1" smtClean="0">
+                                          <a:latin typeface="Cambria Math" panose="02040503050406030204" pitchFamily="18" charset="0"/>
+                                        </a:rPr>
+                                        <m:t>𝑔</m:t>
+                                      </m:r>
+                                    </m:e>
+                                    <m:sub>
+                                      <m:r>
+                                        <a:rPr kumimoji="1" lang="en-US" altLang="ja-JP" sz="2400" b="0" i="1" smtClean="0">
+                                          <a:latin typeface="Cambria Math" panose="02040503050406030204" pitchFamily="18" charset="0"/>
+                                        </a:rPr>
+                                        <m:t>𝑑𝑝</m:t>
+                                      </m:r>
+                                    </m:sub>
+                                  </m:sSub>
+                                </m:e>
+                              </m:d>
+                            </m:e>
+                          </m:d>
+                        </m:den>
+                      </m:f>
+                      <m:r>
+                        <a:rPr kumimoji="1" lang="en-US" altLang="ja-JP" sz="2400" b="0" i="1" smtClean="0">
+                          <a:latin typeface="Cambria Math" panose="02040503050406030204" pitchFamily="18" charset="0"/>
+                        </a:rPr>
+                        <m:t>⋅</m:t>
+                      </m:r>
+                      <m:sSub>
+                        <m:sSubPr>
+                          <m:ctrlPr>
+                            <a:rPr kumimoji="1" lang="en-US" altLang="ja-JP" sz="2400" b="0" i="1" smtClean="0">
+                              <a:latin typeface="Cambria Math" panose="02040503050406030204" pitchFamily="18" charset="0"/>
+                            </a:rPr>
+                          </m:ctrlPr>
+                        </m:sSubPr>
+                        <m:e>
+                          <m:r>
+                            <a:rPr kumimoji="1" lang="en-US" altLang="ja-JP" sz="2400" b="0" i="1" smtClean="0">
+                              <a:latin typeface="Cambria Math" panose="02040503050406030204" pitchFamily="18" charset="0"/>
+                            </a:rPr>
+                            <m:t>𝑉</m:t>
+                          </m:r>
+                        </m:e>
+                        <m:sub>
+                          <m:r>
+                            <a:rPr kumimoji="1" lang="en-US" altLang="ja-JP" sz="2400" b="0" i="1" smtClean="0">
+                              <a:latin typeface="Cambria Math" panose="02040503050406030204" pitchFamily="18" charset="0"/>
+                            </a:rPr>
+                            <m:t>𝐶𝑇𝑅𝐿</m:t>
+                          </m:r>
+                        </m:sub>
+                      </m:sSub>
+                    </m:oMath>
+                  </m:oMathPara>
+                </a14:m>
+                <a:endParaRPr kumimoji="1" lang="en-US" altLang="ja-JP" sz="2400" b="0" dirty="0"/>
+              </a:p>
+              <a:p>
+                <a:pPr algn="l"/>
+                <a:r>
+                  <a:rPr kumimoji="1" lang="ja-JP" altLang="en-US" sz="2400" dirty="0"/>
+                  <a:t>であった。</a:t>
+                </a:r>
+                <a:r>
+                  <a:rPr kumimoji="1" lang="en-US" altLang="ja-JP" sz="2400" dirty="0" err="1"/>
+                  <a:t>Nmos,pmos</a:t>
+                </a:r>
+                <a:r>
+                  <a:rPr kumimoji="1" lang="ja-JP" altLang="en-US" sz="2400" dirty="0"/>
+                  <a:t>それぞれのバイアス電流を</a:t>
+                </a:r>
+                <a14:m>
+                  <m:oMath xmlns:m="http://schemas.openxmlformats.org/officeDocument/2006/math">
+                    <m:sSub>
+                      <m:sSubPr>
+                        <m:ctrlPr>
+                          <a:rPr kumimoji="1" lang="en-US" altLang="ja-JP" sz="2400" b="0" i="1" smtClean="0">
+                            <a:latin typeface="Cambria Math" panose="02040503050406030204" pitchFamily="18" charset="0"/>
+                          </a:rPr>
+                        </m:ctrlPr>
+                      </m:sSubPr>
+                      <m:e>
+                        <m:r>
+                          <a:rPr kumimoji="1" lang="en-US" altLang="ja-JP" sz="2400" b="0" i="1" smtClean="0">
+                            <a:latin typeface="Cambria Math" panose="02040503050406030204" pitchFamily="18" charset="0"/>
+                          </a:rPr>
+                          <m:t>𝐼</m:t>
+                        </m:r>
+                      </m:e>
+                      <m:sub>
+                        <m:r>
+                          <a:rPr kumimoji="1" lang="en-US" altLang="ja-JP" sz="2400" b="0" i="1" smtClean="0">
+                            <a:latin typeface="Cambria Math" panose="02040503050406030204" pitchFamily="18" charset="0"/>
+                          </a:rPr>
+                          <m:t>𝑏𝑛</m:t>
+                        </m:r>
+                      </m:sub>
+                    </m:sSub>
+                    <m:r>
+                      <a:rPr kumimoji="1" lang="en-US" altLang="ja-JP" sz="2400" b="0" i="1" smtClean="0">
+                        <a:latin typeface="Cambria Math" panose="02040503050406030204" pitchFamily="18" charset="0"/>
+                      </a:rPr>
+                      <m:t>,</m:t>
+                    </m:r>
+                    <m:sSub>
+                      <m:sSubPr>
+                        <m:ctrlPr>
+                          <a:rPr kumimoji="1" lang="en-US" altLang="ja-JP" sz="2400" b="0" i="1" smtClean="0">
+                            <a:latin typeface="Cambria Math" panose="02040503050406030204" pitchFamily="18" charset="0"/>
+                          </a:rPr>
+                        </m:ctrlPr>
+                      </m:sSubPr>
+                      <m:e>
+                        <m:r>
+                          <a:rPr kumimoji="1" lang="en-US" altLang="ja-JP" sz="2400" b="0" i="1" smtClean="0">
+                            <a:latin typeface="Cambria Math" panose="02040503050406030204" pitchFamily="18" charset="0"/>
+                          </a:rPr>
+                          <m:t>𝐼</m:t>
+                        </m:r>
+                      </m:e>
+                      <m:sub>
+                        <m:r>
+                          <a:rPr kumimoji="1" lang="en-US" altLang="ja-JP" sz="2400" b="0" i="1" smtClean="0">
+                            <a:latin typeface="Cambria Math" panose="02040503050406030204" pitchFamily="18" charset="0"/>
+                          </a:rPr>
+                          <m:t>𝑏𝑝</m:t>
+                        </m:r>
+                      </m:sub>
+                    </m:sSub>
+                  </m:oMath>
+                </a14:m>
+                <a:r>
+                  <a:rPr kumimoji="1" lang="ja-JP" altLang="en-US" sz="2400" dirty="0"/>
+                  <a:t>と置くと</a:t>
+                </a:r>
+                <a:endParaRPr kumimoji="1" lang="en-US" altLang="ja-JP" sz="2400" dirty="0"/>
+              </a:p>
+              <a:p>
+                <a14:m>
+                  <m:oMath xmlns:m="http://schemas.openxmlformats.org/officeDocument/2006/math">
+                    <m:sSub>
+                      <m:sSubPr>
+                        <m:ctrlPr>
+                          <a:rPr kumimoji="1" lang="en-US" altLang="ja-JP" sz="2400" b="0" i="1" smtClean="0">
+                            <a:latin typeface="Cambria Math" panose="02040503050406030204" pitchFamily="18" charset="0"/>
+                          </a:rPr>
+                        </m:ctrlPr>
+                      </m:sSubPr>
+                      <m:e>
+                        <m:r>
+                          <a:rPr kumimoji="1" lang="en-US" altLang="ja-JP" sz="2400" b="0" i="1" smtClean="0">
+                            <a:latin typeface="Cambria Math" panose="02040503050406030204" pitchFamily="18" charset="0"/>
+                          </a:rPr>
+                          <m:t>𝑔</m:t>
+                        </m:r>
+                      </m:e>
+                      <m:sub>
+                        <m:r>
+                          <a:rPr kumimoji="1" lang="en-US" altLang="ja-JP" sz="2400" b="0" i="1" smtClean="0">
+                            <a:latin typeface="Cambria Math" panose="02040503050406030204" pitchFamily="18" charset="0"/>
+                          </a:rPr>
+                          <m:t>𝑚𝑝</m:t>
+                        </m:r>
+                      </m:sub>
+                    </m:sSub>
+                    <m:r>
+                      <a:rPr kumimoji="1" lang="en-US" altLang="ja-JP" sz="2400" b="0" i="1" smtClean="0">
+                        <a:latin typeface="Cambria Math" panose="02040503050406030204" pitchFamily="18" charset="0"/>
+                      </a:rPr>
+                      <m:t>=2</m:t>
+                    </m:r>
+                    <m:rad>
+                      <m:radPr>
+                        <m:degHide m:val="on"/>
+                        <m:ctrlPr>
+                          <a:rPr kumimoji="1" lang="en-US" altLang="ja-JP" sz="2400" b="0" i="1" smtClean="0">
+                            <a:latin typeface="Cambria Math" panose="02040503050406030204" pitchFamily="18" charset="0"/>
+                          </a:rPr>
+                        </m:ctrlPr>
+                      </m:radPr>
+                      <m:deg/>
+                      <m:e>
+                        <m:sSub>
+                          <m:sSubPr>
+                            <m:ctrlPr>
+                              <a:rPr kumimoji="1" lang="en-US" altLang="ja-JP" sz="2400" b="0" i="1" smtClean="0">
+                                <a:latin typeface="Cambria Math" panose="02040503050406030204" pitchFamily="18" charset="0"/>
+                              </a:rPr>
+                            </m:ctrlPr>
+                          </m:sSubPr>
+                          <m:e>
+                            <m:r>
+                              <a:rPr kumimoji="1" lang="en-US" altLang="ja-JP" sz="2400" b="0" i="1" smtClean="0">
+                                <a:latin typeface="Cambria Math" panose="02040503050406030204" pitchFamily="18" charset="0"/>
+                              </a:rPr>
+                              <m:t>𝐾</m:t>
+                            </m:r>
+                          </m:e>
+                          <m:sub>
+                            <m:r>
+                              <a:rPr kumimoji="1" lang="en-US" altLang="ja-JP" sz="2400" b="0" i="1" smtClean="0">
+                                <a:latin typeface="Cambria Math" panose="02040503050406030204" pitchFamily="18" charset="0"/>
+                              </a:rPr>
+                              <m:t>𝑝</m:t>
+                            </m:r>
+                          </m:sub>
+                        </m:sSub>
+                        <m:sSub>
+                          <m:sSubPr>
+                            <m:ctrlPr>
+                              <a:rPr kumimoji="1" lang="en-US" altLang="ja-JP" sz="2400" b="0" i="1" smtClean="0">
+                                <a:latin typeface="Cambria Math" panose="02040503050406030204" pitchFamily="18" charset="0"/>
+                              </a:rPr>
+                            </m:ctrlPr>
+                          </m:sSubPr>
+                          <m:e>
+                            <m:r>
+                              <a:rPr kumimoji="1" lang="en-US" altLang="ja-JP" sz="2400" b="0" i="1" smtClean="0">
+                                <a:latin typeface="Cambria Math" panose="02040503050406030204" pitchFamily="18" charset="0"/>
+                              </a:rPr>
+                              <m:t>𝐼</m:t>
+                            </m:r>
+                          </m:e>
+                          <m:sub>
+                            <m:r>
+                              <a:rPr kumimoji="1" lang="en-US" altLang="ja-JP" sz="2400" b="0" i="1" smtClean="0">
+                                <a:latin typeface="Cambria Math" panose="02040503050406030204" pitchFamily="18" charset="0"/>
+                              </a:rPr>
+                              <m:t>𝑏𝑝</m:t>
+                            </m:r>
+                          </m:sub>
+                        </m:sSub>
+                      </m:e>
+                    </m:rad>
+                  </m:oMath>
+                </a14:m>
+                <a:r>
+                  <a:rPr kumimoji="1" lang="en-US" altLang="ja-JP" sz="2400" dirty="0"/>
+                  <a:t>,</a:t>
+                </a:r>
+                <a:r>
+                  <a:rPr lang="en-US" altLang="ja-JP" sz="2400" dirty="0"/>
+                  <a:t> </a:t>
+                </a:r>
+                <a14:m>
+                  <m:oMath xmlns:m="http://schemas.openxmlformats.org/officeDocument/2006/math">
+                    <m:sSub>
+                      <m:sSubPr>
+                        <m:ctrlPr>
+                          <a:rPr lang="en-US" altLang="ja-JP" sz="2400" i="1">
+                            <a:latin typeface="Cambria Math" panose="02040503050406030204" pitchFamily="18" charset="0"/>
+                          </a:rPr>
+                        </m:ctrlPr>
+                      </m:sSubPr>
+                      <m:e>
+                        <m:r>
+                          <a:rPr lang="en-US" altLang="ja-JP" sz="2400" i="1">
+                            <a:latin typeface="Cambria Math" panose="02040503050406030204" pitchFamily="18" charset="0"/>
+                          </a:rPr>
+                          <m:t>𝑔</m:t>
+                        </m:r>
+                      </m:e>
+                      <m:sub>
+                        <m:r>
+                          <a:rPr lang="en-US" altLang="ja-JP" sz="2400" i="1">
+                            <a:latin typeface="Cambria Math" panose="02040503050406030204" pitchFamily="18" charset="0"/>
+                          </a:rPr>
+                          <m:t>𝑚</m:t>
+                        </m:r>
+                        <m:r>
+                          <a:rPr lang="en-US" altLang="ja-JP" sz="2400" b="0" i="1" smtClean="0">
+                            <a:latin typeface="Cambria Math" panose="02040503050406030204" pitchFamily="18" charset="0"/>
+                          </a:rPr>
+                          <m:t>𝑛</m:t>
+                        </m:r>
+                      </m:sub>
+                    </m:sSub>
+                    <m:r>
+                      <a:rPr lang="en-US" altLang="ja-JP" sz="2400" i="1">
+                        <a:latin typeface="Cambria Math" panose="02040503050406030204" pitchFamily="18" charset="0"/>
+                      </a:rPr>
+                      <m:t>=2</m:t>
+                    </m:r>
+                    <m:rad>
+                      <m:radPr>
+                        <m:degHide m:val="on"/>
+                        <m:ctrlPr>
+                          <a:rPr lang="en-US" altLang="ja-JP" sz="2400" i="1">
+                            <a:latin typeface="Cambria Math" panose="02040503050406030204" pitchFamily="18" charset="0"/>
+                          </a:rPr>
+                        </m:ctrlPr>
+                      </m:radPr>
+                      <m:deg/>
+                      <m:e>
+                        <m:sSub>
+                          <m:sSubPr>
+                            <m:ctrlPr>
+                              <a:rPr lang="en-US" altLang="ja-JP" sz="2400" i="1">
+                                <a:latin typeface="Cambria Math" panose="02040503050406030204" pitchFamily="18" charset="0"/>
+                              </a:rPr>
+                            </m:ctrlPr>
+                          </m:sSubPr>
+                          <m:e>
+                            <m:r>
+                              <a:rPr lang="en-US" altLang="ja-JP" sz="2400" i="1">
+                                <a:latin typeface="Cambria Math" panose="02040503050406030204" pitchFamily="18" charset="0"/>
+                              </a:rPr>
+                              <m:t>𝐾</m:t>
+                            </m:r>
+                          </m:e>
+                          <m:sub>
+                            <m:r>
+                              <a:rPr lang="en-US" altLang="ja-JP" sz="2400" b="0" i="1" smtClean="0">
+                                <a:latin typeface="Cambria Math" panose="02040503050406030204" pitchFamily="18" charset="0"/>
+                              </a:rPr>
+                              <m:t>𝑛</m:t>
+                            </m:r>
+                          </m:sub>
+                        </m:sSub>
+                        <m:sSub>
+                          <m:sSubPr>
+                            <m:ctrlPr>
+                              <a:rPr lang="en-US" altLang="ja-JP" sz="2400" i="1">
+                                <a:latin typeface="Cambria Math" panose="02040503050406030204" pitchFamily="18" charset="0"/>
+                              </a:rPr>
+                            </m:ctrlPr>
+                          </m:sSubPr>
+                          <m:e>
+                            <m:r>
+                              <a:rPr lang="en-US" altLang="ja-JP" sz="2400" i="1">
+                                <a:latin typeface="Cambria Math" panose="02040503050406030204" pitchFamily="18" charset="0"/>
+                              </a:rPr>
+                              <m:t>𝐼</m:t>
+                            </m:r>
+                          </m:e>
+                          <m:sub>
+                            <m:r>
+                              <a:rPr lang="en-US" altLang="ja-JP" sz="2400" i="1">
+                                <a:latin typeface="Cambria Math" panose="02040503050406030204" pitchFamily="18" charset="0"/>
+                              </a:rPr>
+                              <m:t>𝑏</m:t>
+                            </m:r>
+                            <m:r>
+                              <a:rPr lang="en-US" altLang="ja-JP" sz="2400" b="0" i="1" smtClean="0">
+                                <a:latin typeface="Cambria Math" panose="02040503050406030204" pitchFamily="18" charset="0"/>
+                              </a:rPr>
+                              <m:t>𝑛</m:t>
+                            </m:r>
+                          </m:sub>
+                        </m:sSub>
+                      </m:e>
+                    </m:rad>
+                  </m:oMath>
+                </a14:m>
+                <a:r>
+                  <a:rPr kumimoji="1" lang="ja-JP" altLang="en-US" sz="2400" dirty="0"/>
+                  <a:t>より</a:t>
+                </a:r>
+                <a:endParaRPr kumimoji="1" lang="en-US" altLang="ja-JP" sz="2400" dirty="0"/>
+              </a:p>
+              <a:p>
+                <a:pPr/>
+                <a14:m>
+                  <m:oMathPara xmlns:m="http://schemas.openxmlformats.org/officeDocument/2006/math">
+                    <m:oMathParaPr>
+                      <m:jc m:val="centerGroup"/>
+                    </m:oMathParaPr>
+                    <m:oMath xmlns:m="http://schemas.openxmlformats.org/officeDocument/2006/math">
+                      <m:sSub>
+                        <m:sSubPr>
+                          <m:ctrlPr>
+                            <a:rPr kumimoji="1" lang="en-US" altLang="ja-JP" sz="2400" b="0" i="1" smtClean="0">
+                              <a:latin typeface="Cambria Math" panose="02040503050406030204" pitchFamily="18" charset="0"/>
+                            </a:rPr>
+                          </m:ctrlPr>
+                        </m:sSubPr>
+                        <m:e>
+                          <m:r>
+                            <a:rPr kumimoji="1" lang="en-US" altLang="ja-JP" sz="2400" b="0" i="1" smtClean="0">
+                              <a:latin typeface="Cambria Math" panose="02040503050406030204" pitchFamily="18" charset="0"/>
+                            </a:rPr>
+                            <m:t>𝐴</m:t>
+                          </m:r>
+                        </m:e>
+                        <m:sub>
+                          <m:r>
+                            <a:rPr kumimoji="1" lang="en-US" altLang="ja-JP" sz="2400" b="0" i="1" smtClean="0">
+                              <a:latin typeface="Cambria Math" panose="02040503050406030204" pitchFamily="18" charset="0"/>
+                            </a:rPr>
+                            <m:t>𝑣</m:t>
+                          </m:r>
+                        </m:sub>
+                      </m:sSub>
+                      <m:r>
+                        <a:rPr kumimoji="1" lang="en-US" altLang="ja-JP" sz="2400" b="0" i="1" smtClean="0">
+                          <a:latin typeface="Cambria Math" panose="02040503050406030204" pitchFamily="18" charset="0"/>
+                        </a:rPr>
+                        <m:t>=</m:t>
+                      </m:r>
+                      <m:f>
+                        <m:fPr>
+                          <m:ctrlPr>
+                            <a:rPr kumimoji="1" lang="en-US" altLang="ja-JP" sz="2400" b="0" i="1" smtClean="0">
+                              <a:latin typeface="Cambria Math" panose="02040503050406030204" pitchFamily="18" charset="0"/>
+                            </a:rPr>
+                          </m:ctrlPr>
+                        </m:fPr>
+                        <m:num>
+                          <m:r>
+                            <a:rPr kumimoji="1" lang="en-US" altLang="ja-JP" sz="2400" b="0" i="1" smtClean="0">
+                              <a:latin typeface="Cambria Math" panose="02040503050406030204" pitchFamily="18" charset="0"/>
+                            </a:rPr>
+                            <m:t>4</m:t>
+                          </m:r>
+                          <m:sSub>
+                            <m:sSubPr>
+                              <m:ctrlPr>
+                                <a:rPr kumimoji="1" lang="en-US" altLang="ja-JP" sz="2400" b="0" i="1" smtClean="0">
+                                  <a:latin typeface="Cambria Math" panose="02040503050406030204" pitchFamily="18" charset="0"/>
+                                </a:rPr>
+                              </m:ctrlPr>
+                            </m:sSubPr>
+                            <m:e>
+                              <m:r>
+                                <a:rPr kumimoji="1" lang="en-US" altLang="ja-JP" sz="2400" b="0" i="1" smtClean="0">
+                                  <a:latin typeface="Cambria Math" panose="02040503050406030204" pitchFamily="18" charset="0"/>
+                                </a:rPr>
+                                <m:t>𝑅</m:t>
+                              </m:r>
+                            </m:e>
+                            <m:sub>
+                              <m:r>
+                                <a:rPr kumimoji="1" lang="en-US" altLang="ja-JP" sz="2400" b="0" i="1" smtClean="0">
+                                  <a:latin typeface="Cambria Math" panose="02040503050406030204" pitchFamily="18" charset="0"/>
+                                </a:rPr>
+                                <m:t>𝐿</m:t>
+                              </m:r>
+                            </m:sub>
+                          </m:sSub>
+                        </m:num>
+                        <m:den>
+                          <m:r>
+                            <a:rPr kumimoji="1" lang="en-US" altLang="ja-JP" sz="2400" b="0" i="1" smtClean="0">
+                              <a:latin typeface="Cambria Math" panose="02040503050406030204" pitchFamily="18" charset="0"/>
+                            </a:rPr>
+                            <m:t>1+2</m:t>
+                          </m:r>
+                          <m:sSub>
+                            <m:sSubPr>
+                              <m:ctrlPr>
+                                <a:rPr kumimoji="1" lang="en-US" altLang="ja-JP" sz="2400" b="0" i="1" smtClean="0">
+                                  <a:latin typeface="Cambria Math" panose="02040503050406030204" pitchFamily="18" charset="0"/>
+                                </a:rPr>
+                              </m:ctrlPr>
+                            </m:sSubPr>
+                            <m:e>
+                              <m:r>
+                                <a:rPr kumimoji="1" lang="en-US" altLang="ja-JP" sz="2400" b="0" i="1" smtClean="0">
+                                  <a:latin typeface="Cambria Math" panose="02040503050406030204" pitchFamily="18" charset="0"/>
+                                </a:rPr>
+                                <m:t>𝑅</m:t>
+                              </m:r>
+                            </m:e>
+                            <m:sub>
+                              <m:r>
+                                <a:rPr kumimoji="1" lang="en-US" altLang="ja-JP" sz="2400" b="0" i="1" smtClean="0">
+                                  <a:latin typeface="Cambria Math" panose="02040503050406030204" pitchFamily="18" charset="0"/>
+                                </a:rPr>
+                                <m:t>𝐿</m:t>
+                              </m:r>
+                            </m:sub>
+                          </m:sSub>
+                          <m:sSub>
+                            <m:sSubPr>
+                              <m:ctrlPr>
+                                <a:rPr kumimoji="1" lang="en-US" altLang="ja-JP" sz="2400" b="0" i="1" smtClean="0">
+                                  <a:latin typeface="Cambria Math" panose="02040503050406030204" pitchFamily="18" charset="0"/>
+                                </a:rPr>
+                              </m:ctrlPr>
+                            </m:sSubPr>
+                            <m:e>
+                              <m:r>
+                                <a:rPr kumimoji="1" lang="en-US" altLang="ja-JP" sz="2400" b="0" i="1" smtClean="0">
+                                  <a:latin typeface="Cambria Math" panose="02040503050406030204" pitchFamily="18" charset="0"/>
+                                </a:rPr>
+                                <m:t>𝑔</m:t>
+                              </m:r>
+                            </m:e>
+                            <m:sub>
+                              <m:r>
+                                <a:rPr kumimoji="1" lang="en-US" altLang="ja-JP" sz="2400" b="0" i="1" smtClean="0">
+                                  <a:latin typeface="Cambria Math" panose="02040503050406030204" pitchFamily="18" charset="0"/>
+                                </a:rPr>
+                                <m:t>𝑑𝑝</m:t>
+                              </m:r>
+                            </m:sub>
+                          </m:sSub>
+                        </m:den>
+                      </m:f>
+                      <m:r>
+                        <a:rPr kumimoji="1" lang="en-US" altLang="ja-JP" sz="2400" b="0" i="1" smtClean="0">
+                          <a:latin typeface="Cambria Math" panose="02040503050406030204" pitchFamily="18" charset="0"/>
+                        </a:rPr>
+                        <m:t>⋅</m:t>
+                      </m:r>
+                      <m:rad>
+                        <m:radPr>
+                          <m:degHide m:val="on"/>
+                          <m:ctrlPr>
+                            <a:rPr kumimoji="1" lang="en-US" altLang="ja-JP" sz="2400" b="0" i="1" smtClean="0">
+                              <a:latin typeface="Cambria Math" panose="02040503050406030204" pitchFamily="18" charset="0"/>
+                            </a:rPr>
+                          </m:ctrlPr>
+                        </m:radPr>
+                        <m:deg/>
+                        <m:e>
+                          <m:sSub>
+                            <m:sSubPr>
+                              <m:ctrlPr>
+                                <a:rPr kumimoji="1" lang="en-US" altLang="ja-JP" sz="2400" b="0" i="1" smtClean="0">
+                                  <a:latin typeface="Cambria Math" panose="02040503050406030204" pitchFamily="18" charset="0"/>
+                                </a:rPr>
+                              </m:ctrlPr>
+                            </m:sSubPr>
+                            <m:e>
+                              <m:r>
+                                <a:rPr kumimoji="1" lang="en-US" altLang="ja-JP" sz="2400" b="0" i="1" smtClean="0">
+                                  <a:latin typeface="Cambria Math" panose="02040503050406030204" pitchFamily="18" charset="0"/>
+                                </a:rPr>
+                                <m:t>𝐾</m:t>
+                              </m:r>
+                            </m:e>
+                            <m:sub>
+                              <m:r>
+                                <a:rPr kumimoji="1" lang="en-US" altLang="ja-JP" sz="2400" b="0" i="1" smtClean="0">
+                                  <a:latin typeface="Cambria Math" panose="02040503050406030204" pitchFamily="18" charset="0"/>
+                                </a:rPr>
+                                <m:t>𝑛</m:t>
+                              </m:r>
+                            </m:sub>
+                          </m:sSub>
+                          <m:sSub>
+                            <m:sSubPr>
+                              <m:ctrlPr>
+                                <a:rPr kumimoji="1" lang="en-US" altLang="ja-JP" sz="2400" b="0" i="1" smtClean="0">
+                                  <a:latin typeface="Cambria Math" panose="02040503050406030204" pitchFamily="18" charset="0"/>
+                                </a:rPr>
+                              </m:ctrlPr>
+                            </m:sSubPr>
+                            <m:e>
+                              <m:r>
+                                <a:rPr kumimoji="1" lang="en-US" altLang="ja-JP" sz="2400" b="0" i="1" smtClean="0">
+                                  <a:latin typeface="Cambria Math" panose="02040503050406030204" pitchFamily="18" charset="0"/>
+                                </a:rPr>
+                                <m:t>𝐾</m:t>
+                              </m:r>
+                            </m:e>
+                            <m:sub>
+                              <m:r>
+                                <a:rPr kumimoji="1" lang="en-US" altLang="ja-JP" sz="2400" b="0" i="1" smtClean="0">
+                                  <a:latin typeface="Cambria Math" panose="02040503050406030204" pitchFamily="18" charset="0"/>
+                                </a:rPr>
+                                <m:t>𝑝</m:t>
+                              </m:r>
+                            </m:sub>
+                          </m:sSub>
+                        </m:e>
+                      </m:rad>
+                      <m:r>
+                        <a:rPr kumimoji="1" lang="en-US" altLang="ja-JP" sz="2400" b="0" i="1" smtClean="0">
+                          <a:latin typeface="Cambria Math" panose="02040503050406030204" pitchFamily="18" charset="0"/>
+                        </a:rPr>
+                        <m:t>⋅</m:t>
+                      </m:r>
+                      <m:rad>
+                        <m:radPr>
+                          <m:degHide m:val="on"/>
+                          <m:ctrlPr>
+                            <a:rPr kumimoji="1" lang="en-US" altLang="ja-JP" sz="2400" b="0" i="1" smtClean="0">
+                              <a:latin typeface="Cambria Math" panose="02040503050406030204" pitchFamily="18" charset="0"/>
+                            </a:rPr>
+                          </m:ctrlPr>
+                        </m:radPr>
+                        <m:deg/>
+                        <m:e>
+                          <m:f>
+                            <m:fPr>
+                              <m:ctrlPr>
+                                <a:rPr kumimoji="1" lang="en-US" altLang="ja-JP" sz="2400" b="0" i="1" smtClean="0">
+                                  <a:latin typeface="Cambria Math" panose="02040503050406030204" pitchFamily="18" charset="0"/>
+                                </a:rPr>
+                              </m:ctrlPr>
+                            </m:fPr>
+                            <m:num>
+                              <m:sSub>
+                                <m:sSubPr>
+                                  <m:ctrlPr>
+                                    <a:rPr kumimoji="1" lang="en-US" altLang="ja-JP" sz="2400" b="0" i="1" smtClean="0">
+                                      <a:latin typeface="Cambria Math" panose="02040503050406030204" pitchFamily="18" charset="0"/>
+                                    </a:rPr>
+                                  </m:ctrlPr>
+                                </m:sSubPr>
+                                <m:e>
+                                  <m:r>
+                                    <a:rPr kumimoji="1" lang="en-US" altLang="ja-JP" sz="2400" b="0" i="1" smtClean="0">
+                                      <a:latin typeface="Cambria Math" panose="02040503050406030204" pitchFamily="18" charset="0"/>
+                                    </a:rPr>
+                                    <m:t>𝐼</m:t>
+                                  </m:r>
+                                </m:e>
+                                <m:sub>
+                                  <m:r>
+                                    <a:rPr kumimoji="1" lang="en-US" altLang="ja-JP" sz="2400" b="0" i="1" smtClean="0">
+                                      <a:latin typeface="Cambria Math" panose="02040503050406030204" pitchFamily="18" charset="0"/>
+                                    </a:rPr>
+                                    <m:t>𝑏𝑛</m:t>
+                                  </m:r>
+                                </m:sub>
+                              </m:sSub>
+                            </m:num>
+                            <m:den>
+                              <m:sSub>
+                                <m:sSubPr>
+                                  <m:ctrlPr>
+                                    <a:rPr kumimoji="1" lang="en-US" altLang="ja-JP" sz="2400" b="0" i="1" smtClean="0">
+                                      <a:latin typeface="Cambria Math" panose="02040503050406030204" pitchFamily="18" charset="0"/>
+                                    </a:rPr>
+                                  </m:ctrlPr>
+                                </m:sSubPr>
+                                <m:e>
+                                  <m:r>
+                                    <a:rPr kumimoji="1" lang="en-US" altLang="ja-JP" sz="2400" b="0" i="1" smtClean="0">
+                                      <a:latin typeface="Cambria Math" panose="02040503050406030204" pitchFamily="18" charset="0"/>
+                                    </a:rPr>
+                                    <m:t>𝐼</m:t>
+                                  </m:r>
+                                </m:e>
+                                <m:sub>
+                                  <m:r>
+                                    <a:rPr kumimoji="1" lang="en-US" altLang="ja-JP" sz="2400" b="0" i="1" smtClean="0">
+                                      <a:latin typeface="Cambria Math" panose="02040503050406030204" pitchFamily="18" charset="0"/>
+                                    </a:rPr>
+                                    <m:t>𝑏𝑝</m:t>
+                                  </m:r>
+                                </m:sub>
+                              </m:sSub>
+                            </m:den>
+                          </m:f>
+                        </m:e>
+                      </m:rad>
+                      <m:r>
+                        <a:rPr kumimoji="1" lang="en-US" altLang="ja-JP" sz="2400" b="0" i="1" smtClean="0">
+                          <a:latin typeface="Cambria Math" panose="02040503050406030204" pitchFamily="18" charset="0"/>
+                        </a:rPr>
+                        <m:t>⋅</m:t>
+                      </m:r>
+                      <m:sSub>
+                        <m:sSubPr>
+                          <m:ctrlPr>
+                            <a:rPr kumimoji="1" lang="en-US" altLang="ja-JP" sz="2400" b="0" i="1" smtClean="0">
+                              <a:latin typeface="Cambria Math" panose="02040503050406030204" pitchFamily="18" charset="0"/>
+                            </a:rPr>
+                          </m:ctrlPr>
+                        </m:sSubPr>
+                        <m:e>
+                          <m:r>
+                            <a:rPr kumimoji="1" lang="en-US" altLang="ja-JP" sz="2400" b="0" i="1" smtClean="0">
+                              <a:latin typeface="Cambria Math" panose="02040503050406030204" pitchFamily="18" charset="0"/>
+                            </a:rPr>
+                            <m:t>𝑉</m:t>
+                          </m:r>
+                        </m:e>
+                        <m:sub>
+                          <m:r>
+                            <a:rPr kumimoji="1" lang="en-US" altLang="ja-JP" sz="2400" b="0" i="1" smtClean="0">
+                              <a:latin typeface="Cambria Math" panose="02040503050406030204" pitchFamily="18" charset="0"/>
+                            </a:rPr>
+                            <m:t>𝐶𝑇𝑅𝐿</m:t>
+                          </m:r>
+                        </m:sub>
+                      </m:sSub>
+                    </m:oMath>
+                  </m:oMathPara>
+                </a14:m>
+                <a:endParaRPr kumimoji="1" lang="en-US" altLang="ja-JP" sz="2400" dirty="0"/>
+              </a:p>
+              <a:p>
+                <a:r>
+                  <a:rPr lang="ja-JP" altLang="en-US" sz="2400" dirty="0"/>
+                  <a:t>と表せる。</a:t>
+                </a:r>
+                <a:endParaRPr kumimoji="1" lang="ja-JP" altLang="en-US" sz="2400" dirty="0"/>
+              </a:p>
+            </p:txBody>
+          </p:sp>
+        </mc:Choice>
+        <mc:Fallback xmlns="">
+          <p:sp>
+            <p:nvSpPr>
+              <p:cNvPr id="4" name="テキスト ボックス 3">
+                <a:extLst>
+                  <a:ext uri="{FF2B5EF4-FFF2-40B4-BE49-F238E27FC236}">
+                    <a16:creationId xmlns:a16="http://schemas.microsoft.com/office/drawing/2014/main" id="{94DE7281-D2E3-D907-B17D-6307CC20791C}"/>
+                  </a:ext>
+                </a:extLst>
+              </p:cNvPr>
+              <p:cNvSpPr txBox="1">
+                <a:spLocks noRot="1" noChangeAspect="1" noMove="1" noResize="1" noEditPoints="1" noAdjustHandles="1" noChangeArrowheads="1" noChangeShapeType="1" noTextEdit="1"/>
+              </p:cNvSpPr>
+              <p:nvPr/>
+            </p:nvSpPr>
+            <p:spPr>
+              <a:xfrm>
+                <a:off x="1464816" y="1544714"/>
+                <a:ext cx="9286042" cy="3729739"/>
+              </a:xfrm>
+              <a:prstGeom prst="rect">
+                <a:avLst/>
+              </a:prstGeom>
+              <a:blipFill>
+                <a:blip r:embed="rId2"/>
+                <a:stretch>
+                  <a:fillRect l="-984" t="-1307" b="-2778"/>
+                </a:stretch>
+              </a:blipFill>
+            </p:spPr>
+            <p:txBody>
+              <a:bodyPr/>
+              <a:lstStyle/>
+              <a:p>
+                <a:r>
+                  <a:rPr lang="ja-JP" altLang="en-US">
+                    <a:noFill/>
+                  </a:rPr>
+                  <a:t> </a:t>
+                </a:r>
+              </a:p>
+            </p:txBody>
+          </p:sp>
+        </mc:Fallback>
+      </mc:AlternateContent>
+    </p:spTree>
+    <p:extLst>
+      <p:ext uri="{BB962C8B-B14F-4D97-AF65-F5344CB8AC3E}">
+        <p14:creationId xmlns:p14="http://schemas.microsoft.com/office/powerpoint/2010/main" val="1608941241"/>
+      </p:ext>
+    </p:extLst>
+  </p:cSld>
+  <p:clrMapOvr>
+    <a:masterClrMapping/>
+  </p:clrMapOvr>
+</p:sld>
+</file>
+
 <file path=ppt/slides/slide2.xml><?xml version="1.0" encoding="utf-8"?>
 <p:sld xmlns:a="http://schemas.openxmlformats.org/drawingml/2006/main" xmlns:r="http://schemas.openxmlformats.org/officeDocument/2006/relationships" xmlns:p="http://schemas.openxmlformats.org/presentationml/2006/main">
   <p:cSld>
@@ -9565,8 +13128,8 @@
           </a:p>
         </p:txBody>
       </p:sp>
-      <mc:AlternateContent xmlns:mc="http://schemas.openxmlformats.org/markup-compatibility/2006">
-        <mc:Choice xmlns:a14="http://schemas.microsoft.com/office/drawing/2010/main" Requires="a14">
+      <mc:AlternateContent xmlns:mc="http://schemas.openxmlformats.org/markup-compatibility/2006" xmlns:a14="http://schemas.microsoft.com/office/drawing/2010/main">
+        <mc:Choice Requires="a14">
           <p:sp>
             <p:nvSpPr>
               <p:cNvPr id="6" name="テキスト ボックス 5">
@@ -10438,7 +14001,7 @@
             </p:txBody>
           </p:sp>
         </mc:Choice>
-        <mc:Fallback>
+        <mc:Fallback xmlns="">
           <p:sp>
             <p:nvSpPr>
               <p:cNvPr id="6" name="テキスト ボックス 5">
@@ -10621,7 +14184,7 @@
         <p:spPr>
           <a:xfrm>
             <a:off x="6985985" y="3429000"/>
-            <a:ext cx="4838330" cy="1477328"/>
+            <a:ext cx="4838330" cy="1754326"/>
           </a:xfrm>
           <a:prstGeom prst="rect">
             <a:avLst/>
@@ -10646,7 +14209,7 @@
           <a:p>
             <a:r>
               <a:rPr lang="ja-JP" altLang="en-US" dirty="0"/>
-              <a:t>サイズを小さくして寄生容量の削減を目指す。</a:t>
+              <a:t>サイズを小さくする、もしくは別の構造を検討する。</a:t>
             </a:r>
             <a:endParaRPr kumimoji="1" lang="ja-JP" altLang="en-US" dirty="0"/>
           </a:p>
@@ -10894,8 +14457,8 @@
             </p:nvSpPr>
             <p:spPr>
               <a:xfrm>
-                <a:off x="1038687" y="1873188"/>
-                <a:ext cx="10114626" cy="4154984"/>
+                <a:off x="544496" y="2036603"/>
+                <a:ext cx="10380956" cy="4684872"/>
               </a:xfrm>
               <a:prstGeom prst="rect">
                 <a:avLst/>
@@ -10977,7 +14540,7 @@
                 </a:pPr>
                 <a:r>
                   <a:rPr kumimoji="1" lang="ja-JP" altLang="en-US" sz="2400" dirty="0"/>
-                  <a:t>入出力 </a:t>
+                  <a:t>入力 </a:t>
                 </a:r>
                 <a:r>
                   <a:rPr kumimoji="1" lang="en-US" altLang="ja-JP" sz="2400" dirty="0"/>
@@ -11009,6 +14572,91 @@
                   </m:oMath>
                 </a14:m>
                 <a:endParaRPr kumimoji="1" lang="en-US" altLang="ja-JP" sz="2400" dirty="0"/>
+              </a:p>
+              <a:p>
+                <a:pPr marL="285750" indent="-285750">
+                  <a:buFont typeface="Arial" panose="020B0604020202020204" pitchFamily="34" charset="0"/>
+                  <a:buChar char="•"/>
+                </a:pPr>
+                <a:r>
+                  <a:rPr lang="ja-JP" altLang="en-US" sz="2400" dirty="0"/>
+                  <a:t>出力 </a:t>
+                </a:r>
+                <a:r>
+                  <a:rPr lang="en-US" altLang="ja-JP" sz="2400" dirty="0"/>
+                  <a:t>: </a:t>
+                </a:r>
+                <a14:m>
+                  <m:oMath xmlns:m="http://schemas.openxmlformats.org/officeDocument/2006/math">
+                    <m:r>
+                      <a:rPr lang="en-US" altLang="ja-JP" sz="2400" b="0" i="1" smtClean="0">
+                        <a:latin typeface="Cambria Math" panose="02040503050406030204" pitchFamily="18" charset="0"/>
+                      </a:rPr>
+                      <m:t>±400 </m:t>
+                    </m:r>
+                    <m:r>
+                      <m:rPr>
+                        <m:sty m:val="p"/>
+                      </m:rPr>
+                      <a:rPr lang="en-US" altLang="ja-JP" sz="2400" b="0" i="0" smtClean="0">
+                        <a:latin typeface="Cambria Math" panose="02040503050406030204" pitchFamily="18" charset="0"/>
+                      </a:rPr>
+                      <m:t>mV</m:t>
+                    </m:r>
+                  </m:oMath>
+                </a14:m>
+                <a:r>
+                  <a:rPr kumimoji="1" lang="en-US" altLang="ja-JP" sz="2400" dirty="0"/>
+                  <a:t> (</a:t>
+                </a:r>
+                <a14:m>
+                  <m:oMath xmlns:m="http://schemas.openxmlformats.org/officeDocument/2006/math">
+                    <m:sSub>
+                      <m:sSubPr>
+                        <m:ctrlPr>
+                          <a:rPr kumimoji="1" lang="en-US" altLang="ja-JP" sz="2400" b="0" i="1" dirty="0" smtClean="0">
+                            <a:latin typeface="Cambria Math" panose="02040503050406030204" pitchFamily="18" charset="0"/>
+                          </a:rPr>
+                        </m:ctrlPr>
+                      </m:sSubPr>
+                      <m:e>
+                        <m:r>
+                          <a:rPr kumimoji="1" lang="en-US" altLang="ja-JP" sz="2400" b="0" i="1" dirty="0" smtClean="0">
+                            <a:latin typeface="Cambria Math" panose="02040503050406030204" pitchFamily="18" charset="0"/>
+                          </a:rPr>
+                          <m:t>𝑉</m:t>
+                        </m:r>
+                      </m:e>
+                      <m:sub>
+                        <m:r>
+                          <a:rPr kumimoji="1" lang="en-US" altLang="ja-JP" sz="2400" b="0" i="1" dirty="0" smtClean="0">
+                            <a:latin typeface="Cambria Math" panose="02040503050406030204" pitchFamily="18" charset="0"/>
+                          </a:rPr>
+                          <m:t>𝐶𝑇𝑅𝐿</m:t>
+                        </m:r>
+                      </m:sub>
+                    </m:sSub>
+                    <m:r>
+                      <a:rPr kumimoji="1" lang="en-US" altLang="ja-JP" sz="2400" b="0" i="1" dirty="0" smtClean="0">
+                        <a:latin typeface="Cambria Math" panose="02040503050406030204" pitchFamily="18" charset="0"/>
+                      </a:rPr>
+                      <m:t>=200 </m:t>
+                    </m:r>
+                    <m:r>
+                      <m:rPr>
+                        <m:sty m:val="p"/>
+                      </m:rPr>
+                      <a:rPr kumimoji="1" lang="en-US" altLang="ja-JP" sz="2400" b="0" i="0" dirty="0" smtClean="0">
+                        <a:latin typeface="Cambria Math" panose="02040503050406030204" pitchFamily="18" charset="0"/>
+                      </a:rPr>
+                      <m:t>mV</m:t>
+                    </m:r>
+                  </m:oMath>
+                </a14:m>
+                <a:r>
+                  <a:rPr kumimoji="1" lang="en-US" altLang="ja-JP" sz="2400" dirty="0"/>
+                  <a:t>)</a:t>
+                </a:r>
               </a:p>
               <a:p>
                 <a:pPr marL="285750" indent="-285750">
@@ -11070,10 +14718,16 @@
                 <a14:m>
                   <m:oMath xmlns:m="http://schemas.openxmlformats.org/officeDocument/2006/math">
                     <m:r>
+                      <a:rPr lang="en-US" altLang="ja-JP" sz="2400" dirty="0" smtClean="0">
+                        <a:latin typeface="Cambria Math" panose="02040503050406030204" pitchFamily="18" charset="0"/>
+                      </a:rPr>
+                      <m:t>4</m:t>
+                    </m:r>
+                    <m:r>
                       <a:rPr lang="en-US" altLang="ja-JP" sz="2400" b="0" i="0" dirty="0" smtClean="0">
                         <a:latin typeface="Cambria Math" panose="02040503050406030204" pitchFamily="18" charset="0"/>
                       </a:rPr>
-                      <m:t>200 </m:t>
+                      <m:t>00 </m:t>
                     </m:r>
                     <m:r>
                       <m:rPr>
@@ -11097,10 +14751,16 @@
                       <m:t>入力で</m:t>
                     </m:r>
                     <m:r>
+                      <a:rPr lang="en-US" altLang="ja-JP" sz="2400" b="0" i="1" dirty="0" smtClean="0">
+                        <a:latin typeface="Cambria Math" panose="02040503050406030204" pitchFamily="18" charset="0"/>
+                      </a:rPr>
+                      <m:t>4</m:t>
+                    </m:r>
+                    <m:r>
                       <a:rPr lang="en-US" altLang="ja-JP" sz="2400" b="0" i="1" smtClean="0">
                         <a:latin typeface="Cambria Math" panose="02040503050406030204" pitchFamily="18" charset="0"/>
                       </a:rPr>
-                      <m:t>200/7</m:t>
+                      <m:t>00/7</m:t>
                     </m:r>
                   </m:oMath>
                 </a14:m>
@@ -11127,32 +14787,73 @@
                 </a:r>
                 <a14:m>
                   <m:oMath xmlns:m="http://schemas.openxmlformats.org/officeDocument/2006/math">
-                    <m:r>
-                      <a:rPr lang="en-US" altLang="ja-JP" sz="2400" b="0" i="1" smtClean="0">
-                        <a:latin typeface="Cambria Math" panose="02040503050406030204" pitchFamily="18" charset="0"/>
-                      </a:rPr>
-                      <m:t>1/7</m:t>
-                    </m:r>
-                  </m:oMath>
-                </a14:m>
-                <a:r>
-                  <a:rPr lang="en-US" altLang="ja-JP" sz="2400" dirty="0"/>
-                  <a:t> </a:t>
-                </a:r>
-                <a14:m>
-                  <m:oMath xmlns:m="http://schemas.openxmlformats.org/officeDocument/2006/math">
+                    <m:f>
+                      <m:fPr>
+                        <m:ctrlPr>
+                          <a:rPr lang="en-US" altLang="ja-JP" sz="2400" b="0" i="0" dirty="0" smtClean="0">
+                            <a:latin typeface="Cambria Math" panose="02040503050406030204" pitchFamily="18" charset="0"/>
+                          </a:rPr>
+                        </m:ctrlPr>
+                      </m:fPr>
+                      <m:num>
+                        <m:r>
+                          <a:rPr lang="en-US" altLang="ja-JP" sz="2400" b="0" i="1" dirty="0" smtClean="0">
+                            <a:latin typeface="Cambria Math" panose="02040503050406030204" pitchFamily="18" charset="0"/>
+                          </a:rPr>
+                          <m:t>400</m:t>
+                        </m:r>
+                      </m:num>
+                      <m:den>
+                        <m:r>
+                          <a:rPr lang="en-US" altLang="ja-JP" sz="2400" b="0" i="1" dirty="0" smtClean="0">
+                            <a:latin typeface="Cambria Math" panose="02040503050406030204" pitchFamily="18" charset="0"/>
+                          </a:rPr>
+                          <m:t>7</m:t>
+                        </m:r>
+                      </m:den>
+                    </m:f>
                     <m:r>
                       <a:rPr lang="en-US" altLang="ja-JP" sz="2400" b="0" i="1" dirty="0" smtClean="0">
                         <a:latin typeface="Cambria Math" panose="02040503050406030204" pitchFamily="18" charset="0"/>
                       </a:rPr>
-                      <m:t>=−16.9⋯</m:t>
+                      <m:t>÷200</m:t>
+                    </m:r>
+                    <m:r>
+                      <a:rPr lang="en-US" altLang="ja-JP" sz="2400" b="0" i="1" dirty="0" smtClean="0">
+                        <a:latin typeface="Cambria Math" panose="02040503050406030204" pitchFamily="18" charset="0"/>
+                      </a:rPr>
+                      <m:t>=0.</m:t>
+                    </m:r>
+                    <m:r>
+                      <a:rPr lang="en-US" altLang="ja-JP" sz="2400" b="0" i="1" dirty="0" smtClean="0">
+                        <a:latin typeface="Cambria Math" panose="02040503050406030204" pitchFamily="18" charset="0"/>
+                      </a:rPr>
+                      <m:t>285</m:t>
+                    </m:r>
+                    <m:r>
+                      <a:rPr lang="en-US" altLang="ja-JP" sz="2400" b="0" i="1" dirty="0" smtClean="0">
+                        <a:latin typeface="Cambria Math" panose="02040503050406030204" pitchFamily="18" charset="0"/>
+                      </a:rPr>
+                      <m:t>⋯≈−</m:t>
+                    </m:r>
+                    <m:r>
+                      <a:rPr lang="en-US" altLang="ja-JP" sz="2400" b="0" i="1" dirty="0" smtClean="0">
+                        <a:latin typeface="Cambria Math" panose="02040503050406030204" pitchFamily="18" charset="0"/>
+                      </a:rPr>
+                      <m:t>0.55</m:t>
+                    </m:r>
+                    <m:r>
+                      <a:rPr lang="en-US" altLang="ja-JP" sz="2400" b="0" i="1" dirty="0" smtClean="0">
+                        <a:latin typeface="Cambria Math" panose="02040503050406030204" pitchFamily="18" charset="0"/>
+                      </a:rPr>
+                      <m:t> </m:t>
                     </m:r>
                     <m:d>
                       <m:dPr>
                         <m:begChr m:val="["/>
                         <m:endChr m:val="]"/>
                         <m:ctrlPr>
-                          <a:rPr lang="en-US" altLang="ja-JP" sz="2400" b="0" dirty="0" smtClean="0">
+                          <a:rPr lang="en-US" altLang="ja-JP" sz="2400" b="0" i="1" dirty="0" smtClean="0">
                             <a:latin typeface="Cambria Math" panose="02040503050406030204" pitchFamily="18" charset="0"/>
                           </a:rPr>
                         </m:ctrlPr>
@@ -11169,32 +14870,11 @@
                         </m:r>
                       </m:e>
                     </m:d>
-                    <m:r>
-                      <a:rPr lang="en-US" altLang="ja-JP" sz="2400" b="0" i="1" dirty="0" smtClean="0">
-                        <a:latin typeface="Cambria Math" panose="02040503050406030204" pitchFamily="18" charset="0"/>
-                      </a:rPr>
-                      <m:t>≈−17 [</m:t>
-                    </m:r>
-                    <m:r>
-                      <m:rPr>
-                        <m:sty m:val="p"/>
-                      </m:rPr>
-                      <a:rPr lang="en-US" altLang="ja-JP" sz="2400" b="0" i="0" dirty="0" smtClean="0">
-                        <a:latin typeface="Cambria Math" panose="02040503050406030204" pitchFamily="18" charset="0"/>
-                      </a:rPr>
-                      <m:t>dB</m:t>
-                    </m:r>
-                    <m:r>
-                      <a:rPr lang="en-US" altLang="ja-JP" sz="2400" b="0" i="1" dirty="0" smtClean="0">
-                        <a:latin typeface="Cambria Math" panose="02040503050406030204" pitchFamily="18" charset="0"/>
-                      </a:rPr>
-                      <m:t>]</m:t>
-                    </m:r>
                   </m:oMath>
                 </a14:m>
                 <a:r>
                   <a:rPr lang="ja-JP" altLang="en-US" sz="2400" dirty="0"/>
-                  <a:t>程度でよい。</a:t>
+                  <a:t>程度を目標にすればよい。</a:t>
                 </a:r>
                 <a:endParaRPr lang="en-US" altLang="ja-JP" sz="2400" dirty="0"/>
               </a:p>
@@ -11228,8 +14908,8 @@
             </p:nvSpPr>
             <p:spPr>
               <a:xfrm>
-                <a:off x="1038687" y="1873188"/>
-                <a:ext cx="10114626" cy="4154984"/>
+                <a:off x="544496" y="2036603"/>
+                <a:ext cx="10380956" cy="4684872"/>
               </a:xfrm>
               <a:prstGeom prst="rect">
                 <a:avLst/>
@@ -11237,7 +14917,7 @@
               <a:blipFill>
                 <a:blip r:embed="rId2"/>
                 <a:stretch>
-                  <a:fillRect l="-904" t="-1173"/>
+                  <a:fillRect l="-881" t="-1040"/>
                 </a:stretch>
               </a:blipFill>
             </p:spPr>
@@ -11260,6 +14940,502 @@
     <p:extLst>
       <p:ext uri="{BB962C8B-B14F-4D97-AF65-F5344CB8AC3E}">
         <p14:creationId xmlns:p14="http://schemas.microsoft.com/office/powerpoint/2010/main" val="1886631722"/>
+      </p:ext>
+    </p:extLst>
+  </p:cSld>
+  <p:clrMapOvr>
+    <a:masterClrMapping/>
+  </p:clrMapOvr>
+</p:sld>
+</file>
+
+<file path=ppt/slides/slide9.xml><?xml version="1.0" encoding="utf-8"?>
+<p:sld xmlns:a="http://schemas.openxmlformats.org/drawingml/2006/main" xmlns:r="http://schemas.openxmlformats.org/officeDocument/2006/relationships" xmlns:p="http://schemas.openxmlformats.org/presentationml/2006/main">
+  <p:cSld>
+    <p:spTree>
+      <p:nvGrpSpPr>
+        <p:cNvPr id="1" name=""/>
+        <p:cNvGrpSpPr/>
+        <p:nvPr/>
+      </p:nvGrpSpPr>
+      <p:grpSpPr>
+        <a:xfrm>
+          <a:off x="0" y="0"/>
+          <a:ext cx="0" cy="0"/>
+          <a:chOff x="0" y="0"/>
+          <a:chExt cx="0" cy="0"/>
+        </a:xfrm>
+      </p:grpSpPr>
+      <p:sp>
+        <p:nvSpPr>
+          <p:cNvPr id="2" name="タイトル 1">
+            <a:extLst>
+              <a:ext uri="{FF2B5EF4-FFF2-40B4-BE49-F238E27FC236}">
+                <a16:creationId xmlns:a16="http://schemas.microsoft.com/office/drawing/2014/main" id="{FE555129-0E1F-4CDA-B257-082F2CF63F86}"/>
+              </a:ext>
+            </a:extLst>
+          </p:cNvPr>
+          <p:cNvSpPr>
+            <a:spLocks noGrp="1"/>
+          </p:cNvSpPr>
+          <p:nvPr>
+            <p:ph type="title"/>
+          </p:nvPr>
+        </p:nvSpPr>
+        <p:spPr/>
+        <p:txBody>
+          <a:bodyPr/>
+          <a:lstStyle/>
+          <a:p>
+            <a:r>
+              <a:rPr lang="ja-JP" altLang="en-US" dirty="0"/>
+              <a:t>直流バイアスの設計</a:t>
+            </a:r>
+            <a:r>
+              <a:rPr lang="en-US" altLang="ja-JP" dirty="0"/>
+              <a:t>(PMOS)</a:t>
+            </a:r>
+            <a:endParaRPr kumimoji="1" lang="ja-JP" altLang="en-US" dirty="0"/>
+          </a:p>
+        </p:txBody>
+      </p:sp>
+      <p:sp>
+        <p:nvSpPr>
+          <p:cNvPr id="3" name="スライド番号プレースホルダー 2">
+            <a:extLst>
+              <a:ext uri="{FF2B5EF4-FFF2-40B4-BE49-F238E27FC236}">
+                <a16:creationId xmlns:a16="http://schemas.microsoft.com/office/drawing/2014/main" id="{B4C18B16-846A-1283-FB28-F255E358E94C}"/>
+              </a:ext>
+            </a:extLst>
+          </p:cNvPr>
+          <p:cNvSpPr>
+            <a:spLocks noGrp="1"/>
+          </p:cNvSpPr>
+          <p:nvPr>
+            <p:ph type="sldNum" sz="quarter" idx="12"/>
+          </p:nvPr>
+        </p:nvSpPr>
+        <p:spPr/>
+        <p:txBody>
+          <a:bodyPr/>
+          <a:lstStyle/>
+          <a:p>
+            <a:fld id="{C3C4BE22-9B85-4F9B-AD13-D01C8C6C010B}" type="slidenum">
+              <a:rPr kumimoji="1" lang="ja-JP" altLang="en-US" smtClean="0"/>
+              <a:t>9</a:t>
+            </a:fld>
+            <a:endParaRPr kumimoji="1" lang="ja-JP" altLang="en-US"/>
+          </a:p>
+        </p:txBody>
+      </p:sp>
+      <mc:AlternateContent xmlns:mc="http://schemas.openxmlformats.org/markup-compatibility/2006">
+        <mc:Choice xmlns:a14="http://schemas.microsoft.com/office/drawing/2010/main" Requires="a14">
+          <p:sp>
+            <p:nvSpPr>
+              <p:cNvPr id="8" name="テキスト ボックス 7">
+                <a:extLst>
+                  <a:ext uri="{FF2B5EF4-FFF2-40B4-BE49-F238E27FC236}">
+                    <a16:creationId xmlns:a16="http://schemas.microsoft.com/office/drawing/2014/main" id="{66CB7574-7321-26F8-FC58-46B7E79F1942}"/>
+                  </a:ext>
+                </a:extLst>
+              </p:cNvPr>
+              <p:cNvSpPr txBox="1"/>
+              <p:nvPr/>
+            </p:nvSpPr>
+            <p:spPr>
+              <a:xfrm>
+                <a:off x="5576102" y="4113514"/>
+                <a:ext cx="6270594" cy="1996059"/>
+              </a:xfrm>
+              <a:prstGeom prst="rect">
+                <a:avLst/>
+              </a:prstGeom>
+              <a:noFill/>
+            </p:spPr>
+            <p:txBody>
+              <a:bodyPr wrap="square" rtlCol="0">
+                <a:spAutoFit/>
+              </a:bodyPr>
+              <a:lstStyle/>
+              <a:p>
+                <a:pPr algn="l"/>
+                <a:r>
+                  <a:rPr kumimoji="1" lang="en-US" altLang="ja-JP" sz="2400" dirty="0"/>
+                  <a:t>PMOS</a:t>
+                </a:r>
+                <a:r>
+                  <a:rPr kumimoji="1" lang="ja-JP" altLang="en-US" sz="2400" dirty="0"/>
+                  <a:t>のしきい値電圧を</a:t>
+                </a:r>
+                <a14:m>
+                  <m:oMath xmlns:m="http://schemas.openxmlformats.org/officeDocument/2006/math">
+                    <m:sSub>
+                      <m:sSubPr>
+                        <m:ctrlPr>
+                          <a:rPr kumimoji="1" lang="en-US" altLang="ja-JP" sz="2400" b="0" i="1" smtClean="0">
+                            <a:latin typeface="Cambria Math" panose="02040503050406030204" pitchFamily="18" charset="0"/>
+                          </a:rPr>
+                        </m:ctrlPr>
+                      </m:sSubPr>
+                      <m:e>
+                        <m:r>
+                          <a:rPr kumimoji="1" lang="en-US" altLang="ja-JP" sz="2400" b="0" i="1" smtClean="0">
+                            <a:latin typeface="Cambria Math" panose="02040503050406030204" pitchFamily="18" charset="0"/>
+                          </a:rPr>
+                          <m:t>𝑉</m:t>
+                        </m:r>
+                      </m:e>
+                      <m:sub>
+                        <m:r>
+                          <a:rPr kumimoji="1" lang="en-US" altLang="ja-JP" sz="2400" b="0" i="1" smtClean="0">
+                            <a:latin typeface="Cambria Math" panose="02040503050406030204" pitchFamily="18" charset="0"/>
+                          </a:rPr>
+                          <m:t>𝑡h𝑝</m:t>
+                        </m:r>
+                      </m:sub>
+                    </m:sSub>
+                    <m:r>
+                      <a:rPr kumimoji="1" lang="en-US" altLang="ja-JP" sz="2400" b="0" i="1" smtClean="0">
+                        <a:latin typeface="Cambria Math" panose="02040503050406030204" pitchFamily="18" charset="0"/>
+                      </a:rPr>
+                      <m:t>=0.4 </m:t>
+                    </m:r>
+                    <m:r>
+                      <m:rPr>
+                        <m:sty m:val="p"/>
+                      </m:rPr>
+                      <a:rPr kumimoji="1" lang="en-US" altLang="ja-JP" sz="2400" b="0" i="0" smtClean="0">
+                        <a:latin typeface="Cambria Math" panose="02040503050406030204" pitchFamily="18" charset="0"/>
+                      </a:rPr>
+                      <m:t>V</m:t>
+                    </m:r>
+                  </m:oMath>
+                </a14:m>
+                <a:r>
+                  <a:rPr kumimoji="1" lang="ja-JP" altLang="en-US" sz="2400" dirty="0"/>
+                  <a:t>として計算する。</a:t>
+                </a:r>
+                <a:endParaRPr kumimoji="1" lang="en-US" altLang="ja-JP" sz="2400" dirty="0"/>
+              </a:p>
+              <a:p>
+                <a:pPr algn="l"/>
+                <a14:m>
+                  <m:oMath xmlns:m="http://schemas.openxmlformats.org/officeDocument/2006/math">
+                    <m:sSub>
+                      <m:sSubPr>
+                        <m:ctrlPr>
+                          <a:rPr kumimoji="1" lang="en-US" altLang="ja-JP" sz="2400" b="0" i="1" smtClean="0">
+                            <a:latin typeface="Cambria Math" panose="02040503050406030204" pitchFamily="18" charset="0"/>
+                          </a:rPr>
+                        </m:ctrlPr>
+                      </m:sSubPr>
+                      <m:e>
+                        <m:r>
+                          <a:rPr kumimoji="1" lang="en-US" altLang="ja-JP" sz="2400" b="0" i="1" smtClean="0">
+                            <a:latin typeface="Cambria Math" panose="02040503050406030204" pitchFamily="18" charset="0"/>
+                          </a:rPr>
+                          <m:t>𝑉</m:t>
+                        </m:r>
+                      </m:e>
+                      <m:sub>
+                        <m:r>
+                          <a:rPr kumimoji="1" lang="en-US" altLang="ja-JP" sz="2400" b="0" i="1" smtClean="0">
+                            <a:latin typeface="Cambria Math" panose="02040503050406030204" pitchFamily="18" charset="0"/>
+                          </a:rPr>
+                          <m:t>𝑑𝑑</m:t>
+                        </m:r>
+                      </m:sub>
+                    </m:sSub>
+                    <m:r>
+                      <a:rPr kumimoji="1" lang="en-US" altLang="ja-JP" sz="2400" b="0" i="1" smtClean="0">
+                        <a:latin typeface="Cambria Math" panose="02040503050406030204" pitchFamily="18" charset="0"/>
+                      </a:rPr>
+                      <m:t>−</m:t>
+                    </m:r>
+                    <m:sSub>
+                      <m:sSubPr>
+                        <m:ctrlPr>
+                          <a:rPr kumimoji="1" lang="en-US" altLang="ja-JP" sz="2400" b="0" i="1" smtClean="0">
+                            <a:latin typeface="Cambria Math" panose="02040503050406030204" pitchFamily="18" charset="0"/>
+                          </a:rPr>
+                        </m:ctrlPr>
+                      </m:sSubPr>
+                      <m:e>
+                        <m:r>
+                          <a:rPr kumimoji="1" lang="en-US" altLang="ja-JP" sz="2400" b="0" i="1" smtClean="0">
+                            <a:latin typeface="Cambria Math" panose="02040503050406030204" pitchFamily="18" charset="0"/>
+                          </a:rPr>
+                          <m:t>𝑉</m:t>
+                        </m:r>
+                      </m:e>
+                      <m:sub>
+                        <m:r>
+                          <a:rPr kumimoji="1" lang="en-US" altLang="ja-JP" sz="2400" b="0" i="1" smtClean="0">
+                            <a:latin typeface="Cambria Math" panose="02040503050406030204" pitchFamily="18" charset="0"/>
+                          </a:rPr>
+                          <m:t>𝑝</m:t>
+                        </m:r>
+                        <m:r>
+                          <a:rPr kumimoji="1" lang="en-US" altLang="ja-JP" sz="2400" b="0" i="1" smtClean="0">
+                            <a:latin typeface="Cambria Math" panose="02040503050406030204" pitchFamily="18" charset="0"/>
+                          </a:rPr>
+                          <m:t>𝑆</m:t>
+                        </m:r>
+                      </m:sub>
+                    </m:sSub>
+                    <m:r>
+                      <a:rPr kumimoji="1" lang="en-US" altLang="ja-JP" sz="2400" b="0" i="1" smtClean="0">
+                        <a:latin typeface="Cambria Math" panose="02040503050406030204" pitchFamily="18" charset="0"/>
+                      </a:rPr>
+                      <m:t>=0.3 </m:t>
+                    </m:r>
+                    <m:r>
+                      <m:rPr>
+                        <m:sty m:val="p"/>
+                      </m:rPr>
+                      <a:rPr kumimoji="1" lang="en-US" altLang="ja-JP" sz="2400" b="0" i="0" smtClean="0">
+                        <a:latin typeface="Cambria Math" panose="02040503050406030204" pitchFamily="18" charset="0"/>
+                      </a:rPr>
+                      <m:t>V</m:t>
+                    </m:r>
+                  </m:oMath>
+                </a14:m>
+                <a:r>
+                  <a:rPr kumimoji="1" lang="ja-JP" altLang="en-US" sz="2400" dirty="0"/>
+                  <a:t>とすると、</a:t>
+                </a:r>
+                <a14:m>
+                  <m:oMath xmlns:m="http://schemas.openxmlformats.org/officeDocument/2006/math">
+                    <m:sSub>
+                      <m:sSubPr>
+                        <m:ctrlPr>
+                          <a:rPr kumimoji="1" lang="en-US" altLang="ja-JP" sz="2400" b="0" i="1" smtClean="0">
+                            <a:latin typeface="Cambria Math" panose="02040503050406030204" pitchFamily="18" charset="0"/>
+                          </a:rPr>
+                        </m:ctrlPr>
+                      </m:sSubPr>
+                      <m:e>
+                        <m:r>
+                          <a:rPr kumimoji="1" lang="en-US" altLang="ja-JP" sz="2400" b="0" i="1" smtClean="0">
+                            <a:latin typeface="Cambria Math" panose="02040503050406030204" pitchFamily="18" charset="0"/>
+                          </a:rPr>
+                          <m:t>𝑉</m:t>
+                        </m:r>
+                      </m:e>
+                      <m:sub>
+                        <m:r>
+                          <a:rPr kumimoji="1" lang="en-US" altLang="ja-JP" sz="2400" b="0" i="1" smtClean="0">
+                            <a:latin typeface="Cambria Math" panose="02040503050406030204" pitchFamily="18" charset="0"/>
+                          </a:rPr>
+                          <m:t>𝑝</m:t>
+                        </m:r>
+                        <m:r>
+                          <a:rPr kumimoji="1" lang="en-US" altLang="ja-JP" sz="2400" b="0" i="1" smtClean="0">
+                            <a:latin typeface="Cambria Math" panose="02040503050406030204" pitchFamily="18" charset="0"/>
+                          </a:rPr>
+                          <m:t>𝑆</m:t>
+                        </m:r>
+                      </m:sub>
+                    </m:sSub>
+                    <m:r>
+                      <a:rPr kumimoji="1" lang="en-US" altLang="ja-JP" sz="2400" b="0" i="1" smtClean="0">
+                        <a:latin typeface="Cambria Math" panose="02040503050406030204" pitchFamily="18" charset="0"/>
+                      </a:rPr>
+                      <m:t>=1.5 </m:t>
+                    </m:r>
+                    <m:r>
+                      <m:rPr>
+                        <m:sty m:val="p"/>
+                      </m:rPr>
+                      <a:rPr kumimoji="1" lang="en-US" altLang="ja-JP" sz="2400" b="0" i="0" smtClean="0">
+                        <a:latin typeface="Cambria Math" panose="02040503050406030204" pitchFamily="18" charset="0"/>
+                      </a:rPr>
+                      <m:t>V</m:t>
+                    </m:r>
+                  </m:oMath>
+                </a14:m>
+                <a:endParaRPr kumimoji="1" lang="en-US" altLang="ja-JP" sz="2400" dirty="0"/>
+              </a:p>
+              <a:p>
+                <a:pPr algn="l"/>
+                <a:r>
+                  <a:rPr kumimoji="1" lang="ja-JP" altLang="en-US" sz="2400" dirty="0"/>
+                  <a:t>出力振幅</a:t>
+                </a:r>
+                <a14:m>
+                  <m:oMath xmlns:m="http://schemas.openxmlformats.org/officeDocument/2006/math">
+                    <m:r>
+                      <m:rPr>
+                        <m:sty m:val="p"/>
+                      </m:rPr>
+                      <a:rPr kumimoji="1" lang="en-US" altLang="ja-JP" sz="2400" b="0" i="0" smtClean="0">
+                        <a:latin typeface="Cambria Math" panose="02040503050406030204" pitchFamily="18" charset="0"/>
+                      </a:rPr>
+                      <m:t>Δ</m:t>
+                    </m:r>
+                    <m:r>
+                      <a:rPr kumimoji="1" lang="en-US" altLang="ja-JP" sz="2400" b="0" i="1" smtClean="0">
+                        <a:latin typeface="Cambria Math" panose="02040503050406030204" pitchFamily="18" charset="0"/>
+                      </a:rPr>
+                      <m:t>𝑣</m:t>
+                    </m:r>
+                  </m:oMath>
+                </a14:m>
+                <a:r>
+                  <a:rPr kumimoji="1" lang="ja-JP" altLang="en-US" sz="2400" dirty="0"/>
+                  <a:t>は</a:t>
+                </a:r>
+                <a14:m>
+                  <m:oMath xmlns:m="http://schemas.openxmlformats.org/officeDocument/2006/math">
+                    <m:r>
+                      <a:rPr kumimoji="1" lang="en-US" altLang="ja-JP" sz="2400" b="0" i="1" dirty="0" smtClean="0">
+                        <a:latin typeface="Cambria Math" panose="02040503050406030204" pitchFamily="18" charset="0"/>
+                      </a:rPr>
+                      <m:t>0.4 </m:t>
+                    </m:r>
+                    <m:r>
+                      <m:rPr>
+                        <m:sty m:val="p"/>
+                      </m:rPr>
+                      <a:rPr kumimoji="1" lang="en-US" altLang="ja-JP" sz="2400" b="0" i="0" dirty="0" smtClean="0">
+                        <a:latin typeface="Cambria Math" panose="02040503050406030204" pitchFamily="18" charset="0"/>
+                      </a:rPr>
+                      <m:t>V</m:t>
+                    </m:r>
+                  </m:oMath>
+                </a14:m>
+                <a:r>
+                  <a:rPr kumimoji="1" lang="ja-JP" altLang="en-US" sz="2400" dirty="0"/>
+                  <a:t>をとることを考え、余裕を持たせ</a:t>
+                </a:r>
+                <a14:m>
+                  <m:oMath xmlns:m="http://schemas.openxmlformats.org/officeDocument/2006/math">
+                    <m:r>
+                      <m:rPr>
+                        <m:sty m:val="p"/>
+                      </m:rPr>
+                      <a:rPr kumimoji="1" lang="en-US" altLang="ja-JP" sz="2400" b="0" i="0" smtClean="0">
+                        <a:latin typeface="Cambria Math" panose="02040503050406030204" pitchFamily="18" charset="0"/>
+                      </a:rPr>
+                      <m:t>Δ</m:t>
+                    </m:r>
+                    <m:r>
+                      <a:rPr kumimoji="1" lang="en-US" altLang="ja-JP" sz="2400" b="0" i="1" smtClean="0">
+                        <a:latin typeface="Cambria Math" panose="02040503050406030204" pitchFamily="18" charset="0"/>
+                      </a:rPr>
+                      <m:t>𝑣</m:t>
+                    </m:r>
+                    <m:r>
+                      <a:rPr kumimoji="1" lang="en-US" altLang="ja-JP" sz="2400" b="0" i="1" smtClean="0">
+                        <a:latin typeface="Cambria Math" panose="02040503050406030204" pitchFamily="18" charset="0"/>
+                      </a:rPr>
+                      <m:t>=0.5 </m:t>
+                    </m:r>
+                    <m:r>
+                      <m:rPr>
+                        <m:sty m:val="p"/>
+                      </m:rPr>
+                      <a:rPr kumimoji="1" lang="en-US" altLang="ja-JP" sz="2400" b="0" i="0" smtClean="0">
+                        <a:latin typeface="Cambria Math" panose="02040503050406030204" pitchFamily="18" charset="0"/>
+                      </a:rPr>
+                      <m:t>V</m:t>
+                    </m:r>
+                  </m:oMath>
+                </a14:m>
+                <a:r>
+                  <a:rPr kumimoji="1" lang="ja-JP" altLang="en-US" sz="2400" dirty="0"/>
+                  <a:t>とした。</a:t>
+                </a:r>
+                <a:endParaRPr kumimoji="1" lang="en-US" altLang="ja-JP" sz="2400" dirty="0"/>
+              </a:p>
+            </p:txBody>
+          </p:sp>
+        </mc:Choice>
+        <mc:Fallback>
+          <p:sp>
+            <p:nvSpPr>
+              <p:cNvPr id="8" name="テキスト ボックス 7">
+                <a:extLst>
+                  <a:ext uri="{FF2B5EF4-FFF2-40B4-BE49-F238E27FC236}">
+                    <a16:creationId xmlns:a16="http://schemas.microsoft.com/office/drawing/2014/main" id="{66CB7574-7321-26F8-FC58-46B7E79F1942}"/>
+                  </a:ext>
+                </a:extLst>
+              </p:cNvPr>
+              <p:cNvSpPr txBox="1">
+                <a:spLocks noRot="1" noChangeAspect="1" noMove="1" noResize="1" noEditPoints="1" noAdjustHandles="1" noChangeArrowheads="1" noChangeShapeType="1" noTextEdit="1"/>
+              </p:cNvSpPr>
+              <p:nvPr/>
+            </p:nvSpPr>
+            <p:spPr>
+              <a:xfrm>
+                <a:off x="5576102" y="4113514"/>
+                <a:ext cx="6270594" cy="1996059"/>
+              </a:xfrm>
+              <a:prstGeom prst="rect">
+                <a:avLst/>
+              </a:prstGeom>
+              <a:blipFill>
+                <a:blip r:embed="rId2"/>
+                <a:stretch>
+                  <a:fillRect l="-1556" t="-1835" b="-6422"/>
+                </a:stretch>
+              </a:blipFill>
+            </p:spPr>
+            <p:txBody>
+              <a:bodyPr/>
+              <a:lstStyle/>
+              <a:p>
+                <a:r>
+                  <a:rPr lang="ja-JP" altLang="en-US">
+                    <a:noFill/>
+                  </a:rPr>
+                  <a:t> </a:t>
+                </a:r>
+              </a:p>
+            </p:txBody>
+          </p:sp>
+        </mc:Fallback>
+      </mc:AlternateContent>
+      <p:pic>
+        <p:nvPicPr>
+          <p:cNvPr id="5" name="図 4" descr="背景パターン が含まれている画像&#10;&#10;自動的に生成された説明">
+            <a:extLst>
+              <a:ext uri="{FF2B5EF4-FFF2-40B4-BE49-F238E27FC236}">
+                <a16:creationId xmlns:a16="http://schemas.microsoft.com/office/drawing/2014/main" id="{0CBDBFF1-A78E-B4FE-6266-D4C76006CED5}"/>
+              </a:ext>
+            </a:extLst>
+          </p:cNvPr>
+          <p:cNvPicPr>
+            <a:picLocks noChangeAspect="1"/>
+          </p:cNvPicPr>
+          <p:nvPr/>
+        </p:nvPicPr>
+        <p:blipFill>
+          <a:blip r:embed="rId3">
+            <a:extLst>
+              <a:ext uri="{28A0092B-C50C-407E-A947-70E740481C1C}">
+                <a14:useLocalDpi xmlns:a14="http://schemas.microsoft.com/office/drawing/2010/main" val="0"/>
+              </a:ext>
+            </a:extLst>
+          </a:blip>
+          <a:stretch>
+            <a:fillRect/>
+          </a:stretch>
+        </p:blipFill>
+        <p:spPr>
+          <a:xfrm>
+            <a:off x="-135154" y="1494195"/>
+            <a:ext cx="6204151" cy="4862155"/>
+          </a:xfrm>
+          <a:prstGeom prst="rect">
+            <a:avLst/>
+          </a:prstGeom>
+        </p:spPr>
+      </p:pic>
+    </p:spTree>
+    <p:extLst>
+      <p:ext uri="{BB962C8B-B14F-4D97-AF65-F5344CB8AC3E}">
+        <p14:creationId xmlns:p14="http://schemas.microsoft.com/office/powerpoint/2010/main" val="4134961067"/>
       </p:ext>
     </p:extLst>
   </p:cSld>

--- a/folded_gilbert/seminar/20231031/ParasiticCapacitores/周波数特性改善方法に関する方針の検討.pptx
+++ b/folded_gilbert/seminar/20231031/ParasiticCapacitores/周波数特性改善方法に関する方針の検討.pptx
@@ -209,7 +209,7 @@
           <a:p>
             <a:fld id="{2C46F3B6-9F4C-4F4C-BE06-27D895F5C426}" type="datetimeFigureOut">
               <a:rPr kumimoji="1" lang="ja-JP" altLang="en-US" smtClean="0"/>
-              <a:t>2023/10/18</a:t>
+              <a:t>2023/10/26</a:t>
             </a:fld>
             <a:endParaRPr kumimoji="1" lang="ja-JP" altLang="en-US"/>
           </a:p>
@@ -655,7 +655,7 @@
           <a:p>
             <a:fld id="{F01A43C0-B38C-44E6-8C18-4EF41D96491C}" type="datetime1">
               <a:rPr kumimoji="1" lang="ja-JP" altLang="en-US" smtClean="0"/>
-              <a:t>2023/10/18</a:t>
+              <a:t>2023/10/26</a:t>
             </a:fld>
             <a:endParaRPr kumimoji="1" lang="ja-JP" altLang="en-US"/>
           </a:p>
@@ -885,7 +885,7 @@
           <a:p>
             <a:fld id="{332CA7C2-FAE0-4851-9DD0-E3E6AD54DA0B}" type="datetime1">
               <a:rPr kumimoji="1" lang="ja-JP" altLang="en-US" smtClean="0"/>
-              <a:t>2023/10/18</a:t>
+              <a:t>2023/10/26</a:t>
             </a:fld>
             <a:endParaRPr kumimoji="1" lang="ja-JP" altLang="en-US"/>
           </a:p>
@@ -1125,7 +1125,7 @@
           <a:p>
             <a:fld id="{1135585D-64AB-45F0-9D90-BFCAB56C5328}" type="datetime1">
               <a:rPr kumimoji="1" lang="ja-JP" altLang="en-US" smtClean="0"/>
-              <a:t>2023/10/18</a:t>
+              <a:t>2023/10/26</a:t>
             </a:fld>
             <a:endParaRPr kumimoji="1" lang="ja-JP" altLang="en-US"/>
           </a:p>
@@ -1355,7 +1355,7 @@
           <a:p>
             <a:fld id="{6453AFDD-E21C-4284-B8D3-E5B4818B0342}" type="datetime1">
               <a:rPr kumimoji="1" lang="ja-JP" altLang="en-US" smtClean="0"/>
-              <a:t>2023/10/18</a:t>
+              <a:t>2023/10/26</a:t>
             </a:fld>
             <a:endParaRPr kumimoji="1" lang="ja-JP" altLang="en-US"/>
           </a:p>
@@ -1630,7 +1630,7 @@
           <a:p>
             <a:fld id="{A380E4AD-DA93-4629-98C5-46359FD81024}" type="datetime1">
               <a:rPr kumimoji="1" lang="ja-JP" altLang="en-US" smtClean="0"/>
-              <a:t>2023/10/18</a:t>
+              <a:t>2023/10/26</a:t>
             </a:fld>
             <a:endParaRPr kumimoji="1" lang="ja-JP" altLang="en-US"/>
           </a:p>
@@ -1959,7 +1959,7 @@
           <a:p>
             <a:fld id="{BC668100-AFAC-477B-8C6E-E0307D551986}" type="datetime1">
               <a:rPr kumimoji="1" lang="ja-JP" altLang="en-US" smtClean="0"/>
-              <a:t>2023/10/18</a:t>
+              <a:t>2023/10/26</a:t>
             </a:fld>
             <a:endParaRPr kumimoji="1" lang="ja-JP" altLang="en-US"/>
           </a:p>
@@ -2435,7 +2435,7 @@
           <a:p>
             <a:fld id="{66B600B6-4D95-4521-BDDD-678A7525C957}" type="datetime1">
               <a:rPr kumimoji="1" lang="ja-JP" altLang="en-US" smtClean="0"/>
-              <a:t>2023/10/18</a:t>
+              <a:t>2023/10/26</a:t>
             </a:fld>
             <a:endParaRPr kumimoji="1" lang="ja-JP" altLang="en-US"/>
           </a:p>
@@ -2576,7 +2576,7 @@
           <a:p>
             <a:fld id="{103C482B-E667-4511-986C-4DB8D7D2073A}" type="datetime1">
               <a:rPr kumimoji="1" lang="ja-JP" altLang="en-US" smtClean="0"/>
-              <a:t>2023/10/18</a:t>
+              <a:t>2023/10/26</a:t>
             </a:fld>
             <a:endParaRPr kumimoji="1" lang="ja-JP" altLang="en-US"/>
           </a:p>
@@ -2689,7 +2689,7 @@
           <a:p>
             <a:fld id="{149B87C4-B621-4971-B24F-DBD4FBE22979}" type="datetime1">
               <a:rPr kumimoji="1" lang="ja-JP" altLang="en-US" smtClean="0"/>
-              <a:t>2023/10/18</a:t>
+              <a:t>2023/10/26</a:t>
             </a:fld>
             <a:endParaRPr kumimoji="1" lang="ja-JP" altLang="en-US"/>
           </a:p>
@@ -3032,7 +3032,7 @@
           <a:p>
             <a:fld id="{BFEC8D42-A394-4A67-9220-B7553ED6B731}" type="datetime1">
               <a:rPr kumimoji="1" lang="ja-JP" altLang="en-US" smtClean="0"/>
-              <a:t>2023/10/18</a:t>
+              <a:t>2023/10/26</a:t>
             </a:fld>
             <a:endParaRPr kumimoji="1" lang="ja-JP" altLang="en-US"/>
           </a:p>
@@ -3320,7 +3320,7 @@
           <a:p>
             <a:fld id="{AACB5297-38AE-417A-B67A-D333197135F1}" type="datetime1">
               <a:rPr kumimoji="1" lang="ja-JP" altLang="en-US" smtClean="0"/>
-              <a:t>2023/10/18</a:t>
+              <a:t>2023/10/26</a:t>
             </a:fld>
             <a:endParaRPr kumimoji="1" lang="ja-JP" altLang="en-US"/>
           </a:p>
@@ -3593,7 +3593,7 @@
           <a:p>
             <a:fld id="{AE668F5B-FBDB-4ED1-8C09-73D92A13A489}" type="datetime1">
               <a:rPr kumimoji="1" lang="ja-JP" altLang="en-US" smtClean="0"/>
-              <a:t>2023/10/18</a:t>
+              <a:t>2023/10/26</a:t>
             </a:fld>
             <a:endParaRPr kumimoji="1" lang="ja-JP" altLang="en-US"/>
           </a:p>
@@ -4192,8 +4192,8 @@
           </a:p>
         </p:txBody>
       </p:sp>
-      <mc:AlternateContent xmlns:mc="http://schemas.openxmlformats.org/markup-compatibility/2006">
-        <mc:Choice xmlns:a14="http://schemas.microsoft.com/office/drawing/2010/main" Requires="a14">
+      <mc:AlternateContent xmlns:mc="http://schemas.openxmlformats.org/markup-compatibility/2006" xmlns:a14="http://schemas.microsoft.com/office/drawing/2010/main">
+        <mc:Choice Requires="a14">
           <p:sp>
             <p:nvSpPr>
               <p:cNvPr id="8" name="テキスト ボックス 7">
@@ -4342,6 +4342,7 @@
                 <a:endParaRPr lang="en-US" altLang="ja-JP" sz="2400" dirty="0"/>
               </a:p>
               <a:p>
+                <a:pPr/>
                 <a14:m>
                   <m:oMathPara xmlns:m="http://schemas.openxmlformats.org/officeDocument/2006/math">
                     <m:oMathParaPr>
@@ -4472,6 +4473,7 @@
                 <a:endParaRPr lang="en-US" altLang="ja-JP" sz="2400" dirty="0"/>
               </a:p>
               <a:p>
+                <a:pPr/>
                 <a14:m>
                   <m:oMathPara xmlns:m="http://schemas.openxmlformats.org/officeDocument/2006/math">
                     <m:oMathParaPr>
@@ -5167,7 +5169,7 @@
             </p:txBody>
           </p:sp>
         </mc:Choice>
-        <mc:Fallback>
+        <mc:Fallback xmlns="">
           <p:sp>
             <p:nvSpPr>
               <p:cNvPr id="8" name="テキスト ボックス 7">
@@ -5376,8 +5378,8 @@
           </a:prstGeom>
         </p:spPr>
       </p:pic>
-      <mc:AlternateContent xmlns:mc="http://schemas.openxmlformats.org/markup-compatibility/2006">
-        <mc:Choice xmlns:a14="http://schemas.microsoft.com/office/drawing/2010/main" Requires="a14">
+      <mc:AlternateContent xmlns:mc="http://schemas.openxmlformats.org/markup-compatibility/2006" xmlns:a14="http://schemas.microsoft.com/office/drawing/2010/main">
+        <mc:Choice Requires="a14">
           <p:sp>
             <p:nvSpPr>
               <p:cNvPr id="6" name="テキスト ボックス 5">
@@ -6444,7 +6446,7 @@
             </p:txBody>
           </p:sp>
         </mc:Choice>
-        <mc:Fallback>
+        <mc:Fallback xmlns="">
           <p:sp>
             <p:nvSpPr>
               <p:cNvPr id="6" name="テキスト ボックス 5">
@@ -10984,12 +10986,12 @@
               <a:rPr kumimoji="1" lang="ja-JP" altLang="en-US" smtClean="0"/>
               <a:t>5</a:t>
             </a:fld>
-            <a:endParaRPr kumimoji="1" lang="ja-JP" altLang="en-US"/>
+            <a:endParaRPr kumimoji="1" lang="ja-JP" altLang="en-US" dirty="0"/>
           </a:p>
         </p:txBody>
       </p:sp>
-      <mc:AlternateContent xmlns:mc="http://schemas.openxmlformats.org/markup-compatibility/2006" xmlns:a14="http://schemas.microsoft.com/office/drawing/2010/main">
-        <mc:Choice Requires="a14">
+      <mc:AlternateContent xmlns:mc="http://schemas.openxmlformats.org/markup-compatibility/2006">
+        <mc:Choice xmlns:a14="http://schemas.microsoft.com/office/drawing/2010/main" Requires="a14">
           <p:sp>
             <p:nvSpPr>
               <p:cNvPr id="4" name="テキスト ボックス 3">
@@ -12558,7 +12560,63 @@
                                     <a:rPr kumimoji="1" lang="en-US" altLang="ja-JP" b="0" i="1" smtClean="0">
                                       <a:latin typeface="Cambria Math" panose="02040503050406030204" pitchFamily="18" charset="0"/>
                                     </a:rPr>
-                                    <m:t>1+</m:t>
+                                    <m:t>1+2</m:t>
+                                  </m:r>
+                                  <m:sSub>
+                                    <m:sSubPr>
+                                      <m:ctrlPr>
+                                        <a:rPr kumimoji="1" lang="en-US" altLang="ja-JP" b="0" i="1" smtClean="0">
+                                          <a:latin typeface="Cambria Math" panose="02040503050406030204" pitchFamily="18" charset="0"/>
+                                        </a:rPr>
+                                      </m:ctrlPr>
+                                    </m:sSubPr>
+                                    <m:e>
+                                      <m:r>
+                                        <a:rPr kumimoji="1" lang="en-US" altLang="ja-JP" b="0" i="1" smtClean="0">
+                                          <a:latin typeface="Cambria Math" panose="02040503050406030204" pitchFamily="18" charset="0"/>
+                                        </a:rPr>
+                                        <m:t>𝑅</m:t>
+                                      </m:r>
+                                    </m:e>
+                                    <m:sub>
+                                      <m:r>
+                                        <a:rPr kumimoji="1" lang="en-US" altLang="ja-JP" b="0" i="1" smtClean="0">
+                                          <a:latin typeface="Cambria Math" panose="02040503050406030204" pitchFamily="18" charset="0"/>
+                                        </a:rPr>
+                                        <m:t>𝐿</m:t>
+                                      </m:r>
+                                    </m:sub>
+                                  </m:sSub>
+                                  <m:sSub>
+                                    <m:sSubPr>
+                                      <m:ctrlPr>
+                                        <a:rPr kumimoji="1" lang="en-US" altLang="ja-JP" b="0" i="1" smtClean="0">
+                                          <a:latin typeface="Cambria Math" panose="02040503050406030204" pitchFamily="18" charset="0"/>
+                                        </a:rPr>
+                                      </m:ctrlPr>
+                                    </m:sSubPr>
+                                    <m:e>
+                                      <m:r>
+                                        <a:rPr kumimoji="1" lang="en-US" altLang="ja-JP" b="0" i="1" smtClean="0">
+                                          <a:latin typeface="Cambria Math" panose="02040503050406030204" pitchFamily="18" charset="0"/>
+                                        </a:rPr>
+                                        <m:t>𝑔</m:t>
+                                      </m:r>
+                                    </m:e>
+                                    <m:sub>
+                                      <m:r>
+                                        <a:rPr kumimoji="1" lang="en-US" altLang="ja-JP" b="0" i="1" smtClean="0">
+                                          <a:latin typeface="Cambria Math" panose="02040503050406030204" pitchFamily="18" charset="0"/>
+                                        </a:rPr>
+                                        <m:t>𝑑𝑝</m:t>
+                                      </m:r>
+                                    </m:sub>
+                                  </m:sSub>
+                                  <m:r>
+                                    <a:rPr kumimoji="1" lang="en-US" altLang="ja-JP" b="0" i="1" smtClean="0">
+                                      <a:latin typeface="Cambria Math" panose="02040503050406030204" pitchFamily="18" charset="0"/>
+                                    </a:rPr>
+                                    <m:t>+</m:t>
                                   </m:r>
                                   <m:r>
                                     <a:rPr kumimoji="1" lang="en-US" altLang="ja-JP" b="0" i="1" smtClean="0">
@@ -12730,7 +12788,13 @@
                                         <a:rPr kumimoji="1" lang="en-US" altLang="ja-JP" b="0" i="1" smtClean="0">
                                           <a:latin typeface="Cambria Math" panose="02040503050406030204" pitchFamily="18" charset="0"/>
                                         </a:rPr>
-                                        <m:t>𝑚𝑝</m:t>
+                                        <m:t>𝑚</m:t>
+                                      </m:r>
+                                      <m:r>
+                                        <a:rPr kumimoji="1" lang="en-US" altLang="ja-JP" b="0" i="1" smtClean="0">
+                                          <a:latin typeface="Cambria Math" panose="02040503050406030204" pitchFamily="18" charset="0"/>
+                                        </a:rPr>
+                                        <m:t>𝑝</m:t>
                                       </m:r>
                                     </m:sub>
                                   </m:sSub>
@@ -12915,7 +12979,7 @@
             </p:txBody>
           </p:sp>
         </mc:Choice>
-        <mc:Fallback xmlns="">
+        <mc:Fallback>
           <p:sp>
             <p:nvSpPr>
               <p:cNvPr id="4" name="テキスト ボックス 3">
@@ -13128,8 +13192,8 @@
           </a:p>
         </p:txBody>
       </p:sp>
-      <mc:AlternateContent xmlns:mc="http://schemas.openxmlformats.org/markup-compatibility/2006" xmlns:a14="http://schemas.microsoft.com/office/drawing/2010/main">
-        <mc:Choice Requires="a14">
+      <mc:AlternateContent xmlns:mc="http://schemas.openxmlformats.org/markup-compatibility/2006">
+        <mc:Choice xmlns:a14="http://schemas.microsoft.com/office/drawing/2010/main" Requires="a14">
           <p:sp>
             <p:nvSpPr>
               <p:cNvPr id="6" name="テキスト ボックス 5">
@@ -13558,6 +13622,12 @@
                                       <a:latin typeface="Cambria Math" panose="02040503050406030204" pitchFamily="18" charset="0"/>
                                     </a:rPr>
                                     <m:t>𝑗</m:t>
+                                  </m:r>
+                                  <m:r>
+                                    <a:rPr kumimoji="1" lang="en-US" altLang="ja-JP" b="0" i="1" smtClean="0">
+                                      <a:latin typeface="Cambria Math" panose="02040503050406030204" pitchFamily="18" charset="0"/>
+                                    </a:rPr>
+                                    <m:t>2</m:t>
                                   </m:r>
                                   <m:r>
                                     <a:rPr kumimoji="1" lang="en-US" altLang="ja-JP" b="0" i="1" smtClean="0">
@@ -14001,7 +14071,7 @@
             </p:txBody>
           </p:sp>
         </mc:Choice>
-        <mc:Fallback xmlns="">
+        <mc:Fallback>
           <p:sp>
             <p:nvSpPr>
               <p:cNvPr id="6" name="テキスト ボックス 5">
@@ -14441,8 +14511,8 @@
           </a:p>
         </p:txBody>
       </p:sp>
-      <mc:AlternateContent xmlns:mc="http://schemas.openxmlformats.org/markup-compatibility/2006">
-        <mc:Choice xmlns:a14="http://schemas.microsoft.com/office/drawing/2010/main" Requires="a14">
+      <mc:AlternateContent xmlns:mc="http://schemas.openxmlformats.org/markup-compatibility/2006" xmlns:a14="http://schemas.microsoft.com/office/drawing/2010/main">
+        <mc:Choice Requires="a14">
           <p:sp>
             <p:nvSpPr>
               <p:cNvPr id="4" name="テキスト ボックス 3">
@@ -14790,7 +14860,7 @@
                     <m:f>
                       <m:fPr>
                         <m:ctrlPr>
-                          <a:rPr lang="en-US" altLang="ja-JP" sz="2400" b="0" i="0" dirty="0" smtClean="0">
+                          <a:rPr lang="en-US" altLang="ja-JP" sz="2400" b="0" i="1" dirty="0" smtClean="0">
                             <a:latin typeface="Cambria Math" panose="02040503050406030204" pitchFamily="18" charset="0"/>
                           </a:rPr>
                         </m:ctrlPr>
@@ -14816,37 +14886,7 @@
                       <a:rPr lang="en-US" altLang="ja-JP" sz="2400" b="0" i="1" dirty="0" smtClean="0">
                         <a:latin typeface="Cambria Math" panose="02040503050406030204" pitchFamily="18" charset="0"/>
                       </a:rPr>
-                      <m:t>÷200</m:t>
-                    </m:r>
-                    <m:r>
-                      <a:rPr lang="en-US" altLang="ja-JP" sz="2400" b="0" i="1" dirty="0" smtClean="0">
-                        <a:latin typeface="Cambria Math" panose="02040503050406030204" pitchFamily="18" charset="0"/>
-                      </a:rPr>
-                      <m:t>=0.</m:t>
-                    </m:r>
-                    <m:r>
-                      <a:rPr lang="en-US" altLang="ja-JP" sz="2400" b="0" i="1" dirty="0" smtClean="0">
-                        <a:latin typeface="Cambria Math" panose="02040503050406030204" pitchFamily="18" charset="0"/>
-                      </a:rPr>
-                      <m:t>285</m:t>
-                    </m:r>
-                    <m:r>
-                      <a:rPr lang="en-US" altLang="ja-JP" sz="2400" b="0" i="1" dirty="0" smtClean="0">
-                        <a:latin typeface="Cambria Math" panose="02040503050406030204" pitchFamily="18" charset="0"/>
-                      </a:rPr>
-                      <m:t>⋯≈−</m:t>
-                    </m:r>
-                    <m:r>
-                      <a:rPr lang="en-US" altLang="ja-JP" sz="2400" b="0" i="1" dirty="0" smtClean="0">
-                        <a:latin typeface="Cambria Math" panose="02040503050406030204" pitchFamily="18" charset="0"/>
-                      </a:rPr>
-                      <m:t>0.55</m:t>
-                    </m:r>
-                    <m:r>
-                      <a:rPr lang="en-US" altLang="ja-JP" sz="2400" b="0" i="1" dirty="0" smtClean="0">
-                        <a:latin typeface="Cambria Math" panose="02040503050406030204" pitchFamily="18" charset="0"/>
-                      </a:rPr>
-                      <m:t> </m:t>
+                      <m:t>÷200=0.285⋯≈−0.55 </m:t>
                     </m:r>
                     <m:d>
                       <m:dPr>
@@ -14891,7 +14931,7 @@
             </p:txBody>
           </p:sp>
         </mc:Choice>
-        <mc:Fallback>
+        <mc:Fallback xmlns="">
           <p:sp>
             <p:nvSpPr>
               <p:cNvPr id="4" name="テキスト ボックス 3">
@@ -15028,8 +15068,8 @@
           </a:p>
         </p:txBody>
       </p:sp>
-      <mc:AlternateContent xmlns:mc="http://schemas.openxmlformats.org/markup-compatibility/2006">
-        <mc:Choice xmlns:a14="http://schemas.microsoft.com/office/drawing/2010/main" Requires="a14">
+      <mc:AlternateContent xmlns:mc="http://schemas.openxmlformats.org/markup-compatibility/2006" xmlns:a14="http://schemas.microsoft.com/office/drawing/2010/main">
+        <mc:Choice Requires="a14">
           <p:sp>
             <p:nvSpPr>
               <p:cNvPr id="8" name="テキスト ボックス 7">
@@ -15173,13 +15213,7 @@
                           <a:rPr kumimoji="1" lang="en-US" altLang="ja-JP" sz="2400" b="0" i="1" smtClean="0">
                             <a:latin typeface="Cambria Math" panose="02040503050406030204" pitchFamily="18" charset="0"/>
                           </a:rPr>
-                          <m:t>𝑝</m:t>
-                        </m:r>
-                        <m:r>
-                          <a:rPr kumimoji="1" lang="en-US" altLang="ja-JP" sz="2400" b="0" i="1" smtClean="0">
-                            <a:latin typeface="Cambria Math" panose="02040503050406030204" pitchFamily="18" charset="0"/>
-                          </a:rPr>
-                          <m:t>𝑆</m:t>
+                          <m:t>𝑝𝑆</m:t>
                         </m:r>
                       </m:sub>
                     </m:sSub>
@@ -15227,13 +15261,7 @@
                           <a:rPr kumimoji="1" lang="en-US" altLang="ja-JP" sz="2400" b="0" i="1" smtClean="0">
                             <a:latin typeface="Cambria Math" panose="02040503050406030204" pitchFamily="18" charset="0"/>
                           </a:rPr>
-                          <m:t>𝑝</m:t>
-                        </m:r>
-                        <m:r>
-                          <a:rPr kumimoji="1" lang="en-US" altLang="ja-JP" sz="2400" b="0" i="1" smtClean="0">
-                            <a:latin typeface="Cambria Math" panose="02040503050406030204" pitchFamily="18" charset="0"/>
-                          </a:rPr>
-                          <m:t>𝑆</m:t>
+                          <m:t>𝑝𝑆</m:t>
                         </m:r>
                       </m:sub>
                     </m:sSub>
@@ -15351,7 +15379,7 @@
             </p:txBody>
           </p:sp>
         </mc:Choice>
-        <mc:Fallback>
+        <mc:Fallback xmlns="">
           <p:sp>
             <p:nvSpPr>
               <p:cNvPr id="8" name="テキスト ボックス 7">
